--- a/docs/NTCNA PCAP Decoder JSON Converter.pptx
+++ b/docs/NTCNA PCAP Decoder JSON Converter.pptx
@@ -280,7 +280,7 @@
           <a:p>
             <a:fld id="{B9D96AD3-49F6-43A9-865E-438AB34BF1F7}" type="datetimeFigureOut">
               <a:rPr lang="en-US" smtClean="0"/>
-              <a:t>7/15/2021</a:t>
+              <a:t>8/27/2024</a:t>
             </a:fld>
             <a:endParaRPr lang="en-US"/>
           </a:p>
@@ -478,7 +478,7 @@
           <a:p>
             <a:fld id="{B9D96AD3-49F6-43A9-865E-438AB34BF1F7}" type="datetimeFigureOut">
               <a:rPr lang="en-US" smtClean="0"/>
-              <a:t>7/15/2021</a:t>
+              <a:t>8/27/2024</a:t>
             </a:fld>
             <a:endParaRPr lang="en-US"/>
           </a:p>
@@ -686,7 +686,7 @@
           <a:p>
             <a:fld id="{B9D96AD3-49F6-43A9-865E-438AB34BF1F7}" type="datetimeFigureOut">
               <a:rPr lang="en-US" smtClean="0"/>
-              <a:t>7/15/2021</a:t>
+              <a:t>8/27/2024</a:t>
             </a:fld>
             <a:endParaRPr lang="en-US"/>
           </a:p>
@@ -884,7 +884,7 @@
           <a:p>
             <a:fld id="{B9D96AD3-49F6-43A9-865E-438AB34BF1F7}" type="datetimeFigureOut">
               <a:rPr lang="en-US" smtClean="0"/>
-              <a:t>7/15/2021</a:t>
+              <a:t>8/27/2024</a:t>
             </a:fld>
             <a:endParaRPr lang="en-US"/>
           </a:p>
@@ -1159,7 +1159,7 @@
           <a:p>
             <a:fld id="{B9D96AD3-49F6-43A9-865E-438AB34BF1F7}" type="datetimeFigureOut">
               <a:rPr lang="en-US" smtClean="0"/>
-              <a:t>7/15/2021</a:t>
+              <a:t>8/27/2024</a:t>
             </a:fld>
             <a:endParaRPr lang="en-US"/>
           </a:p>
@@ -1424,7 +1424,7 @@
           <a:p>
             <a:fld id="{B9D96AD3-49F6-43A9-865E-438AB34BF1F7}" type="datetimeFigureOut">
               <a:rPr lang="en-US" smtClean="0"/>
-              <a:t>7/15/2021</a:t>
+              <a:t>8/27/2024</a:t>
             </a:fld>
             <a:endParaRPr lang="en-US"/>
           </a:p>
@@ -1836,7 +1836,7 @@
           <a:p>
             <a:fld id="{B9D96AD3-49F6-43A9-865E-438AB34BF1F7}" type="datetimeFigureOut">
               <a:rPr lang="en-US" smtClean="0"/>
-              <a:t>7/15/2021</a:t>
+              <a:t>8/27/2024</a:t>
             </a:fld>
             <a:endParaRPr lang="en-US"/>
           </a:p>
@@ -1977,7 +1977,7 @@
           <a:p>
             <a:fld id="{B9D96AD3-49F6-43A9-865E-438AB34BF1F7}" type="datetimeFigureOut">
               <a:rPr lang="en-US" smtClean="0"/>
-              <a:t>7/15/2021</a:t>
+              <a:t>8/27/2024</a:t>
             </a:fld>
             <a:endParaRPr lang="en-US"/>
           </a:p>
@@ -2090,7 +2090,7 @@
           <a:p>
             <a:fld id="{B9D96AD3-49F6-43A9-865E-438AB34BF1F7}" type="datetimeFigureOut">
               <a:rPr lang="en-US" smtClean="0"/>
-              <a:t>7/15/2021</a:t>
+              <a:t>8/27/2024</a:t>
             </a:fld>
             <a:endParaRPr lang="en-US"/>
           </a:p>
@@ -2401,7 +2401,7 @@
           <a:p>
             <a:fld id="{B9D96AD3-49F6-43A9-865E-438AB34BF1F7}" type="datetimeFigureOut">
               <a:rPr lang="en-US" smtClean="0"/>
-              <a:t>7/15/2021</a:t>
+              <a:t>8/27/2024</a:t>
             </a:fld>
             <a:endParaRPr lang="en-US"/>
           </a:p>
@@ -2689,7 +2689,7 @@
           <a:p>
             <a:fld id="{B9D96AD3-49F6-43A9-865E-438AB34BF1F7}" type="datetimeFigureOut">
               <a:rPr lang="en-US" smtClean="0"/>
-              <a:t>7/15/2021</a:t>
+              <a:t>8/27/2024</a:t>
             </a:fld>
             <a:endParaRPr lang="en-US"/>
           </a:p>
@@ -2930,7 +2930,7 @@
           <a:p>
             <a:fld id="{B9D96AD3-49F6-43A9-865E-438AB34BF1F7}" type="datetimeFigureOut">
               <a:rPr lang="en-US" smtClean="0"/>
-              <a:t>7/15/2021</a:t>
+              <a:t>8/27/2024</a:t>
             </a:fld>
             <a:endParaRPr lang="en-US"/>
           </a:p>
@@ -3370,7 +3370,7 @@
           <a:p>
             <a:r>
               <a:rPr lang="en-US" dirty="0"/>
-              <a:t>NTCNA PCAP Decoder JSON Converter V1.1.11</a:t>
+              <a:t>NTCNA PCAP Decoder JSON Converter V2.0</a:t>
             </a:r>
           </a:p>
         </p:txBody>
@@ -3399,6 +3399,12 @@
             <a:r>
               <a:rPr lang="en-US" dirty="0"/>
               <a:t>Python application to convert PCAP data to JSON format</a:t>
+            </a:r>
+          </a:p>
+          <a:p>
+            <a:r>
+              <a:rPr lang="en-US" dirty="0"/>
+              <a:t>Now provided in standalone executables for Windows</a:t>
             </a:r>
           </a:p>
         </p:txBody>
@@ -4741,18 +4747,14 @@
             <a:pPr lvl="1"/>
             <a:r>
               <a:rPr lang="en-US" dirty="0"/>
-              <a:t>Python 3.8 or greater (Python 2 is EOL)</a:t>
+              <a:t>Python 3.11 or greater (Python 2 is EOL)</a:t>
             </a:r>
           </a:p>
           <a:p>
             <a:pPr lvl="1"/>
             <a:r>
-              <a:rPr lang="en-US" dirty="0" err="1"/>
-              <a:t>PySide</a:t>
-            </a:r>
-            <a:r>
-              <a:rPr lang="en-US" dirty="0"/>
-              <a:t> 2 or higher for QT5 based GUI</a:t>
+              <a:rPr lang="en-US" dirty="0"/>
+              <a:t>PySide6 or higher for QT6 based GUI (multiplatform)</a:t>
             </a:r>
           </a:p>
           <a:p>
@@ -4781,7 +4783,7 @@
                 <a:latin typeface="Courier New" panose="02070309020205020404" pitchFamily="49" charset="0"/>
                 <a:cs typeface="Courier New" panose="02070309020205020404" pitchFamily="49" charset="0"/>
               </a:rPr>
-              <a:t>pyside2-uic </a:t>
+              <a:t>pyside6-uic </a:t>
             </a:r>
             <a:r>
               <a:rPr lang="en-US" dirty="0" err="1">
@@ -4820,7 +4822,7 @@
             </a:r>
             <a:r>
               <a:rPr lang="en-US" dirty="0"/>
-              <a:t> 2.4.4 (</a:t>
+              <a:t> (</a:t>
             </a:r>
             <a:r>
               <a:rPr lang="en-US" dirty="0">
@@ -4832,51 +4834,9 @@
               <a:rPr lang="en-US" dirty="0"/>
               <a:t>)</a:t>
             </a:r>
-          </a:p>
-          <a:p>
-            <a:pPr lvl="1"/>
-            <a:r>
-              <a:rPr lang="en-US" dirty="0" err="1"/>
-              <a:t>Scapy</a:t>
-            </a:r>
-            <a:r>
-              <a:rPr lang="en-US" dirty="0"/>
-              <a:t> 2.4.5 crashes the application for some reason</a:t>
-            </a:r>
-          </a:p>
-          <a:p>
-            <a:pPr lvl="2"/>
-            <a:r>
-              <a:rPr lang="en-US" dirty="0"/>
-              <a:t>Do </a:t>
-            </a:r>
-            <a:r>
-              <a:rPr lang="en-US" dirty="0">
-                <a:latin typeface="Courier New" panose="02070309020205020404" pitchFamily="49" charset="0"/>
-                <a:cs typeface="Courier New" panose="02070309020205020404" pitchFamily="49" charset="0"/>
-              </a:rPr>
-              <a:t>pip3 install </a:t>
-            </a:r>
-            <a:r>
-              <a:rPr lang="en-US" dirty="0" err="1">
-                <a:latin typeface="Courier New" panose="02070309020205020404" pitchFamily="49" charset="0"/>
-                <a:cs typeface="Courier New" panose="02070309020205020404" pitchFamily="49" charset="0"/>
-              </a:rPr>
-              <a:t>scapy</a:t>
-            </a:r>
-            <a:r>
-              <a:rPr lang="en-US" dirty="0">
-                <a:latin typeface="Courier New" panose="02070309020205020404" pitchFamily="49" charset="0"/>
-                <a:cs typeface="Courier New" panose="02070309020205020404" pitchFamily="49" charset="0"/>
-              </a:rPr>
-              <a:t>==2.4.4</a:t>
-            </a:r>
-            <a:r>
-              <a:rPr lang="en-US" dirty="0">
-                <a:cs typeface="Courier New" panose="02070309020205020404" pitchFamily="49" charset="0"/>
-              </a:rPr>
-              <a:t> to downgrade</a:t>
-            </a:r>
+            <a:endParaRPr lang="en-US" dirty="0">
+              <a:cs typeface="Courier New" panose="02070309020205020404" pitchFamily="49" charset="0"/>
+            </a:endParaRPr>
           </a:p>
           <a:p>
             <a:r>
@@ -4916,8 +4876,19 @@
                 <a:latin typeface="Courier New" panose="02070309020205020404" pitchFamily="49" charset="0"/>
                 <a:cs typeface="Courier New" panose="02070309020205020404" pitchFamily="49" charset="0"/>
               </a:rPr>
-              <a:t>python3 setup.py install</a:t>
-            </a:r>
+              <a:t>python –m pip install </a:t>
+            </a:r>
+            <a:r>
+              <a:rPr lang="en-US" dirty="0" err="1">
+                <a:latin typeface="Courier New" panose="02070309020205020404" pitchFamily="49" charset="0"/>
+                <a:cs typeface="Courier New" panose="02070309020205020404" pitchFamily="49" charset="0"/>
+              </a:rPr>
+              <a:t>pycrate</a:t>
+            </a:r>
+            <a:endParaRPr lang="en-US" dirty="0">
+              <a:latin typeface="Courier New" panose="02070309020205020404" pitchFamily="49" charset="0"/>
+              <a:cs typeface="Courier New" panose="02070309020205020404" pitchFamily="49" charset="0"/>
+            </a:endParaRPr>
           </a:p>
           <a:p>
             <a:pPr lvl="1"/>
@@ -4938,15 +4909,7 @@
             <a:pPr lvl="1"/>
             <a:r>
               <a:rPr lang="en-US" dirty="0"/>
-              <a:t>Using </a:t>
-            </a:r>
-            <a:r>
-              <a:rPr lang="en-US" dirty="0" err="1"/>
-              <a:t>Pycrate</a:t>
-            </a:r>
-            <a:r>
-              <a:rPr lang="en-US" dirty="0"/>
-              <a:t> to decode 1609.2 has issues, manually decoded</a:t>
+              <a:t>1609.2 ASN.1 OER is manually decoded</a:t>
             </a:r>
           </a:p>
         </p:txBody>
@@ -5019,7 +4982,7 @@
             </a:r>
             <a:r>
               <a:rPr lang="en-US" b="1" dirty="0"/>
-              <a:t> JSON Format for J2735</a:t>
+              <a:t>/CI/CTIC JSON Format for J2735</a:t>
             </a:r>
           </a:p>
         </p:txBody>
@@ -5306,6 +5269,13 @@
             <a:r>
               <a:rPr lang="en-US" dirty="0"/>
               <a:t>Anaconda</a:t>
+            </a:r>
+          </a:p>
+          <a:p>
+            <a:pPr lvl="1"/>
+            <a:r>
+              <a:rPr lang="en-US" dirty="0"/>
+              <a:t>Snowflake</a:t>
             </a:r>
           </a:p>
           <a:p>
@@ -6526,7 +6496,7 @@
 </file>
 
 <file path=ppt/slides/slide17.xml><?xml version="1.0" encoding="utf-8"?>
-<p:sld xmlns:a="http://schemas.openxmlformats.org/drawingml/2006/main" xmlns:r="http://schemas.openxmlformats.org/officeDocument/2006/relationships" xmlns:p="http://schemas.openxmlformats.org/presentationml/2006/main">
+<p:sld xmlns:a="http://schemas.openxmlformats.org/drawingml/2006/main" xmlns:r="http://schemas.openxmlformats.org/officeDocument/2006/relationships" xmlns:p="http://schemas.openxmlformats.org/presentationml/2006/main" show="0">
   <p:cSld>
     <p:spTree>
       <p:nvGrpSpPr>
@@ -6609,7 +6579,7 @@
 </file>
 
 <file path=ppt/slides/slide18.xml><?xml version="1.0" encoding="utf-8"?>
-<p:sld xmlns:a="http://schemas.openxmlformats.org/drawingml/2006/main" xmlns:r="http://schemas.openxmlformats.org/officeDocument/2006/relationships" xmlns:p="http://schemas.openxmlformats.org/presentationml/2006/main">
+<p:sld xmlns:a="http://schemas.openxmlformats.org/drawingml/2006/main" xmlns:r="http://schemas.openxmlformats.org/officeDocument/2006/relationships" xmlns:p="http://schemas.openxmlformats.org/presentationml/2006/main" show="0">
   <p:cSld>
     <p:spTree>
       <p:nvGrpSpPr>
@@ -6755,7 +6725,7 @@
 </file>
 
 <file path=ppt/slides/slide19.xml><?xml version="1.0" encoding="utf-8"?>
-<p:sld xmlns:a="http://schemas.openxmlformats.org/drawingml/2006/main" xmlns:r="http://schemas.openxmlformats.org/officeDocument/2006/relationships" xmlns:p="http://schemas.openxmlformats.org/presentationml/2006/main">
+<p:sld xmlns:a="http://schemas.openxmlformats.org/drawingml/2006/main" xmlns:r="http://schemas.openxmlformats.org/officeDocument/2006/relationships" xmlns:p="http://schemas.openxmlformats.org/presentationml/2006/main" show="0">
   <p:cSld>
     <p:spTree>
       <p:nvGrpSpPr>
@@ -6933,10 +6903,10 @@
       </p:sp>
       <p:pic>
         <p:nvPicPr>
-          <p:cNvPr id="5" name="Picture 4">
-            <a:extLst>
-              <a:ext uri="{FF2B5EF4-FFF2-40B4-BE49-F238E27FC236}">
-                <a16:creationId xmlns:a16="http://schemas.microsoft.com/office/drawing/2014/main" id="{27D1FBF1-C859-4135-B6D4-7575F110B951}"/>
+          <p:cNvPr id="4" name="Picture 3" descr="A screenshot of a computer&#10;&#10;Description automatically generated">
+            <a:extLst>
+              <a:ext uri="{FF2B5EF4-FFF2-40B4-BE49-F238E27FC236}">
+                <a16:creationId xmlns:a16="http://schemas.microsoft.com/office/drawing/2014/main" id="{0FACB9D9-9127-8E0A-1B25-4D1451209567}"/>
               </a:ext>
             </a:extLst>
           </p:cNvPr>
@@ -6959,8 +6929,8 @@
         </p:blipFill>
         <p:spPr>
           <a:xfrm>
-            <a:off x="2139244" y="1300848"/>
-            <a:ext cx="7913511" cy="5440680"/>
+            <a:off x="2077175" y="1027906"/>
+            <a:ext cx="7533333" cy="5419048"/>
           </a:xfrm>
           <a:prstGeom prst="rect">
             <a:avLst/>
@@ -6981,7 +6951,7 @@
 </file>
 
 <file path=ppt/slides/slide20.xml><?xml version="1.0" encoding="utf-8"?>
-<p:sld xmlns:a="http://schemas.openxmlformats.org/drawingml/2006/main" xmlns:r="http://schemas.openxmlformats.org/officeDocument/2006/relationships" xmlns:p="http://schemas.openxmlformats.org/presentationml/2006/main">
+<p:sld xmlns:a="http://schemas.openxmlformats.org/drawingml/2006/main" xmlns:r="http://schemas.openxmlformats.org/officeDocument/2006/relationships" xmlns:p="http://schemas.openxmlformats.org/presentationml/2006/main" show="0">
   <p:cSld>
     <p:spTree>
       <p:nvGrpSpPr>
@@ -7179,15 +7149,14 @@
                 <a:latin typeface="Courier New" panose="02070309020205020404" pitchFamily="49" charset="0"/>
                 <a:cs typeface="Courier New" panose="02070309020205020404" pitchFamily="49" charset="0"/>
               </a:rPr>
-              <a:t>git clone </a:t>
-            </a:r>
-            <a:r>
-              <a:rPr lang="en-US" sz="1600" dirty="0">
-                <a:latin typeface="Courier New" panose="02070309020205020404" pitchFamily="49" charset="0"/>
-                <a:cs typeface="Courier New" panose="02070309020205020404" pitchFamily="49" charset="0"/>
-                <a:hlinkClick r:id="rId2"/>
-              </a:rPr>
-              <a:t>https://github.com/P1sec/pycrate.git</a:t>
+              <a:t>Python –m pip install </a:t>
+            </a:r>
+            <a:r>
+              <a:rPr lang="en-US" sz="1600" dirty="0" err="1">
+                <a:latin typeface="Courier New" panose="02070309020205020404" pitchFamily="49" charset="0"/>
+                <a:cs typeface="Courier New" panose="02070309020205020404" pitchFamily="49" charset="0"/>
+              </a:rPr>
+              <a:t>pycrate</a:t>
             </a:r>
             <a:endParaRPr lang="en-US" sz="1600" dirty="0">
               <a:latin typeface="Courier New" panose="02070309020205020404" pitchFamily="49" charset="0"/>
@@ -7201,24 +7170,56 @@
                 <a:latin typeface="Courier New" panose="02070309020205020404" pitchFamily="49" charset="0"/>
                 <a:cs typeface="Courier New" panose="02070309020205020404" pitchFamily="49" charset="0"/>
               </a:rPr>
-              <a:t>cd </a:t>
-            </a:r>
-            <a:r>
-              <a:rPr lang="en-US" sz="1600" dirty="0" err="1">
-                <a:latin typeface="Courier New" panose="02070309020205020404" pitchFamily="49" charset="0"/>
-                <a:cs typeface="Courier New" panose="02070309020205020404" pitchFamily="49" charset="0"/>
-              </a:rPr>
-              <a:t>pycrate</a:t>
-            </a:r>
-            <a:endParaRPr lang="en-US" sz="1600" dirty="0">
+              <a:t>Old method:</a:t>
+            </a:r>
+          </a:p>
+          <a:p>
+            <a:pPr lvl="2"/>
+            <a:r>
+              <a:rPr lang="en-US" sz="1200" dirty="0">
+                <a:latin typeface="Courier New" panose="02070309020205020404" pitchFamily="49" charset="0"/>
+                <a:cs typeface="Courier New" panose="02070309020205020404" pitchFamily="49" charset="0"/>
+              </a:rPr>
+              <a:t>git clone </a:t>
+            </a:r>
+            <a:r>
+              <a:rPr lang="en-US" sz="1200" dirty="0">
+                <a:latin typeface="Courier New" panose="02070309020205020404" pitchFamily="49" charset="0"/>
+                <a:cs typeface="Courier New" panose="02070309020205020404" pitchFamily="49" charset="0"/>
+                <a:hlinkClick r:id="rId2"/>
+              </a:rPr>
+              <a:t>https://github.com/P1sec/pycrate.git</a:t>
+            </a:r>
+            <a:endParaRPr lang="en-US" sz="1200" dirty="0">
               <a:latin typeface="Courier New" panose="02070309020205020404" pitchFamily="49" charset="0"/>
               <a:cs typeface="Courier New" panose="02070309020205020404" pitchFamily="49" charset="0"/>
             </a:endParaRPr>
           </a:p>
           <a:p>
-            <a:pPr lvl="1"/>
-            <a:r>
-              <a:rPr lang="en-US" sz="1600" dirty="0">
+            <a:pPr lvl="2"/>
+            <a:r>
+              <a:rPr lang="en-US" sz="1200" dirty="0">
+                <a:latin typeface="Courier New" panose="02070309020205020404" pitchFamily="49" charset="0"/>
+                <a:cs typeface="Courier New" panose="02070309020205020404" pitchFamily="49" charset="0"/>
+              </a:rPr>
+              <a:t>cd </a:t>
+            </a:r>
+            <a:r>
+              <a:rPr lang="en-US" sz="1200" dirty="0" err="1">
+                <a:latin typeface="Courier New" panose="02070309020205020404" pitchFamily="49" charset="0"/>
+                <a:cs typeface="Courier New" panose="02070309020205020404" pitchFamily="49" charset="0"/>
+              </a:rPr>
+              <a:t>pycrate</a:t>
+            </a:r>
+            <a:endParaRPr lang="en-US" sz="1200" dirty="0">
+              <a:latin typeface="Courier New" panose="02070309020205020404" pitchFamily="49" charset="0"/>
+              <a:cs typeface="Courier New" panose="02070309020205020404" pitchFamily="49" charset="0"/>
+            </a:endParaRPr>
+          </a:p>
+          <a:p>
+            <a:pPr lvl="2"/>
+            <a:r>
+              <a:rPr lang="en-US" sz="1200" dirty="0">
                 <a:latin typeface="Courier New" panose="02070309020205020404" pitchFamily="49" charset="0"/>
                 <a:cs typeface="Courier New" panose="02070309020205020404" pitchFamily="49" charset="0"/>
               </a:rPr>
@@ -7425,7 +7426,7 @@
               <a:rPr lang="en-US" dirty="0">
                 <a:hlinkClick r:id="rId2"/>
               </a:rPr>
-              <a:t>https://github.com/nprobert/Wireshark-DSRC</a:t>
+              <a:t>https://github.com/nprobert/Wireshark-J2735</a:t>
             </a:r>
             <a:endParaRPr lang="en-US" dirty="0"/>
           </a:p>
@@ -7523,7 +7524,7 @@
         </p:spPr>
         <p:txBody>
           <a:bodyPr>
-            <a:normAutofit fontScale="85000" lnSpcReduction="20000"/>
+            <a:normAutofit fontScale="77500" lnSpcReduction="20000"/>
           </a:bodyPr>
           <a:lstStyle/>
           <a:p>
@@ -7599,14 +7600,14 @@
             </a:r>
             <a:r>
               <a:rPr lang="en-US" dirty="0"/>
-              <a:t>, Wistron formats</a:t>
+              <a:t>, Wistron OBU formats</a:t>
             </a:r>
           </a:p>
           <a:p>
             <a:pPr lvl="2"/>
             <a:r>
               <a:rPr lang="en-US" dirty="0"/>
-              <a:t>Linux cooked, </a:t>
+              <a:t>0x88DC special, Linux cooked, </a:t>
             </a:r>
             <a:r>
               <a:rPr lang="en-US" dirty="0" err="1"/>
@@ -7623,6 +7624,13 @@
             <a:r>
               <a:rPr lang="en-US" dirty="0"/>
               <a:t> formats supported</a:t>
+            </a:r>
+          </a:p>
+          <a:p>
+            <a:pPr lvl="2"/>
+            <a:r>
+              <a:rPr lang="en-US" dirty="0"/>
+              <a:t>RSU TSCBM and IFM formats (CI and CTIC projects)</a:t>
             </a:r>
           </a:p>
           <a:p>
@@ -7847,7 +7855,7 @@
             <a:pPr lvl="1"/>
             <a:r>
               <a:rPr lang="en-US" dirty="0"/>
-              <a:t>Extracts J2735 UPER encoded MAPs to binary files</a:t>
+              <a:t>Extracts J2735 UPER encoded MAPs to binary files (.bin)</a:t>
             </a:r>
           </a:p>
           <a:p>
@@ -8044,99 +8052,265 @@
           </a:xfrm>
         </p:spPr>
         <p:txBody>
-          <a:bodyPr/>
+          <a:bodyPr>
+            <a:normAutofit/>
+          </a:bodyPr>
           <a:lstStyle/>
           <a:p>
             <a:r>
-              <a:rPr lang="en-US" dirty="0"/>
+              <a:rPr lang="en-US" sz="2000" dirty="0"/>
               <a:t>For the convenience of mass converting files</a:t>
             </a:r>
           </a:p>
           <a:p>
             <a:r>
-              <a:rPr lang="en-US" dirty="0"/>
+              <a:rPr lang="en-US" sz="2000" dirty="0"/>
+              <a:t>Output files into log output directory</a:t>
+            </a:r>
+          </a:p>
+          <a:p>
+            <a:r>
+              <a:rPr lang="en-US" sz="2000" dirty="0"/>
               <a:t>./j2735_decoder.py [options] &lt;files&gt;</a:t>
             </a:r>
           </a:p>
           <a:p>
-            <a:pPr lvl="1"/>
-            <a:r>
-              <a:rPr lang="en-US" dirty="0"/>
-              <a:t>-b	Split BSMs into files based on ID</a:t>
-            </a:r>
-          </a:p>
-          <a:p>
-            <a:pPr lvl="1"/>
-            <a:r>
-              <a:rPr lang="en-US" dirty="0"/>
-              <a:t>-c 	Convert BSMs (requires –b option)</a:t>
-            </a:r>
-          </a:p>
-          <a:p>
-            <a:pPr lvl="1"/>
-            <a:r>
-              <a:rPr lang="en-US" dirty="0"/>
-              <a:t>-d	Debug output</a:t>
-            </a:r>
-          </a:p>
-          <a:p>
-            <a:pPr lvl="1"/>
-            <a:r>
-              <a:rPr lang="en-US" dirty="0"/>
-              <a:t>-m	Binary Maps</a:t>
-            </a:r>
-          </a:p>
-          <a:p>
-            <a:pPr lvl="1"/>
-            <a:r>
-              <a:rPr lang="en-US" dirty="0"/>
-              <a:t>-s		Split MAP and SPAT into file based on ID</a:t>
-            </a:r>
-          </a:p>
-          <a:p>
-            <a:pPr lvl="1"/>
-            <a:r>
-              <a:rPr lang="en-US" dirty="0"/>
-              <a:t>-s		2</a:t>
-            </a:r>
-            <a:r>
-              <a:rPr lang="en-US" baseline="30000" dirty="0"/>
-              <a:t>nd</a:t>
-            </a:r>
-            <a:r>
-              <a:rPr lang="en-US" dirty="0"/>
-              <a:t> –s option separates MAPs from SPATs into files based on ID</a:t>
-            </a:r>
-          </a:p>
-          <a:p>
-            <a:pPr lvl="1"/>
-            <a:r>
-              <a:rPr lang="en-US" dirty="0"/>
-              <a:t>-u	Alternate UDP port</a:t>
-            </a:r>
-          </a:p>
-          <a:p>
-            <a:pPr lvl="1"/>
-            <a:r>
-              <a:rPr lang="en-US" dirty="0"/>
-              <a:t>-O &lt;</a:t>
-            </a:r>
-            <a:r>
-              <a:rPr lang="en-US" dirty="0" err="1"/>
-              <a:t>dir</a:t>
-            </a:r>
-            <a:r>
-              <a:rPr lang="en-US" dirty="0"/>
-              <a:t>&gt;	Alternate log output directory (default “logs”)</a:t>
-            </a:r>
-          </a:p>
-          <a:p>
-            <a:r>
-              <a:rPr lang="en-US" dirty="0"/>
-              <a:t>Will drop output files into log output directory subdirectory</a:t>
-            </a:r>
-          </a:p>
-          <a:p>
+            <a:pPr marL="0" indent="0">
+              <a:buNone/>
+            </a:pPr>
+            <a:r>
+              <a:rPr lang="en-US" sz="1800" dirty="0">
+                <a:solidFill>
+                  <a:srgbClr val="000000"/>
+                </a:solidFill>
+                <a:effectLst/>
+                <a:latin typeface="Courier New" panose="02070309020205020404" pitchFamily="49" charset="0"/>
+                <a:ea typeface="Times New Roman" panose="02020603050405020304" pitchFamily="18" charset="0"/>
+              </a:rPr>
+              <a:t>Python3 J2735-2024-05-28 PCAP Decoder V2.0.4 </a:t>
+            </a:r>
+            <a:br>
+              <a:rPr lang="en-US" sz="1800" dirty="0">
+                <a:effectLst/>
+                <a:latin typeface="Courier New" panose="02070309020205020404" pitchFamily="49" charset="0"/>
+                <a:ea typeface="Times New Roman" panose="02020603050405020304" pitchFamily="18" charset="0"/>
+              </a:rPr>
+            </a:br>
+            <a:r>
+              <a:rPr lang="en-US" sz="1800" dirty="0">
+                <a:effectLst/>
+                <a:latin typeface="Courier New" panose="02070309020205020404" pitchFamily="49" charset="0"/>
+                <a:ea typeface="Times New Roman" panose="02020603050405020304" pitchFamily="18" charset="0"/>
+              </a:rPr>
+              <a:t>j2735_decoder.py </a:t>
+            </a:r>
+            <a:r>
+              <a:rPr lang="en-US" sz="1800" u="sng" dirty="0" err="1">
+                <a:solidFill>
+                  <a:srgbClr val="0000FF"/>
+                </a:solidFill>
+                <a:effectLst/>
+                <a:latin typeface="Courier New" panose="02070309020205020404" pitchFamily="49" charset="0"/>
+                <a:ea typeface="Times New Roman" panose="02020603050405020304" pitchFamily="18" charset="0"/>
+                <a:hlinkClick r:id="rId2"/>
+              </a:rPr>
+              <a:t>bcdhmo:su:v:BO</a:t>
+            </a:r>
+            <a:r>
+              <a:rPr lang="en-US" sz="1800" dirty="0">
+                <a:effectLst/>
+                <a:latin typeface="Courier New" panose="02070309020205020404" pitchFamily="49" charset="0"/>
+                <a:ea typeface="Times New Roman" panose="02020603050405020304" pitchFamily="18" charset="0"/>
+              </a:rPr>
+              <a:t>: &lt;input PCAP files&gt; </a:t>
+            </a:r>
+            <a:br>
+              <a:rPr lang="en-US" sz="1800" dirty="0">
+                <a:effectLst/>
+                <a:latin typeface="Courier New" panose="02070309020205020404" pitchFamily="49" charset="0"/>
+                <a:ea typeface="Times New Roman" panose="02020603050405020304" pitchFamily="18" charset="0"/>
+              </a:rPr>
+            </a:br>
+            <a:r>
+              <a:rPr lang="en-US" sz="1800" dirty="0">
+                <a:effectLst/>
+                <a:latin typeface="Courier New" panose="02070309020205020404" pitchFamily="49" charset="0"/>
+                <a:ea typeface="Times New Roman" panose="02020603050405020304" pitchFamily="18" charset="0"/>
+              </a:rPr>
+              <a:t>       -b        Split BSMs to file by ID </a:t>
+            </a:r>
+            <a:br>
+              <a:rPr lang="en-US" sz="1800" dirty="0">
+                <a:effectLst/>
+                <a:latin typeface="Courier New" panose="02070309020205020404" pitchFamily="49" charset="0"/>
+                <a:ea typeface="Times New Roman" panose="02020603050405020304" pitchFamily="18" charset="0"/>
+              </a:rPr>
+            </a:br>
+            <a:r>
+              <a:rPr lang="en-US" sz="1800" dirty="0">
+                <a:effectLst/>
+                <a:latin typeface="Courier New" panose="02070309020205020404" pitchFamily="49" charset="0"/>
+                <a:ea typeface="Times New Roman" panose="02020603050405020304" pitchFamily="18" charset="0"/>
+              </a:rPr>
+              <a:t>       -c        Converting BSM enabled </a:t>
+            </a:r>
+            <a:br>
+              <a:rPr lang="en-US" sz="1800" dirty="0">
+                <a:effectLst/>
+                <a:latin typeface="Courier New" panose="02070309020205020404" pitchFamily="49" charset="0"/>
+                <a:ea typeface="Times New Roman" panose="02020603050405020304" pitchFamily="18" charset="0"/>
+              </a:rPr>
+            </a:br>
+            <a:r>
+              <a:rPr lang="en-US" sz="1800" dirty="0">
+                <a:effectLst/>
+                <a:latin typeface="Courier New" panose="02070309020205020404" pitchFamily="49" charset="0"/>
+                <a:ea typeface="Times New Roman" panose="02020603050405020304" pitchFamily="18" charset="0"/>
+              </a:rPr>
+              <a:t>       -d        Debugging enabled to debug.txt </a:t>
+            </a:r>
+            <a:br>
+              <a:rPr lang="en-US" sz="1800" dirty="0">
+                <a:effectLst/>
+                <a:latin typeface="Courier New" panose="02070309020205020404" pitchFamily="49" charset="0"/>
+                <a:ea typeface="Times New Roman" panose="02020603050405020304" pitchFamily="18" charset="0"/>
+              </a:rPr>
+            </a:br>
+            <a:r>
+              <a:rPr lang="en-US" sz="1800" dirty="0">
+                <a:effectLst/>
+                <a:latin typeface="Courier New" panose="02070309020205020404" pitchFamily="49" charset="0"/>
+                <a:ea typeface="Times New Roman" panose="02020603050405020304" pitchFamily="18" charset="0"/>
+              </a:rPr>
+              <a:t>       -h        Help </a:t>
+            </a:r>
+            <a:br>
+              <a:rPr lang="en-US" sz="1800" dirty="0">
+                <a:effectLst/>
+                <a:latin typeface="Courier New" panose="02070309020205020404" pitchFamily="49" charset="0"/>
+                <a:ea typeface="Times New Roman" panose="02020603050405020304" pitchFamily="18" charset="0"/>
+              </a:rPr>
+            </a:br>
+            <a:r>
+              <a:rPr lang="en-US" sz="1800" dirty="0">
+                <a:effectLst/>
+                <a:latin typeface="Courier New" panose="02070309020205020404" pitchFamily="49" charset="0"/>
+                <a:ea typeface="Times New Roman" panose="02020603050405020304" pitchFamily="18" charset="0"/>
+              </a:rPr>
+              <a:t>       -m        Binary MAP output in J2735 UPER format </a:t>
+            </a:r>
+            <a:br>
+              <a:rPr lang="en-US" sz="1800" dirty="0">
+                <a:effectLst/>
+                <a:latin typeface="Courier New" panose="02070309020205020404" pitchFamily="49" charset="0"/>
+                <a:ea typeface="Times New Roman" panose="02020603050405020304" pitchFamily="18" charset="0"/>
+              </a:rPr>
+            </a:br>
+            <a:r>
+              <a:rPr lang="en-US" sz="1800" dirty="0">
+                <a:effectLst/>
+                <a:latin typeface="Courier New" panose="02070309020205020404" pitchFamily="49" charset="0"/>
+                <a:ea typeface="Times New Roman" panose="02020603050405020304" pitchFamily="18" charset="0"/>
+              </a:rPr>
+              <a:t>       -o &lt;offs&gt; UDP offset to data in bytes </a:t>
+            </a:r>
+            <a:br>
+              <a:rPr lang="en-US" sz="1800" dirty="0">
+                <a:effectLst/>
+                <a:latin typeface="Courier New" panose="02070309020205020404" pitchFamily="49" charset="0"/>
+                <a:ea typeface="Times New Roman" panose="02020603050405020304" pitchFamily="18" charset="0"/>
+              </a:rPr>
+            </a:br>
+            <a:r>
+              <a:rPr lang="en-US" sz="1800" dirty="0">
+                <a:effectLst/>
+                <a:latin typeface="Courier New" panose="02070309020205020404" pitchFamily="49" charset="0"/>
+                <a:ea typeface="Times New Roman" panose="02020603050405020304" pitchFamily="18" charset="0"/>
+              </a:rPr>
+              <a:t>       -s        Split MAPs/SPATs to file by ID in JSON </a:t>
+            </a:r>
+            <a:br>
+              <a:rPr lang="en-US" sz="1800" dirty="0">
+                <a:effectLst/>
+                <a:latin typeface="Courier New" panose="02070309020205020404" pitchFamily="49" charset="0"/>
+                <a:ea typeface="Times New Roman" panose="02020603050405020304" pitchFamily="18" charset="0"/>
+              </a:rPr>
+            </a:br>
+            <a:r>
+              <a:rPr lang="en-US" sz="1800" dirty="0">
+                <a:effectLst/>
+                <a:latin typeface="Courier New" panose="02070309020205020404" pitchFamily="49" charset="0"/>
+                <a:ea typeface="Times New Roman" panose="02020603050405020304" pitchFamily="18" charset="0"/>
+              </a:rPr>
+              <a:t>       -u &lt;port&gt; UDP port </a:t>
+            </a:r>
+            <a:br>
+              <a:rPr lang="en-US" sz="1800" dirty="0">
+                <a:effectLst/>
+                <a:latin typeface="Courier New" panose="02070309020205020404" pitchFamily="49" charset="0"/>
+                <a:ea typeface="Times New Roman" panose="02020603050405020304" pitchFamily="18" charset="0"/>
+              </a:rPr>
+            </a:br>
+            <a:r>
+              <a:rPr lang="en-US" sz="1800" dirty="0">
+                <a:effectLst/>
+                <a:latin typeface="Courier New" panose="02070309020205020404" pitchFamily="49" charset="0"/>
+                <a:ea typeface="Times New Roman" panose="02020603050405020304" pitchFamily="18" charset="0"/>
+              </a:rPr>
+              <a:t>       -v vid    BSMs extracted by vehicle id </a:t>
+            </a:r>
+            <a:br>
+              <a:rPr lang="en-US" sz="1800" dirty="0">
+                <a:effectLst/>
+                <a:latin typeface="Courier New" panose="02070309020205020404" pitchFamily="49" charset="0"/>
+                <a:ea typeface="Times New Roman" panose="02020603050405020304" pitchFamily="18" charset="0"/>
+              </a:rPr>
+            </a:br>
+            <a:r>
+              <a:rPr lang="en-US" sz="1800" dirty="0">
+                <a:effectLst/>
+                <a:latin typeface="Courier New" panose="02070309020205020404" pitchFamily="49" charset="0"/>
+                <a:ea typeface="Times New Roman" panose="02020603050405020304" pitchFamily="18" charset="0"/>
+              </a:rPr>
+              <a:t>       -B        Use PCAP file base name as base path to output directory </a:t>
+            </a:r>
+            <a:br>
+              <a:rPr lang="en-US" sz="1800" dirty="0">
+                <a:effectLst/>
+                <a:latin typeface="Courier New" panose="02070309020205020404" pitchFamily="49" charset="0"/>
+                <a:ea typeface="Times New Roman" panose="02020603050405020304" pitchFamily="18" charset="0"/>
+              </a:rPr>
+            </a:br>
+            <a:r>
+              <a:rPr lang="en-US" sz="1800" dirty="0">
+                <a:effectLst/>
+                <a:latin typeface="Courier New" panose="02070309020205020404" pitchFamily="49" charset="0"/>
+                <a:ea typeface="Times New Roman" panose="02020603050405020304" pitchFamily="18" charset="0"/>
+              </a:rPr>
+              <a:t>       -O &lt;path&gt; Path to output base directory </a:t>
+            </a:r>
+            <a:br>
+              <a:rPr lang="en-US" sz="1800" dirty="0">
+                <a:effectLst/>
+                <a:latin typeface="Courier New" panose="02070309020205020404" pitchFamily="49" charset="0"/>
+                <a:ea typeface="Times New Roman" panose="02020603050405020304" pitchFamily="18" charset="0"/>
+              </a:rPr>
+            </a:br>
+            <a:r>
+              <a:rPr lang="en-US" sz="1800" dirty="0">
+                <a:effectLst/>
+                <a:latin typeface="Courier New" panose="02070309020205020404" pitchFamily="49" charset="0"/>
+                <a:ea typeface="Times New Roman" panose="02020603050405020304" pitchFamily="18" charset="0"/>
+              </a:rPr>
+              <a:t>        Creates JSON and KML (MAP) files with metadata.txt to &lt;path&gt;/&lt;base&gt;</a:t>
+            </a:r>
+            <a:br>
+              <a:rPr lang="en-US" sz="1800" dirty="0">
+                <a:effectLst/>
+                <a:latin typeface="Courier New" panose="02070309020205020404" pitchFamily="49" charset="0"/>
+                <a:ea typeface="Times New Roman" panose="02020603050405020304" pitchFamily="18" charset="0"/>
+              </a:rPr>
+            </a:br>
             <a:endParaRPr lang="en-US" dirty="0"/>
           </a:p>
         </p:txBody>
@@ -8335,7 +8509,7 @@
             <a:pPr lvl="1"/>
             <a:r>
               <a:rPr lang="en-US" dirty="0"/>
-              <a:t>Complicates our efforts</a:t>
+              <a:t>Complicates our efforts, but some vendors have agreed on special 0x88DC PCAP format</a:t>
             </a:r>
           </a:p>
           <a:p>
@@ -8412,7 +8586,7 @@
             <a:pPr lvl="1"/>
             <a:r>
               <a:rPr lang="en-US" dirty="0"/>
-              <a:t>Using ASN.1 tools</a:t>
+              <a:t>Using ASN.1 compiler tools (C/C++/Java/Rust?)</a:t>
             </a:r>
           </a:p>
           <a:p>
@@ -8426,13 +8600,16 @@
             <a:pPr lvl="1"/>
             <a:r>
               <a:rPr lang="en-US" dirty="0"/>
-              <a:t>Using Python </a:t>
+              <a:t>Using Python3 </a:t>
             </a:r>
             <a:r>
               <a:rPr lang="en-US" dirty="0" err="1"/>
               <a:t>Pycrate</a:t>
             </a:r>
-            <a:endParaRPr lang="en-US" dirty="0"/>
+            <a:r>
+              <a:rPr lang="en-US" dirty="0"/>
+              <a:t> module</a:t>
+            </a:r>
           </a:p>
           <a:p>
             <a:pPr lvl="2"/>
@@ -8445,7 +8622,7 @@
             <a:pPr lvl="1"/>
             <a:r>
               <a:rPr lang="en-US" dirty="0"/>
-              <a:t>Import JSON into big data science tools like Pandas and/or Anaconda</a:t>
+              <a:t>Import JSON into big data science tools like Pandas and/or Anaconda, even Snowflake</a:t>
             </a:r>
           </a:p>
         </p:txBody>
@@ -9611,14 +9788,28 @@
           </a:lstStyle>
           <a:p>
             <a:r>
-              <a:rPr lang="en-US" dirty="0"/>
-              <a:t>Not currently implemented in tools</a:t>
-            </a:r>
-          </a:p>
-          <a:p>
-            <a:r>
-              <a:rPr lang="en-US" dirty="0"/>
-              <a:t>Same rules as for DSRC</a:t>
+              <a:rPr lang="en-US" sz="2400" dirty="0"/>
+              <a:t>Some OBUs send over UDP (</a:t>
+            </a:r>
+            <a:r>
+              <a:rPr lang="en-US" sz="2400" dirty="0" err="1"/>
+              <a:t>Cohda</a:t>
+            </a:r>
+            <a:r>
+              <a:rPr lang="en-US" sz="2400" dirty="0"/>
+              <a:t> ports 9000-9001)</a:t>
+            </a:r>
+          </a:p>
+          <a:p>
+            <a:r>
+              <a:rPr lang="en-US" sz="2400" dirty="0"/>
+              <a:t>Or use special 0x88DC format for OTA data</a:t>
+            </a:r>
+          </a:p>
+          <a:p>
+            <a:r>
+              <a:rPr lang="en-US" sz="2400" dirty="0"/>
+              <a:t>Same rules as for DSRC, needs WSMP layer</a:t>
             </a:r>
           </a:p>
         </p:txBody>

--- a/docs/NTCNA PCAP Decoder JSON Converter.pptx
+++ b/docs/NTCNA PCAP Decoder JSON Converter.pptx
@@ -12,17 +12,17 @@
     <p:sldId id="261" r:id="rId6"/>
     <p:sldId id="272" r:id="rId7"/>
     <p:sldId id="262" r:id="rId8"/>
-    <p:sldId id="263" r:id="rId9"/>
-    <p:sldId id="264" r:id="rId10"/>
-    <p:sldId id="265" r:id="rId11"/>
-    <p:sldId id="266" r:id="rId12"/>
-    <p:sldId id="260" r:id="rId13"/>
-    <p:sldId id="268" r:id="rId14"/>
-    <p:sldId id="269" r:id="rId15"/>
-    <p:sldId id="270" r:id="rId16"/>
-    <p:sldId id="271" r:id="rId17"/>
-    <p:sldId id="273" r:id="rId18"/>
-    <p:sldId id="276" r:id="rId19"/>
+    <p:sldId id="279" r:id="rId9"/>
+    <p:sldId id="263" r:id="rId10"/>
+    <p:sldId id="264" r:id="rId11"/>
+    <p:sldId id="265" r:id="rId12"/>
+    <p:sldId id="266" r:id="rId13"/>
+    <p:sldId id="260" r:id="rId14"/>
+    <p:sldId id="268" r:id="rId15"/>
+    <p:sldId id="269" r:id="rId16"/>
+    <p:sldId id="270" r:id="rId17"/>
+    <p:sldId id="271" r:id="rId18"/>
+    <p:sldId id="273" r:id="rId19"/>
     <p:sldId id="278" r:id="rId20"/>
     <p:sldId id="277" r:id="rId21"/>
     <p:sldId id="275" r:id="rId22"/>
@@ -280,7 +280,7 @@
           <a:p>
             <a:fld id="{B9D96AD3-49F6-43A9-865E-438AB34BF1F7}" type="datetimeFigureOut">
               <a:rPr lang="en-US" smtClean="0"/>
-              <a:t>8/27/2024</a:t>
+              <a:t>1/29/2025</a:t>
             </a:fld>
             <a:endParaRPr lang="en-US"/>
           </a:p>
@@ -478,7 +478,7 @@
           <a:p>
             <a:fld id="{B9D96AD3-49F6-43A9-865E-438AB34BF1F7}" type="datetimeFigureOut">
               <a:rPr lang="en-US" smtClean="0"/>
-              <a:t>8/27/2024</a:t>
+              <a:t>1/29/2025</a:t>
             </a:fld>
             <a:endParaRPr lang="en-US"/>
           </a:p>
@@ -686,7 +686,7 @@
           <a:p>
             <a:fld id="{B9D96AD3-49F6-43A9-865E-438AB34BF1F7}" type="datetimeFigureOut">
               <a:rPr lang="en-US" smtClean="0"/>
-              <a:t>8/27/2024</a:t>
+              <a:t>1/29/2025</a:t>
             </a:fld>
             <a:endParaRPr lang="en-US"/>
           </a:p>
@@ -884,7 +884,7 @@
           <a:p>
             <a:fld id="{B9D96AD3-49F6-43A9-865E-438AB34BF1F7}" type="datetimeFigureOut">
               <a:rPr lang="en-US" smtClean="0"/>
-              <a:t>8/27/2024</a:t>
+              <a:t>1/29/2025</a:t>
             </a:fld>
             <a:endParaRPr lang="en-US"/>
           </a:p>
@@ -1159,7 +1159,7 @@
           <a:p>
             <a:fld id="{B9D96AD3-49F6-43A9-865E-438AB34BF1F7}" type="datetimeFigureOut">
               <a:rPr lang="en-US" smtClean="0"/>
-              <a:t>8/27/2024</a:t>
+              <a:t>1/29/2025</a:t>
             </a:fld>
             <a:endParaRPr lang="en-US"/>
           </a:p>
@@ -1424,7 +1424,7 @@
           <a:p>
             <a:fld id="{B9D96AD3-49F6-43A9-865E-438AB34BF1F7}" type="datetimeFigureOut">
               <a:rPr lang="en-US" smtClean="0"/>
-              <a:t>8/27/2024</a:t>
+              <a:t>1/29/2025</a:t>
             </a:fld>
             <a:endParaRPr lang="en-US"/>
           </a:p>
@@ -1836,7 +1836,7 @@
           <a:p>
             <a:fld id="{B9D96AD3-49F6-43A9-865E-438AB34BF1F7}" type="datetimeFigureOut">
               <a:rPr lang="en-US" smtClean="0"/>
-              <a:t>8/27/2024</a:t>
+              <a:t>1/29/2025</a:t>
             </a:fld>
             <a:endParaRPr lang="en-US"/>
           </a:p>
@@ -1977,7 +1977,7 @@
           <a:p>
             <a:fld id="{B9D96AD3-49F6-43A9-865E-438AB34BF1F7}" type="datetimeFigureOut">
               <a:rPr lang="en-US" smtClean="0"/>
-              <a:t>8/27/2024</a:t>
+              <a:t>1/29/2025</a:t>
             </a:fld>
             <a:endParaRPr lang="en-US"/>
           </a:p>
@@ -2090,7 +2090,7 @@
           <a:p>
             <a:fld id="{B9D96AD3-49F6-43A9-865E-438AB34BF1F7}" type="datetimeFigureOut">
               <a:rPr lang="en-US" smtClean="0"/>
-              <a:t>8/27/2024</a:t>
+              <a:t>1/29/2025</a:t>
             </a:fld>
             <a:endParaRPr lang="en-US"/>
           </a:p>
@@ -2401,7 +2401,7 @@
           <a:p>
             <a:fld id="{B9D96AD3-49F6-43A9-865E-438AB34BF1F7}" type="datetimeFigureOut">
               <a:rPr lang="en-US" smtClean="0"/>
-              <a:t>8/27/2024</a:t>
+              <a:t>1/29/2025</a:t>
             </a:fld>
             <a:endParaRPr lang="en-US"/>
           </a:p>
@@ -2689,7 +2689,7 @@
           <a:p>
             <a:fld id="{B9D96AD3-49F6-43A9-865E-438AB34BF1F7}" type="datetimeFigureOut">
               <a:rPr lang="en-US" smtClean="0"/>
-              <a:t>8/27/2024</a:t>
+              <a:t>1/29/2025</a:t>
             </a:fld>
             <a:endParaRPr lang="en-US"/>
           </a:p>
@@ -2930,7 +2930,7 @@
           <a:p>
             <a:fld id="{B9D96AD3-49F6-43A9-865E-438AB34BF1F7}" type="datetimeFigureOut">
               <a:rPr lang="en-US" smtClean="0"/>
-              <a:t>8/27/2024</a:t>
+              <a:t>1/29/2025</a:t>
             </a:fld>
             <a:endParaRPr lang="en-US"/>
           </a:p>
@@ -3469,6 +3469,483 @@
           <a:p>
             <a:r>
               <a:rPr lang="en-US" b="1" dirty="0"/>
+              <a:t>Full Radio Stack Capture (C-V2X)</a:t>
+            </a:r>
+          </a:p>
+        </p:txBody>
+      </p:sp>
+      <p:graphicFrame>
+        <p:nvGraphicFramePr>
+          <p:cNvPr id="4" name="Table 4">
+            <a:extLst>
+              <a:ext uri="{FF2B5EF4-FFF2-40B4-BE49-F238E27FC236}">
+                <a16:creationId xmlns:a16="http://schemas.microsoft.com/office/drawing/2014/main" id="{EB304E13-7241-48F0-B5E5-4FB8B3611B55}"/>
+              </a:ext>
+            </a:extLst>
+          </p:cNvPr>
+          <p:cNvGraphicFramePr>
+            <a:graphicFrameLocks noGrp="1"/>
+          </p:cNvGraphicFramePr>
+          <p:nvPr>
+            <p:ph idx="1"/>
+            <p:extLst>
+              <p:ext uri="{D42A27DB-BD31-4B8C-83A1-F6EECF244321}">
+                <p14:modId xmlns:p14="http://schemas.microsoft.com/office/powerpoint/2010/main" val="2433217694"/>
+              </p:ext>
+            </p:extLst>
+          </p:nvPr>
+        </p:nvGraphicFramePr>
+        <p:xfrm>
+          <a:off x="838200" y="1076687"/>
+          <a:ext cx="10515600" cy="1483360"/>
+        </p:xfrm>
+        <a:graphic>
+          <a:graphicData uri="http://schemas.openxmlformats.org/drawingml/2006/table">
+            <a:tbl>
+              <a:tblPr firstRow="1" bandRow="1">
+                <a:tableStyleId>{5C22544A-7EE6-4342-B048-85BDC9FD1C3A}</a:tableStyleId>
+              </a:tblPr>
+              <a:tblGrid>
+                <a:gridCol w="5257800">
+                  <a:extLst>
+                    <a:ext uri="{9D8B030D-6E8A-4147-A177-3AD203B41FA5}">
+                      <a16:colId xmlns:a16="http://schemas.microsoft.com/office/drawing/2014/main" val="30134810"/>
+                    </a:ext>
+                  </a:extLst>
+                </a:gridCol>
+                <a:gridCol w="5257800">
+                  <a:extLst>
+                    <a:ext uri="{9D8B030D-6E8A-4147-A177-3AD203B41FA5}">
+                      <a16:colId xmlns:a16="http://schemas.microsoft.com/office/drawing/2014/main" val="2360325032"/>
+                    </a:ext>
+                  </a:extLst>
+                </a:gridCol>
+              </a:tblGrid>
+              <a:tr h="370840">
+                <a:tc>
+                  <a:txBody>
+                    <a:bodyPr/>
+                    <a:lstStyle/>
+                    <a:p>
+                      <a:r>
+                        <a:rPr lang="en-US" dirty="0"/>
+                        <a:t>Network Layers</a:t>
+                      </a:r>
+                    </a:p>
+                  </a:txBody>
+                  <a:tcPr/>
+                </a:tc>
+                <a:tc>
+                  <a:txBody>
+                    <a:bodyPr/>
+                    <a:lstStyle/>
+                    <a:p>
+                      <a:r>
+                        <a:rPr lang="en-US" dirty="0"/>
+                        <a:t>Network Data</a:t>
+                      </a:r>
+                    </a:p>
+                  </a:txBody>
+                  <a:tcPr/>
+                </a:tc>
+                <a:extLst>
+                  <a:ext uri="{0D108BD9-81ED-4DB2-BD59-A6C34878D82A}">
+                    <a16:rowId xmlns:a16="http://schemas.microsoft.com/office/drawing/2014/main" val="2794941043"/>
+                  </a:ext>
+                </a:extLst>
+              </a:tr>
+              <a:tr h="370840">
+                <a:tc>
+                  <a:txBody>
+                    <a:bodyPr/>
+                    <a:lstStyle/>
+                    <a:p>
+                      <a:r>
+                        <a:rPr lang="en-US" dirty="0" err="1"/>
+                        <a:t>Radiotap</a:t>
+                      </a:r>
+                      <a:r>
+                        <a:rPr lang="en-US" dirty="0"/>
+                        <a:t> (optional)</a:t>
+                      </a:r>
+                    </a:p>
+                  </a:txBody>
+                  <a:tcPr/>
+                </a:tc>
+                <a:tc>
+                  <a:txBody>
+                    <a:bodyPr/>
+                    <a:lstStyle/>
+                    <a:p>
+                      <a:r>
+                        <a:rPr lang="en-US" dirty="0"/>
+                        <a:t>Radio data</a:t>
+                      </a:r>
+                    </a:p>
+                  </a:txBody>
+                  <a:tcPr/>
+                </a:tc>
+                <a:extLst>
+                  <a:ext uri="{0D108BD9-81ED-4DB2-BD59-A6C34878D82A}">
+                    <a16:rowId xmlns:a16="http://schemas.microsoft.com/office/drawing/2014/main" val="3960132474"/>
+                  </a:ext>
+                </a:extLst>
+              </a:tr>
+              <a:tr h="370840">
+                <a:tc>
+                  <a:txBody>
+                    <a:bodyPr/>
+                    <a:lstStyle/>
+                    <a:p>
+                      <a:r>
+                        <a:rPr lang="en-US" dirty="0"/>
+                        <a:t>1609.2 layer</a:t>
+                      </a:r>
+                    </a:p>
+                  </a:txBody>
+                  <a:tcPr/>
+                </a:tc>
+                <a:tc>
+                  <a:txBody>
+                    <a:bodyPr/>
+                    <a:lstStyle/>
+                    <a:p>
+                      <a:r>
+                        <a:rPr lang="en-US" dirty="0"/>
+                        <a:t>Security signage (even if unsigned)</a:t>
+                      </a:r>
+                    </a:p>
+                  </a:txBody>
+                  <a:tcPr/>
+                </a:tc>
+                <a:extLst>
+                  <a:ext uri="{0D108BD9-81ED-4DB2-BD59-A6C34878D82A}">
+                    <a16:rowId xmlns:a16="http://schemas.microsoft.com/office/drawing/2014/main" val="482269773"/>
+                  </a:ext>
+                </a:extLst>
+              </a:tr>
+              <a:tr h="370840">
+                <a:tc>
+                  <a:txBody>
+                    <a:bodyPr/>
+                    <a:lstStyle/>
+                    <a:p>
+                      <a:r>
+                        <a:rPr lang="en-US" dirty="0"/>
+                        <a:t>J2735 layer</a:t>
+                      </a:r>
+                    </a:p>
+                  </a:txBody>
+                  <a:tcPr/>
+                </a:tc>
+                <a:tc>
+                  <a:txBody>
+                    <a:bodyPr/>
+                    <a:lstStyle/>
+                    <a:p>
+                      <a:r>
+                        <a:rPr lang="en-US" dirty="0"/>
+                        <a:t>BSM, MAP, SPAT, RTCM, …</a:t>
+                      </a:r>
+                    </a:p>
+                  </a:txBody>
+                  <a:tcPr/>
+                </a:tc>
+                <a:extLst>
+                  <a:ext uri="{0D108BD9-81ED-4DB2-BD59-A6C34878D82A}">
+                    <a16:rowId xmlns:a16="http://schemas.microsoft.com/office/drawing/2014/main" val="1210011890"/>
+                  </a:ext>
+                </a:extLst>
+              </a:tr>
+            </a:tbl>
+          </a:graphicData>
+        </a:graphic>
+      </p:graphicFrame>
+      <p:sp>
+        <p:nvSpPr>
+          <p:cNvPr id="5" name="Content Placeholder 2">
+            <a:extLst>
+              <a:ext uri="{FF2B5EF4-FFF2-40B4-BE49-F238E27FC236}">
+                <a16:creationId xmlns:a16="http://schemas.microsoft.com/office/drawing/2014/main" id="{3D9B3A6B-64A8-4E7B-BC6B-7EF601318D20}"/>
+              </a:ext>
+            </a:extLst>
+          </p:cNvPr>
+          <p:cNvSpPr txBox="1">
+            <a:spLocks/>
+          </p:cNvSpPr>
+          <p:nvPr/>
+        </p:nvSpPr>
+        <p:spPr>
+          <a:xfrm>
+            <a:off x="838200" y="3765184"/>
+            <a:ext cx="10515600" cy="2727690"/>
+          </a:xfrm>
+          <a:prstGeom prst="rect">
+            <a:avLst/>
+          </a:prstGeom>
+        </p:spPr>
+        <p:txBody>
+          <a:bodyPr vert="horz" lIns="91440" tIns="45720" rIns="91440" bIns="45720" rtlCol="0">
+            <a:normAutofit/>
+          </a:bodyPr>
+          <a:lstStyle>
+            <a:lvl1pPr marL="228600" indent="-228600" algn="l" defTabSz="914400" rtl="0" eaLnBrk="1" latinLnBrk="0" hangingPunct="1">
+              <a:lnSpc>
+                <a:spcPct val="90000"/>
+              </a:lnSpc>
+              <a:spcBef>
+                <a:spcPts val="1000"/>
+              </a:spcBef>
+              <a:buFont typeface="Arial" panose="020B0604020202020204" pitchFamily="34" charset="0"/>
+              <a:buChar char="•"/>
+              <a:defRPr sz="2800" kern="1200">
+                <a:solidFill>
+                  <a:schemeClr val="tx1"/>
+                </a:solidFill>
+                <a:latin typeface="+mn-lt"/>
+                <a:ea typeface="+mn-ea"/>
+                <a:cs typeface="+mn-cs"/>
+              </a:defRPr>
+            </a:lvl1pPr>
+            <a:lvl2pPr marL="685800" indent="-228600" algn="l" defTabSz="914400" rtl="0" eaLnBrk="1" latinLnBrk="0" hangingPunct="1">
+              <a:lnSpc>
+                <a:spcPct val="90000"/>
+              </a:lnSpc>
+              <a:spcBef>
+                <a:spcPts val="500"/>
+              </a:spcBef>
+              <a:buFont typeface="Arial" panose="020B0604020202020204" pitchFamily="34" charset="0"/>
+              <a:buChar char="•"/>
+              <a:defRPr sz="2400" kern="1200">
+                <a:solidFill>
+                  <a:schemeClr val="tx1"/>
+                </a:solidFill>
+                <a:latin typeface="+mn-lt"/>
+                <a:ea typeface="+mn-ea"/>
+                <a:cs typeface="+mn-cs"/>
+              </a:defRPr>
+            </a:lvl2pPr>
+            <a:lvl3pPr marL="1143000" indent="-228600" algn="l" defTabSz="914400" rtl="0" eaLnBrk="1" latinLnBrk="0" hangingPunct="1">
+              <a:lnSpc>
+                <a:spcPct val="90000"/>
+              </a:lnSpc>
+              <a:spcBef>
+                <a:spcPts val="500"/>
+              </a:spcBef>
+              <a:buFont typeface="Arial" panose="020B0604020202020204" pitchFamily="34" charset="0"/>
+              <a:buChar char="•"/>
+              <a:defRPr sz="2000" kern="1200">
+                <a:solidFill>
+                  <a:schemeClr val="tx1"/>
+                </a:solidFill>
+                <a:latin typeface="+mn-lt"/>
+                <a:ea typeface="+mn-ea"/>
+                <a:cs typeface="+mn-cs"/>
+              </a:defRPr>
+            </a:lvl3pPr>
+            <a:lvl4pPr marL="1600200" indent="-228600" algn="l" defTabSz="914400" rtl="0" eaLnBrk="1" latinLnBrk="0" hangingPunct="1">
+              <a:lnSpc>
+                <a:spcPct val="90000"/>
+              </a:lnSpc>
+              <a:spcBef>
+                <a:spcPts val="500"/>
+              </a:spcBef>
+              <a:buFont typeface="Arial" panose="020B0604020202020204" pitchFamily="34" charset="0"/>
+              <a:buChar char="•"/>
+              <a:defRPr sz="1800" kern="1200">
+                <a:solidFill>
+                  <a:schemeClr val="tx1"/>
+                </a:solidFill>
+                <a:latin typeface="+mn-lt"/>
+                <a:ea typeface="+mn-ea"/>
+                <a:cs typeface="+mn-cs"/>
+              </a:defRPr>
+            </a:lvl4pPr>
+            <a:lvl5pPr marL="2057400" indent="-228600" algn="l" defTabSz="914400" rtl="0" eaLnBrk="1" latinLnBrk="0" hangingPunct="1">
+              <a:lnSpc>
+                <a:spcPct val="90000"/>
+              </a:lnSpc>
+              <a:spcBef>
+                <a:spcPts val="500"/>
+              </a:spcBef>
+              <a:buFont typeface="Arial" panose="020B0604020202020204" pitchFamily="34" charset="0"/>
+              <a:buChar char="•"/>
+              <a:defRPr sz="1800" kern="1200">
+                <a:solidFill>
+                  <a:schemeClr val="tx1"/>
+                </a:solidFill>
+                <a:latin typeface="+mn-lt"/>
+                <a:ea typeface="+mn-ea"/>
+                <a:cs typeface="+mn-cs"/>
+              </a:defRPr>
+            </a:lvl5pPr>
+            <a:lvl6pPr marL="2514600" indent="-228600" algn="l" defTabSz="914400" rtl="0" eaLnBrk="1" latinLnBrk="0" hangingPunct="1">
+              <a:lnSpc>
+                <a:spcPct val="90000"/>
+              </a:lnSpc>
+              <a:spcBef>
+                <a:spcPts val="500"/>
+              </a:spcBef>
+              <a:buFont typeface="Arial" panose="020B0604020202020204" pitchFamily="34" charset="0"/>
+              <a:buChar char="•"/>
+              <a:defRPr sz="1800" kern="1200">
+                <a:solidFill>
+                  <a:schemeClr val="tx1"/>
+                </a:solidFill>
+                <a:latin typeface="+mn-lt"/>
+                <a:ea typeface="+mn-ea"/>
+                <a:cs typeface="+mn-cs"/>
+              </a:defRPr>
+            </a:lvl6pPr>
+            <a:lvl7pPr marL="2971800" indent="-228600" algn="l" defTabSz="914400" rtl="0" eaLnBrk="1" latinLnBrk="0" hangingPunct="1">
+              <a:lnSpc>
+                <a:spcPct val="90000"/>
+              </a:lnSpc>
+              <a:spcBef>
+                <a:spcPts val="500"/>
+              </a:spcBef>
+              <a:buFont typeface="Arial" panose="020B0604020202020204" pitchFamily="34" charset="0"/>
+              <a:buChar char="•"/>
+              <a:defRPr sz="1800" kern="1200">
+                <a:solidFill>
+                  <a:schemeClr val="tx1"/>
+                </a:solidFill>
+                <a:latin typeface="+mn-lt"/>
+                <a:ea typeface="+mn-ea"/>
+                <a:cs typeface="+mn-cs"/>
+              </a:defRPr>
+            </a:lvl7pPr>
+            <a:lvl8pPr marL="3429000" indent="-228600" algn="l" defTabSz="914400" rtl="0" eaLnBrk="1" latinLnBrk="0" hangingPunct="1">
+              <a:lnSpc>
+                <a:spcPct val="90000"/>
+              </a:lnSpc>
+              <a:spcBef>
+                <a:spcPts val="500"/>
+              </a:spcBef>
+              <a:buFont typeface="Arial" panose="020B0604020202020204" pitchFamily="34" charset="0"/>
+              <a:buChar char="•"/>
+              <a:defRPr sz="1800" kern="1200">
+                <a:solidFill>
+                  <a:schemeClr val="tx1"/>
+                </a:solidFill>
+                <a:latin typeface="+mn-lt"/>
+                <a:ea typeface="+mn-ea"/>
+                <a:cs typeface="+mn-cs"/>
+              </a:defRPr>
+            </a:lvl8pPr>
+            <a:lvl9pPr marL="3886200" indent="-228600" algn="l" defTabSz="914400" rtl="0" eaLnBrk="1" latinLnBrk="0" hangingPunct="1">
+              <a:lnSpc>
+                <a:spcPct val="90000"/>
+              </a:lnSpc>
+              <a:spcBef>
+                <a:spcPts val="500"/>
+              </a:spcBef>
+              <a:buFont typeface="Arial" panose="020B0604020202020204" pitchFamily="34" charset="0"/>
+              <a:buChar char="•"/>
+              <a:defRPr sz="1800" kern="1200">
+                <a:solidFill>
+                  <a:schemeClr val="tx1"/>
+                </a:solidFill>
+                <a:latin typeface="+mn-lt"/>
+                <a:ea typeface="+mn-ea"/>
+                <a:cs typeface="+mn-cs"/>
+              </a:defRPr>
+            </a:lvl9pPr>
+          </a:lstStyle>
+          <a:p>
+            <a:r>
+              <a:rPr lang="en-US" sz="2400" dirty="0"/>
+              <a:t>Some OBUs send over UDP (</a:t>
+            </a:r>
+            <a:r>
+              <a:rPr lang="en-US" sz="2400" dirty="0" err="1"/>
+              <a:t>Cohda</a:t>
+            </a:r>
+            <a:r>
+              <a:rPr lang="en-US" sz="2400" dirty="0"/>
+              <a:t> ports 9000-9001)</a:t>
+            </a:r>
+          </a:p>
+          <a:p>
+            <a:r>
+              <a:rPr lang="en-US" sz="2400" dirty="0"/>
+              <a:t>Or use special 0x88DC format for OTA data</a:t>
+            </a:r>
+          </a:p>
+          <a:p>
+            <a:r>
+              <a:rPr lang="en-US" sz="2400" dirty="0"/>
+              <a:t>Same rules as for DSRC, needs WSMP layer</a:t>
+            </a:r>
+          </a:p>
+          <a:p>
+            <a:r>
+              <a:rPr lang="en-US" sz="2400" dirty="0"/>
+              <a:t>Not supported by tool</a:t>
+            </a:r>
+          </a:p>
+        </p:txBody>
+      </p:sp>
+    </p:spTree>
+    <p:extLst>
+      <p:ext uri="{BB962C8B-B14F-4D97-AF65-F5344CB8AC3E}">
+        <p14:creationId xmlns:p14="http://schemas.microsoft.com/office/powerpoint/2010/main" val="1537710732"/>
+      </p:ext>
+    </p:extLst>
+  </p:cSld>
+  <p:clrMapOvr>
+    <a:masterClrMapping/>
+  </p:clrMapOvr>
+</p:sld>
+</file>
+
+<file path=ppt/slides/slide11.xml><?xml version="1.0" encoding="utf-8"?>
+<p:sld xmlns:a="http://schemas.openxmlformats.org/drawingml/2006/main" xmlns:r="http://schemas.openxmlformats.org/officeDocument/2006/relationships" xmlns:p="http://schemas.openxmlformats.org/presentationml/2006/main">
+  <p:cSld>
+    <p:spTree>
+      <p:nvGrpSpPr>
+        <p:cNvPr id="1" name=""/>
+        <p:cNvGrpSpPr/>
+        <p:nvPr/>
+      </p:nvGrpSpPr>
+      <p:grpSpPr>
+        <a:xfrm>
+          <a:off x="0" y="0"/>
+          <a:ext cx="0" cy="0"/>
+          <a:chOff x="0" y="0"/>
+          <a:chExt cx="0" cy="0"/>
+        </a:xfrm>
+      </p:grpSpPr>
+      <p:sp>
+        <p:nvSpPr>
+          <p:cNvPr id="2" name="Title 1">
+            <a:extLst>
+              <a:ext uri="{FF2B5EF4-FFF2-40B4-BE49-F238E27FC236}">
+                <a16:creationId xmlns:a16="http://schemas.microsoft.com/office/drawing/2014/main" id="{D409214B-F069-47FF-8DC1-FD9166FD7D06}"/>
+              </a:ext>
+            </a:extLst>
+          </p:cNvPr>
+          <p:cNvSpPr>
+            <a:spLocks noGrp="1"/>
+          </p:cNvSpPr>
+          <p:nvPr>
+            <p:ph type="title"/>
+          </p:nvPr>
+        </p:nvSpPr>
+        <p:spPr>
+          <a:xfrm>
+            <a:off x="838200" y="365126"/>
+            <a:ext cx="10515600" cy="618944"/>
+          </a:xfrm>
+        </p:spPr>
+        <p:txBody>
+          <a:bodyPr>
+            <a:normAutofit fontScale="90000"/>
+          </a:bodyPr>
+          <a:lstStyle/>
+          <a:p>
+            <a:r>
+              <a:rPr lang="en-US" b="1" dirty="0"/>
               <a:t>UDP V2X Stack Capture (C-V2X or DSRC)</a:t>
             </a:r>
           </a:p>
@@ -3777,7 +4254,7 @@
         </p:spPr>
         <p:txBody>
           <a:bodyPr vert="horz" lIns="91440" tIns="45720" rIns="91440" bIns="45720" rtlCol="0">
-            <a:normAutofit/>
+            <a:normAutofit fontScale="92500" lnSpcReduction="10000"/>
           </a:bodyPr>
           <a:lstStyle>
             <a:lvl1pPr marL="228600" indent="-228600" algn="l" defTabSz="914400" rtl="0" eaLnBrk="1" latinLnBrk="0" hangingPunct="1">
@@ -3946,13 +4423,19 @@
           <a:p>
             <a:r>
               <a:rPr lang="en-US" dirty="0"/>
+              <a:t>OBU unique</a:t>
+            </a:r>
+          </a:p>
+          <a:p>
+            <a:r>
+              <a:rPr lang="en-US" dirty="0"/>
               <a:t>C-V2X and DSRC agnostic</a:t>
             </a:r>
           </a:p>
           <a:p>
             <a:r>
               <a:rPr lang="en-US" dirty="0"/>
-              <a:t>Doesn’t provide 802.11 or WSMP layers which are DSRC specific</a:t>
+              <a:t>Doesn’t provide 802.11 or WSMP layers which give us more info</a:t>
             </a:r>
           </a:p>
           <a:p>
@@ -3964,7 +4447,7 @@
           <a:p>
             <a:r>
               <a:rPr lang="en-US" dirty="0"/>
-              <a:t>Includes both 1609.2 and J2735 layers</a:t>
+              <a:t>Should include both WSMP, 1609.2 and J2735 layers</a:t>
             </a:r>
           </a:p>
           <a:p>
@@ -3995,7 +4478,7 @@
 </p:sld>
 </file>
 
-<file path=ppt/slides/slide11.xml><?xml version="1.0" encoding="utf-8"?>
+<file path=ppt/slides/slide12.xml><?xml version="1.0" encoding="utf-8"?>
 <p:sld xmlns:a="http://schemas.openxmlformats.org/drawingml/2006/main" xmlns:r="http://schemas.openxmlformats.org/officeDocument/2006/relationships" xmlns:p="http://schemas.openxmlformats.org/presentationml/2006/main">
   <p:cSld>
     <p:spTree>
@@ -4611,7 +5094,7 @@
           <a:p>
             <a:r>
               <a:rPr lang="en-US" dirty="0"/>
-              <a:t>Same UDP rules as above</a:t>
+              <a:t>OBU Unique</a:t>
             </a:r>
           </a:p>
           <a:p>
@@ -4649,275 +5132,6 @@
     <p:extLst>
       <p:ext uri="{BB962C8B-B14F-4D97-AF65-F5344CB8AC3E}">
         <p14:creationId xmlns:p14="http://schemas.microsoft.com/office/powerpoint/2010/main" val="4247636686"/>
-      </p:ext>
-    </p:extLst>
-  </p:cSld>
-  <p:clrMapOvr>
-    <a:masterClrMapping/>
-  </p:clrMapOvr>
-</p:sld>
-</file>
-
-<file path=ppt/slides/slide12.xml><?xml version="1.0" encoding="utf-8"?>
-<p:sld xmlns:a="http://schemas.openxmlformats.org/drawingml/2006/main" xmlns:r="http://schemas.openxmlformats.org/officeDocument/2006/relationships" xmlns:p="http://schemas.openxmlformats.org/presentationml/2006/main">
-  <p:cSld>
-    <p:spTree>
-      <p:nvGrpSpPr>
-        <p:cNvPr id="1" name=""/>
-        <p:cNvGrpSpPr/>
-        <p:nvPr/>
-      </p:nvGrpSpPr>
-      <p:grpSpPr>
-        <a:xfrm>
-          <a:off x="0" y="0"/>
-          <a:ext cx="0" cy="0"/>
-          <a:chOff x="0" y="0"/>
-          <a:chExt cx="0" cy="0"/>
-        </a:xfrm>
-      </p:grpSpPr>
-      <p:sp>
-        <p:nvSpPr>
-          <p:cNvPr id="2" name="Title 1">
-            <a:extLst>
-              <a:ext uri="{FF2B5EF4-FFF2-40B4-BE49-F238E27FC236}">
-                <a16:creationId xmlns:a16="http://schemas.microsoft.com/office/drawing/2014/main" id="{92F7B99E-E4DA-4427-B16F-E3D51B685B17}"/>
-              </a:ext>
-            </a:extLst>
-          </p:cNvPr>
-          <p:cNvSpPr>
-            <a:spLocks noGrp="1"/>
-          </p:cNvSpPr>
-          <p:nvPr>
-            <p:ph type="title"/>
-          </p:nvPr>
-        </p:nvSpPr>
-        <p:spPr>
-          <a:xfrm>
-            <a:off x="838200" y="365126"/>
-            <a:ext cx="10515600" cy="627652"/>
-          </a:xfrm>
-        </p:spPr>
-        <p:txBody>
-          <a:bodyPr>
-            <a:normAutofit fontScale="90000"/>
-          </a:bodyPr>
-          <a:lstStyle/>
-          <a:p>
-            <a:r>
-              <a:rPr lang="en-US" b="1" dirty="0"/>
-              <a:t>The Gory Details</a:t>
-            </a:r>
-          </a:p>
-        </p:txBody>
-      </p:sp>
-      <p:sp>
-        <p:nvSpPr>
-          <p:cNvPr id="3" name="Content Placeholder 2">
-            <a:extLst>
-              <a:ext uri="{FF2B5EF4-FFF2-40B4-BE49-F238E27FC236}">
-                <a16:creationId xmlns:a16="http://schemas.microsoft.com/office/drawing/2014/main" id="{285424D9-48B3-47D2-A0AA-4642D385F8E9}"/>
-              </a:ext>
-            </a:extLst>
-          </p:cNvPr>
-          <p:cNvSpPr>
-            <a:spLocks noGrp="1"/>
-          </p:cNvSpPr>
-          <p:nvPr>
-            <p:ph idx="1"/>
-          </p:nvPr>
-        </p:nvSpPr>
-        <p:spPr>
-          <a:xfrm>
-            <a:off x="838200" y="992778"/>
-            <a:ext cx="10515600" cy="5660571"/>
-          </a:xfrm>
-        </p:spPr>
-        <p:txBody>
-          <a:bodyPr>
-            <a:normAutofit/>
-          </a:bodyPr>
-          <a:lstStyle/>
-          <a:p>
-            <a:r>
-              <a:rPr lang="en-US" dirty="0"/>
-              <a:t>Python 3</a:t>
-            </a:r>
-          </a:p>
-          <a:p>
-            <a:pPr lvl="1"/>
-            <a:r>
-              <a:rPr lang="en-US" dirty="0"/>
-              <a:t>Python 3.11 or greater (Python 2 is EOL)</a:t>
-            </a:r>
-          </a:p>
-          <a:p>
-            <a:pPr lvl="1"/>
-            <a:r>
-              <a:rPr lang="en-US" dirty="0"/>
-              <a:t>PySide6 or higher for QT6 based GUI (multiplatform)</a:t>
-            </a:r>
-          </a:p>
-          <a:p>
-            <a:pPr lvl="2"/>
-            <a:r>
-              <a:rPr lang="en-US" dirty="0"/>
-              <a:t>Uses Qt Creator to edit the .</a:t>
-            </a:r>
-            <a:r>
-              <a:rPr lang="en-US" dirty="0" err="1"/>
-              <a:t>ui</a:t>
-            </a:r>
-            <a:r>
-              <a:rPr lang="en-US" dirty="0"/>
-              <a:t> files</a:t>
-            </a:r>
-          </a:p>
-          <a:p>
-            <a:pPr lvl="2"/>
-            <a:r>
-              <a:rPr lang="en-US" dirty="0"/>
-              <a:t>The </a:t>
-            </a:r>
-            <a:r>
-              <a:rPr lang="en-US" dirty="0">
-                <a:latin typeface="Courier New" panose="02070309020205020404" pitchFamily="49" charset="0"/>
-                <a:cs typeface="Courier New" panose="02070309020205020404" pitchFamily="49" charset="0"/>
-              </a:rPr>
-              <a:t>pyside6-uic </a:t>
-            </a:r>
-            <a:r>
-              <a:rPr lang="en-US" dirty="0" err="1">
-                <a:latin typeface="Courier New" panose="02070309020205020404" pitchFamily="49" charset="0"/>
-                <a:cs typeface="Courier New" panose="02070309020205020404" pitchFamily="49" charset="0"/>
-              </a:rPr>
-              <a:t>mainwindow.ui</a:t>
-            </a:r>
-            <a:r>
-              <a:rPr lang="en-US" dirty="0">
-                <a:latin typeface="Courier New" panose="02070309020205020404" pitchFamily="49" charset="0"/>
-                <a:cs typeface="Courier New" panose="02070309020205020404" pitchFamily="49" charset="0"/>
-              </a:rPr>
-              <a:t> –o MainWindow.py</a:t>
-            </a:r>
-            <a:r>
-              <a:rPr lang="en-US" dirty="0"/>
-              <a:t> generates code</a:t>
-            </a:r>
-          </a:p>
-          <a:p>
-            <a:r>
-              <a:rPr lang="en-US" dirty="0"/>
-              <a:t>Network packet dissection</a:t>
-            </a:r>
-          </a:p>
-          <a:p>
-            <a:pPr lvl="1"/>
-            <a:r>
-              <a:rPr lang="en-US" dirty="0"/>
-              <a:t>Python package </a:t>
-            </a:r>
-            <a:r>
-              <a:rPr lang="en-US" dirty="0" err="1"/>
-              <a:t>scapy</a:t>
-            </a:r>
-            <a:r>
-              <a:rPr lang="en-US" dirty="0"/>
-              <a:t> (</a:t>
-            </a:r>
-            <a:r>
-              <a:rPr lang="en-US" dirty="0">
-                <a:hlinkClick r:id="rId2"/>
-              </a:rPr>
-              <a:t>https://scapy.net/</a:t>
-            </a:r>
-            <a:r>
-              <a:rPr lang="en-US" dirty="0"/>
-              <a:t>)</a:t>
-            </a:r>
-            <a:endParaRPr lang="en-US" dirty="0">
-              <a:cs typeface="Courier New" panose="02070309020205020404" pitchFamily="49" charset="0"/>
-            </a:endParaRPr>
-          </a:p>
-          <a:p>
-            <a:r>
-              <a:rPr lang="en-US" dirty="0"/>
-              <a:t>Packet Decoding</a:t>
-            </a:r>
-          </a:p>
-          <a:p>
-            <a:pPr lvl="1"/>
-            <a:r>
-              <a:rPr lang="en-US" dirty="0"/>
-              <a:t>Uses the Python package </a:t>
-            </a:r>
-            <a:r>
-              <a:rPr lang="en-US" dirty="0" err="1"/>
-              <a:t>Pycrate</a:t>
-            </a:r>
-            <a:r>
-              <a:rPr lang="en-US" dirty="0"/>
-              <a:t> (</a:t>
-            </a:r>
-            <a:r>
-              <a:rPr lang="en-US" dirty="0">
-                <a:hlinkClick r:id="rId3"/>
-              </a:rPr>
-              <a:t>https://github.com/P1sec/pycrate</a:t>
-            </a:r>
-            <a:r>
-              <a:rPr lang="en-US" dirty="0"/>
-              <a:t>)</a:t>
-            </a:r>
-          </a:p>
-          <a:p>
-            <a:pPr lvl="2"/>
-            <a:r>
-              <a:rPr lang="en-US" dirty="0">
-                <a:latin typeface="Courier New" panose="02070309020205020404" pitchFamily="49" charset="0"/>
-                <a:cs typeface="Courier New" panose="02070309020205020404" pitchFamily="49" charset="0"/>
-              </a:rPr>
-              <a:t>python –m pip install </a:t>
-            </a:r>
-            <a:r>
-              <a:rPr lang="en-US" dirty="0" err="1">
-                <a:latin typeface="Courier New" panose="02070309020205020404" pitchFamily="49" charset="0"/>
-                <a:cs typeface="Courier New" panose="02070309020205020404" pitchFamily="49" charset="0"/>
-              </a:rPr>
-              <a:t>pycrate</a:t>
-            </a:r>
-            <a:endParaRPr lang="en-US" dirty="0">
-              <a:latin typeface="Courier New" panose="02070309020205020404" pitchFamily="49" charset="0"/>
-              <a:cs typeface="Courier New" panose="02070309020205020404" pitchFamily="49" charset="0"/>
-            </a:endParaRPr>
-          </a:p>
-          <a:p>
-            <a:pPr lvl="1"/>
-            <a:r>
-              <a:rPr lang="en-US" dirty="0"/>
-              <a:t>Uses </a:t>
-            </a:r>
-            <a:r>
-              <a:rPr lang="en-US" dirty="0" err="1"/>
-              <a:t>Pycreate</a:t>
-            </a:r>
-            <a:r>
-              <a:rPr lang="en-US" dirty="0"/>
-              <a:t> to decode J2735 ASN.1 UPER</a:t>
-            </a:r>
-          </a:p>
-          <a:p>
-            <a:pPr lvl="1"/>
-            <a:r>
-              <a:rPr lang="en-US" dirty="0"/>
-              <a:t>1609.2 ASN.1 OER is manually decoded</a:t>
-            </a:r>
-          </a:p>
-        </p:txBody>
-      </p:sp>
-    </p:spTree>
-    <p:extLst>
-      <p:ext uri="{BB962C8B-B14F-4D97-AF65-F5344CB8AC3E}">
-        <p14:creationId xmlns:p14="http://schemas.microsoft.com/office/powerpoint/2010/main" val="3398510873"/>
       </p:ext>
     </p:extLst>
   </p:cSld>
@@ -4949,7 +5163,7 @@
           <p:cNvPr id="2" name="Title 1">
             <a:extLst>
               <a:ext uri="{FF2B5EF4-FFF2-40B4-BE49-F238E27FC236}">
-                <a16:creationId xmlns:a16="http://schemas.microsoft.com/office/drawing/2014/main" id="{0385C92F-F457-424A-9DE0-7926F7D2C653}"/>
+                <a16:creationId xmlns:a16="http://schemas.microsoft.com/office/drawing/2014/main" id="{92F7B99E-E4DA-4427-B16F-E3D51B685B17}"/>
               </a:ext>
             </a:extLst>
           </p:cNvPr>
@@ -4963,7 +5177,7 @@
         <p:spPr>
           <a:xfrm>
             <a:off x="838200" y="365126"/>
-            <a:ext cx="10515600" cy="662486"/>
+            <a:ext cx="10515600" cy="627652"/>
           </a:xfrm>
         </p:spPr>
         <p:txBody>
@@ -4974,15 +5188,7 @@
           <a:p>
             <a:r>
               <a:rPr lang="en-US" b="1" dirty="0"/>
-              <a:t>The CAMP/</a:t>
-            </a:r>
-            <a:r>
-              <a:rPr lang="en-US" b="1" dirty="0" err="1"/>
-              <a:t>TOSCo</a:t>
-            </a:r>
-            <a:r>
-              <a:rPr lang="en-US" b="1" dirty="0"/>
-              <a:t>/CI/CTIC JSON Format for J2735</a:t>
+              <a:t>The Gory Details</a:t>
             </a:r>
           </a:p>
         </p:txBody>
@@ -4992,7 +5198,7 @@
           <p:cNvPr id="3" name="Content Placeholder 2">
             <a:extLst>
               <a:ext uri="{FF2B5EF4-FFF2-40B4-BE49-F238E27FC236}">
-                <a16:creationId xmlns:a16="http://schemas.microsoft.com/office/drawing/2014/main" id="{C325ED7C-0BF5-4EF3-922D-A8B658AF1EA5}"/>
+                <a16:creationId xmlns:a16="http://schemas.microsoft.com/office/drawing/2014/main" id="{285424D9-48B3-47D2-A0AA-4642D385F8E9}"/>
               </a:ext>
             </a:extLst>
           </p:cNvPr>
@@ -5005,301 +5211,196 @@
         </p:nvSpPr>
         <p:spPr>
           <a:xfrm>
-            <a:off x="838200" y="1027612"/>
-            <a:ext cx="10515600" cy="5590902"/>
+            <a:off x="838200" y="992778"/>
+            <a:ext cx="10515600" cy="5660571"/>
           </a:xfrm>
         </p:spPr>
         <p:txBody>
           <a:bodyPr>
-            <a:normAutofit fontScale="70000" lnSpcReduction="20000"/>
+            <a:normAutofit/>
           </a:bodyPr>
           <a:lstStyle/>
           <a:p>
             <a:r>
               <a:rPr lang="en-US" dirty="0"/>
-              <a:t>100% JSON and easy to parse using Python’s json package.</a:t>
-            </a:r>
-          </a:p>
-          <a:p>
-            <a:r>
-              <a:rPr lang="en-US" dirty="0"/>
-              <a:t>Header example:</a:t>
-            </a:r>
-          </a:p>
-          <a:p>
-            <a:pPr marL="0" indent="0">
-              <a:buNone/>
-            </a:pPr>
+              <a:t>Python 3</a:t>
+            </a:r>
+          </a:p>
+          <a:p>
+            <a:pPr lvl="1"/>
+            <a:r>
+              <a:rPr lang="en-US" dirty="0"/>
+              <a:t>Python 3.11 or greater (Python 2 is EOL)</a:t>
+            </a:r>
+          </a:p>
+          <a:p>
+            <a:pPr lvl="1"/>
+            <a:r>
+              <a:rPr lang="en-US" dirty="0"/>
+              <a:t>PySide6 or higher for QT6 based GUI (multiplatform)</a:t>
+            </a:r>
+          </a:p>
+          <a:p>
+            <a:pPr lvl="2"/>
+            <a:r>
+              <a:rPr lang="en-US" dirty="0"/>
+              <a:t>Uses Qt Creator to edit the .</a:t>
+            </a:r>
+            <a:r>
+              <a:rPr lang="en-US" dirty="0" err="1"/>
+              <a:t>ui</a:t>
+            </a:r>
+            <a:r>
+              <a:rPr lang="en-US" dirty="0"/>
+              <a:t> files</a:t>
+            </a:r>
+          </a:p>
+          <a:p>
+            <a:pPr lvl="2"/>
+            <a:r>
+              <a:rPr lang="en-US" dirty="0"/>
+              <a:t>The </a:t>
+            </a:r>
             <a:r>
               <a:rPr lang="en-US" dirty="0">
-                <a:solidFill>
-                  <a:srgbClr val="000000"/>
-                </a:solidFill>
-                <a:effectLst/>
-                <a:latin typeface="Courier New" panose="02070309020205020404" pitchFamily="49" charset="0"/>
-                <a:cs typeface="Courier New" panose="02070309020205020404" pitchFamily="49" charset="0"/>
-              </a:rPr>
-              <a:t>{"Timestamp":1597167252195,"Direction":"RX","Message_id":19,"P1609dot2_flag":0,"Messa</a:t>
+                <a:latin typeface="Courier New" panose="02070309020205020404" pitchFamily="49" charset="0"/>
+                <a:cs typeface="Courier New" panose="02070309020205020404" pitchFamily="49" charset="0"/>
+              </a:rPr>
+              <a:t>pyside6-uic </a:t>
+            </a:r>
+            <a:r>
+              <a:rPr lang="en-US" dirty="0" err="1">
+                <a:latin typeface="Courier New" panose="02070309020205020404" pitchFamily="49" charset="0"/>
+                <a:cs typeface="Courier New" panose="02070309020205020404" pitchFamily="49" charset="0"/>
+              </a:rPr>
+              <a:t>mainwindow.ui</a:t>
             </a:r>
             <a:r>
               <a:rPr lang="en-US" dirty="0">
-                <a:effectLst/>
-                <a:latin typeface="Courier New" panose="02070309020205020404" pitchFamily="49" charset="0"/>
-                <a:cs typeface="Courier New" panose="02070309020205020404" pitchFamily="49" charset="0"/>
-              </a:rPr>
-              <a:t>ge":{"messageId":19,"value":{</a:t>
-            </a:r>
-            <a:r>
-              <a:rPr lang="en-US" b="1" dirty="0">
-                <a:effectLst/>
-                <a:latin typeface="Courier New" panose="02070309020205020404" pitchFamily="49" charset="0"/>
-                <a:cs typeface="Courier New" panose="02070309020205020404" pitchFamily="49" charset="0"/>
-              </a:rPr>
-              <a:t>...</a:t>
+                <a:latin typeface="Courier New" panose="02070309020205020404" pitchFamily="49" charset="0"/>
+                <a:cs typeface="Courier New" panose="02070309020205020404" pitchFamily="49" charset="0"/>
+              </a:rPr>
+              <a:t> –o MainWindow.py</a:t>
+            </a:r>
+            <a:r>
+              <a:rPr lang="en-US" dirty="0"/>
+              <a:t> generates code</a:t>
+            </a:r>
+          </a:p>
+          <a:p>
+            <a:r>
+              <a:rPr lang="en-US" dirty="0"/>
+              <a:t>Network packet dissection</a:t>
+            </a:r>
+          </a:p>
+          <a:p>
+            <a:pPr lvl="1"/>
+            <a:r>
+              <a:rPr lang="en-US" dirty="0"/>
+              <a:t>Python package </a:t>
+            </a:r>
+            <a:r>
+              <a:rPr lang="en-US" dirty="0" err="1"/>
+              <a:t>scapy</a:t>
+            </a:r>
+            <a:r>
+              <a:rPr lang="en-US" dirty="0"/>
+              <a:t> (</a:t>
             </a:r>
             <a:r>
               <a:rPr lang="en-US" dirty="0">
-                <a:effectLst/>
-                <a:latin typeface="Courier New" panose="02070309020205020404" pitchFamily="49" charset="0"/>
-                <a:cs typeface="Courier New" panose="02070309020205020404" pitchFamily="49" charset="0"/>
-              </a:rPr>
-              <a:t>}}</a:t>
-            </a:r>
-            <a:r>
-              <a:rPr lang="en-US" dirty="0">
-                <a:solidFill>
-                  <a:srgbClr val="000000"/>
-                </a:solidFill>
-                <a:effectLst/>
-                <a:latin typeface="Courier New" panose="02070309020205020404" pitchFamily="49" charset="0"/>
-                <a:cs typeface="Courier New" panose="02070309020205020404" pitchFamily="49" charset="0"/>
-              </a:rPr>
-              <a:t>,"Version":"1.0”</a:t>
-            </a:r>
-            <a:r>
-              <a:rPr lang="en-US" dirty="0">
-                <a:effectLst/>
-                <a:latin typeface="Courier New" panose="02070309020205020404" pitchFamily="49" charset="0"/>
-                <a:cs typeface="Courier New" panose="02070309020205020404" pitchFamily="49" charset="0"/>
-              </a:rPr>
-              <a:t>}</a:t>
-            </a:r>
-            <a:br>
-              <a:rPr lang="en-US" dirty="0">
-                <a:effectLst/>
-                <a:latin typeface="Courier New" panose="02070309020205020404" pitchFamily="49" charset="0"/>
-                <a:cs typeface="Courier New" panose="02070309020205020404" pitchFamily="49" charset="0"/>
-              </a:rPr>
-            </a:br>
+                <a:hlinkClick r:id="rId2"/>
+              </a:rPr>
+              <a:t>https://scapy.net/</a:t>
+            </a:r>
+            <a:r>
+              <a:rPr lang="en-US" dirty="0"/>
+              <a:t>)</a:t>
+            </a:r>
             <a:endParaRPr lang="en-US" dirty="0">
-              <a:effectLst/>
-              <a:latin typeface="Courier New" panose="02070309020205020404" pitchFamily="49" charset="0"/>
               <a:cs typeface="Courier New" panose="02070309020205020404" pitchFamily="49" charset="0"/>
             </a:endParaRPr>
           </a:p>
           <a:p>
             <a:r>
               <a:rPr lang="en-US" dirty="0"/>
-              <a:t>Header fields</a:t>
+              <a:t>Packet Decoding</a:t>
             </a:r>
           </a:p>
           <a:p>
             <a:pPr lvl="1"/>
             <a:r>
+              <a:rPr lang="en-US" dirty="0"/>
+              <a:t>Uses the Python package </a:t>
+            </a:r>
+            <a:r>
+              <a:rPr lang="en-US" dirty="0" err="1"/>
+              <a:t>Pycrate</a:t>
+            </a:r>
+            <a:r>
+              <a:rPr lang="en-US" dirty="0"/>
+              <a:t> (</a:t>
+            </a:r>
+            <a:r>
               <a:rPr lang="en-US" dirty="0">
-                <a:latin typeface="Courier New" panose="02070309020205020404" pitchFamily="49" charset="0"/>
-                <a:cs typeface="Courier New" panose="02070309020205020404" pitchFamily="49" charset="0"/>
-              </a:rPr>
-              <a:t>Timestamp</a:t>
-            </a:r>
-            <a:r>
-              <a:rPr lang="en-US" dirty="0"/>
-              <a:t> is milliseconds since the Epoch (Jan 1</a:t>
-            </a:r>
-            <a:r>
-              <a:rPr lang="en-US" baseline="30000" dirty="0"/>
-              <a:t>st</a:t>
-            </a:r>
-            <a:r>
-              <a:rPr lang="en-US" dirty="0"/>
-              <a:t> 1970), 13 digits</a:t>
-            </a:r>
-          </a:p>
-          <a:p>
-            <a:pPr lvl="1"/>
+                <a:hlinkClick r:id="rId3"/>
+              </a:rPr>
+              <a:t>https://github.com/P1sec/pycrate</a:t>
+            </a:r>
+            <a:r>
+              <a:rPr lang="en-US" dirty="0"/>
+              <a:t>)</a:t>
+            </a:r>
+          </a:p>
+          <a:p>
+            <a:pPr lvl="2"/>
             <a:r>
               <a:rPr lang="en-US" dirty="0">
                 <a:latin typeface="Courier New" panose="02070309020205020404" pitchFamily="49" charset="0"/>
                 <a:cs typeface="Courier New" panose="02070309020205020404" pitchFamily="49" charset="0"/>
               </a:rPr>
-              <a:t>Direction</a:t>
-            </a:r>
-            <a:r>
-              <a:rPr lang="en-US" dirty="0"/>
-              <a:t> indicates if message is TX or RX</a:t>
-            </a:r>
-          </a:p>
-          <a:p>
-            <a:pPr lvl="1"/>
+              <a:t>python –m pip install </a:t>
+            </a:r>
             <a:r>
               <a:rPr lang="en-US" dirty="0" err="1">
                 <a:latin typeface="Courier New" panose="02070309020205020404" pitchFamily="49" charset="0"/>
                 <a:cs typeface="Courier New" panose="02070309020205020404" pitchFamily="49" charset="0"/>
               </a:rPr>
-              <a:t>Message_id</a:t>
-            </a:r>
-            <a:r>
-              <a:rPr lang="en-US" dirty="0">
-                <a:latin typeface="Courier New" panose="02070309020205020404" pitchFamily="49" charset="0"/>
-                <a:cs typeface="Courier New" panose="02070309020205020404" pitchFamily="49" charset="0"/>
-              </a:rPr>
-              <a:t> </a:t>
-            </a:r>
-            <a:r>
-              <a:rPr lang="en-US" dirty="0"/>
-              <a:t>is the J2735 </a:t>
-            </a:r>
-            <a:r>
-              <a:rPr lang="en-US" dirty="0" err="1"/>
-              <a:t>messageID</a:t>
-            </a:r>
-            <a:r>
-              <a:rPr lang="en-US" dirty="0"/>
-              <a:t> [MAP=18, SPAT=19, BSM=20, …]</a:t>
-            </a:r>
-          </a:p>
-          <a:p>
-            <a:pPr lvl="1"/>
-            <a:r>
-              <a:rPr lang="en-US" dirty="0">
-                <a:latin typeface="Courier New" panose="02070309020205020404" pitchFamily="49" charset="0"/>
-                <a:cs typeface="Courier New" panose="02070309020205020404" pitchFamily="49" charset="0"/>
-              </a:rPr>
-              <a:t>P1609dot2_flag</a:t>
-            </a:r>
-            <a:r>
-              <a:rPr lang="en-US" dirty="0">
-                <a:cs typeface="Courier New" panose="02070309020205020404" pitchFamily="49" charset="0"/>
-              </a:rPr>
-              <a:t> if set, </a:t>
-            </a:r>
-            <a:r>
-              <a:rPr lang="en-US" dirty="0"/>
-              <a:t>indicates if message was unsigned(0) or signed(1)</a:t>
-            </a:r>
-          </a:p>
-          <a:p>
-            <a:pPr lvl="1"/>
-            <a:r>
-              <a:rPr lang="en-US" dirty="0">
-                <a:latin typeface="Courier New" panose="02070309020205020404" pitchFamily="49" charset="0"/>
-                <a:cs typeface="Courier New" panose="02070309020205020404" pitchFamily="49" charset="0"/>
-              </a:rPr>
-              <a:t>Version</a:t>
-            </a:r>
-            <a:r>
-              <a:rPr lang="en-US" dirty="0"/>
-              <a:t> is included on 1</a:t>
-            </a:r>
-            <a:r>
-              <a:rPr lang="en-US" baseline="30000" dirty="0"/>
-              <a:t>st</a:t>
-            </a:r>
-            <a:r>
-              <a:rPr lang="en-US" dirty="0"/>
-              <a:t> record only</a:t>
-            </a:r>
-          </a:p>
-          <a:p>
-            <a:pPr lvl="1"/>
-            <a:r>
-              <a:rPr lang="en-US" dirty="0">
-                <a:latin typeface="Courier New" panose="02070309020205020404" pitchFamily="49" charset="0"/>
-                <a:cs typeface="Courier New" panose="02070309020205020404" pitchFamily="49" charset="0"/>
-              </a:rPr>
-              <a:t>Conversion</a:t>
-            </a:r>
-            <a:r>
-              <a:rPr lang="en-US" dirty="0"/>
-              <a:t> (not seen) is added for BSMs with converted data</a:t>
-            </a:r>
-          </a:p>
-          <a:p>
-            <a:pPr lvl="1"/>
-            <a:r>
-              <a:rPr lang="en-US" dirty="0">
-                <a:latin typeface="Courier New" panose="02070309020205020404" pitchFamily="49" charset="0"/>
-                <a:cs typeface="Courier New" panose="02070309020205020404" pitchFamily="49" charset="0"/>
-              </a:rPr>
-              <a:t>Message</a:t>
-            </a:r>
-            <a:r>
-              <a:rPr lang="en-US" dirty="0"/>
-              <a:t> field gives J2735 data structure as decoded to JSON</a:t>
-            </a:r>
-          </a:p>
-          <a:p>
-            <a:r>
-              <a:rPr lang="en-US" dirty="0"/>
-              <a:t>Samples</a:t>
-            </a:r>
-          </a:p>
-          <a:p>
-            <a:pPr lvl="1"/>
-            <a:r>
-              <a:rPr lang="en-US" dirty="0"/>
-              <a:t>Don’t copy from document because PowerPoint formats them funny (line wrapping on hyphens)</a:t>
-            </a:r>
-          </a:p>
-          <a:p>
-            <a:r>
-              <a:rPr lang="en-US" dirty="0"/>
-              <a:t>Import JSON into big data science tools like Pandas and/or Anaconda</a:t>
-            </a:r>
-          </a:p>
-          <a:p>
-            <a:pPr lvl="1"/>
-            <a:r>
-              <a:rPr lang="en-US" dirty="0"/>
-              <a:t>Pandas</a:t>
-            </a:r>
-          </a:p>
-          <a:p>
-            <a:pPr lvl="1"/>
-            <a:r>
-              <a:rPr lang="en-US" dirty="0"/>
-              <a:t>Anaconda</a:t>
-            </a:r>
-          </a:p>
-          <a:p>
-            <a:pPr lvl="1"/>
-            <a:r>
-              <a:rPr lang="en-US" dirty="0"/>
-              <a:t>Snowflake</a:t>
-            </a:r>
-          </a:p>
-          <a:p>
-            <a:pPr lvl="1"/>
-            <a:r>
-              <a:rPr lang="en-US" dirty="0"/>
-              <a:t>…</a:t>
-            </a:r>
-          </a:p>
-          <a:p>
-            <a:pPr marL="0" indent="0">
-              <a:buNone/>
-            </a:pPr>
+              <a:t>pycrate</a:t>
+            </a:r>
             <a:endParaRPr lang="en-US" dirty="0">
               <a:latin typeface="Courier New" panose="02070309020205020404" pitchFamily="49" charset="0"/>
               <a:cs typeface="Courier New" panose="02070309020205020404" pitchFamily="49" charset="0"/>
             </a:endParaRPr>
           </a:p>
+          <a:p>
+            <a:pPr lvl="1"/>
+            <a:r>
+              <a:rPr lang="en-US" dirty="0"/>
+              <a:t>Uses </a:t>
+            </a:r>
+            <a:r>
+              <a:rPr lang="en-US" dirty="0" err="1"/>
+              <a:t>Pycreate</a:t>
+            </a:r>
+            <a:r>
+              <a:rPr lang="en-US" dirty="0"/>
+              <a:t> to decode J2735 ASN.1 UPER</a:t>
+            </a:r>
+          </a:p>
+          <a:p>
+            <a:pPr lvl="1"/>
+            <a:r>
+              <a:rPr lang="en-US" dirty="0"/>
+              <a:t>1609.2 ASN.1 OER is manually decoded</a:t>
+            </a:r>
+          </a:p>
         </p:txBody>
       </p:sp>
     </p:spTree>
     <p:extLst>
       <p:ext uri="{BB962C8B-B14F-4D97-AF65-F5344CB8AC3E}">
-        <p14:creationId xmlns:p14="http://schemas.microsoft.com/office/powerpoint/2010/main" val="1439637367"/>
+        <p14:creationId xmlns:p14="http://schemas.microsoft.com/office/powerpoint/2010/main" val="3398510873"/>
       </p:ext>
     </p:extLst>
   </p:cSld>
@@ -5356,7 +5457,15 @@
           <a:p>
             <a:r>
               <a:rPr lang="en-US" b="1" dirty="0"/>
-              <a:t>MAP sample</a:t>
+              <a:t>The CAMP/</a:t>
+            </a:r>
+            <a:r>
+              <a:rPr lang="en-US" b="1" dirty="0" err="1"/>
+              <a:t>TOSCo</a:t>
+            </a:r>
+            <a:r>
+              <a:rPr lang="en-US" b="1" dirty="0"/>
+              <a:t>/CI/CTIC JSON Format for J2735</a:t>
             </a:r>
           </a:p>
         </p:txBody>
@@ -5380,522 +5489,300 @@
         <p:spPr>
           <a:xfrm>
             <a:off x="838200" y="1027612"/>
-            <a:ext cx="10515600" cy="5149351"/>
+            <a:ext cx="10515600" cy="5590902"/>
           </a:xfrm>
         </p:spPr>
         <p:txBody>
           <a:bodyPr>
-            <a:normAutofit/>
+            <a:normAutofit fontScale="70000" lnSpcReduction="20000"/>
           </a:bodyPr>
           <a:lstStyle/>
+          <a:p>
+            <a:r>
+              <a:rPr lang="en-US" dirty="0"/>
+              <a:t>100% JSON and easy to parse using Python’s json package.</a:t>
+            </a:r>
+          </a:p>
+          <a:p>
+            <a:r>
+              <a:rPr lang="en-US" dirty="0"/>
+              <a:t>Header example:</a:t>
+            </a:r>
+          </a:p>
           <a:p>
             <a:pPr marL="0" indent="0">
               <a:buNone/>
             </a:pPr>
             <a:r>
-              <a:rPr lang="en-US" sz="800" dirty="0">
-                <a:latin typeface="Courier New" panose="02070309020205020404" pitchFamily="49" charset="0"/>
-                <a:cs typeface="Courier New" panose="02070309020205020404" pitchFamily="49" charset="0"/>
-              </a:rPr>
-              <a:t>{"Timestamp":1597167253960,"Direction":"RX","Message_id":18,"P1609dot2_flag":0,"Message":{"messageId":18,"value":{"intersections":[{"id":{"id":782},"</a:t>
-            </a:r>
-            <a:r>
-              <a:rPr lang="en-US" sz="800" dirty="0" err="1">
-                <a:latin typeface="Courier New" panose="02070309020205020404" pitchFamily="49" charset="0"/>
-                <a:cs typeface="Courier New" panose="02070309020205020404" pitchFamily="49" charset="0"/>
-              </a:rPr>
-              <a:t>laneSet</a:t>
-            </a:r>
-            <a:r>
-              <a:rPr lang="en-US" sz="800" dirty="0">
-                <a:latin typeface="Courier New" panose="02070309020205020404" pitchFamily="49" charset="0"/>
-                <a:cs typeface="Courier New" panose="02070309020205020404" pitchFamily="49" charset="0"/>
-              </a:rPr>
-              <a:t>":[{"</a:t>
-            </a:r>
-            <a:r>
-              <a:rPr lang="en-US" sz="800" dirty="0" err="1">
-                <a:latin typeface="Courier New" panose="02070309020205020404" pitchFamily="49" charset="0"/>
-                <a:cs typeface="Courier New" panose="02070309020205020404" pitchFamily="49" charset="0"/>
-              </a:rPr>
-              <a:t>connectsTo</a:t>
-            </a:r>
-            <a:r>
-              <a:rPr lang="en-US" sz="800" dirty="0">
-                <a:latin typeface="Courier New" panose="02070309020205020404" pitchFamily="49" charset="0"/>
-                <a:cs typeface="Courier New" panose="02070309020205020404" pitchFamily="49" charset="0"/>
-              </a:rPr>
-              <a:t>":[{"</a:t>
-            </a:r>
-            <a:r>
-              <a:rPr lang="en-US" sz="800" dirty="0" err="1">
-                <a:latin typeface="Courier New" panose="02070309020205020404" pitchFamily="49" charset="0"/>
-                <a:cs typeface="Courier New" panose="02070309020205020404" pitchFamily="49" charset="0"/>
-              </a:rPr>
-              <a:t>connectingLane</a:t>
-            </a:r>
-            <a:r>
-              <a:rPr lang="en-US" sz="800" dirty="0">
-                <a:latin typeface="Courier New" panose="02070309020205020404" pitchFamily="49" charset="0"/>
-                <a:cs typeface="Courier New" panose="02070309020205020404" pitchFamily="49" charset="0"/>
-              </a:rPr>
-              <a:t>":{"lane":11 ,"maneuver":"2000"},"signalGroup":2}],"</a:t>
-            </a:r>
-            <a:r>
-              <a:rPr lang="en-US" sz="800" dirty="0" err="1">
-                <a:latin typeface="Courier New" panose="02070309020205020404" pitchFamily="49" charset="0"/>
-                <a:cs typeface="Courier New" panose="02070309020205020404" pitchFamily="49" charset="0"/>
-              </a:rPr>
-              <a:t>laneAttributes</a:t>
-            </a:r>
-            <a:r>
-              <a:rPr lang="en-US" sz="800" dirty="0">
-                <a:latin typeface="Courier New" panose="02070309020205020404" pitchFamily="49" charset="0"/>
-                <a:cs typeface="Courier New" panose="02070309020205020404" pitchFamily="49" charset="0"/>
-              </a:rPr>
-              <a:t>":{"directionalUse":"80","laneType":{"vehicle":" 00"},"sharedWith":"1000"},"laneID":1,"maneuvers":"8000","nodeList":{"nodes":[{"delta":{"node-XY4":{"x ":2083,"y":-2129}}},{"delta":{"node-XY4":{"x":311,"y":-2532}}},{"delta":{"node-XY4":{"x":346,"y":-302 8}}},{"delta":{"node-XY1":{"x":0,"y":-305}}},{"delta":{"node-XY4":{"x":-122,"y":-2659}}}]}},{"connect </a:t>
-            </a:r>
-            <a:r>
-              <a:rPr lang="en-US" sz="800" dirty="0" err="1">
-                <a:latin typeface="Courier New" panose="02070309020205020404" pitchFamily="49" charset="0"/>
-                <a:cs typeface="Courier New" panose="02070309020205020404" pitchFamily="49" charset="0"/>
-              </a:rPr>
-              <a:t>sTo</a:t>
-            </a:r>
-            <a:r>
-              <a:rPr lang="en-US" sz="800" dirty="0">
-                <a:latin typeface="Courier New" panose="02070309020205020404" pitchFamily="49" charset="0"/>
-                <a:cs typeface="Courier New" panose="02070309020205020404" pitchFamily="49" charset="0"/>
-              </a:rPr>
-              <a:t>":[{"</a:t>
-            </a:r>
-            <a:r>
-              <a:rPr lang="en-US" sz="800" dirty="0" err="1">
-                <a:latin typeface="Courier New" panose="02070309020205020404" pitchFamily="49" charset="0"/>
-                <a:cs typeface="Courier New" panose="02070309020205020404" pitchFamily="49" charset="0"/>
-              </a:rPr>
-              <a:t>connectingLane</a:t>
-            </a:r>
-            <a:r>
-              <a:rPr lang="en-US" sz="800" dirty="0">
-                <a:latin typeface="Courier New" panose="02070309020205020404" pitchFamily="49" charset="0"/>
-                <a:cs typeface="Courier New" panose="02070309020205020404" pitchFamily="49" charset="0"/>
-              </a:rPr>
-              <a:t>":{"lane":7,"maneuver":"8000"},"signalGroup":2}],"</a:t>
-            </a:r>
-            <a:r>
-              <a:rPr lang="en-US" sz="800" dirty="0" err="1">
-                <a:latin typeface="Courier New" panose="02070309020205020404" pitchFamily="49" charset="0"/>
-                <a:cs typeface="Courier New" panose="02070309020205020404" pitchFamily="49" charset="0"/>
-              </a:rPr>
-              <a:t>laneAttributes</a:t>
-            </a:r>
-            <a:r>
-              <a:rPr lang="en-US" sz="800" dirty="0">
-                <a:latin typeface="Courier New" panose="02070309020205020404" pitchFamily="49" charset="0"/>
-                <a:cs typeface="Courier New" panose="02070309020205020404" pitchFamily="49" charset="0"/>
-              </a:rPr>
-              <a:t>":{"directional Use":"80","laneType":{"vehicle":"00"},"sharedWith":"1000"},"laneID":2,"maneuvers":"8000","nodeList":{ "nodes":[{"delta":{"node-XY4":{"x":638,"y":-2316}}},{"delta":{"node-XY4":{"x":337,"y":-2788}}},{"delt a":{"node-XY4":{"x":284,"y":-2729}}},{"delta":{"node-XY4":{"x":246,"y":-2732}}},{"delta":{"node-XY4": {"x":241,"y":-3344}}},{"delta":{"node-XY4":{"x":149,"y":-2739}}},{"delta":{"node-XY3":{"x":74,"y":-18 27}}},{"delta":{"node-XY6":{"x":352,"y":-11273}}}]}},{"</a:t>
-            </a:r>
-            <a:r>
-              <a:rPr lang="en-US" sz="800" dirty="0" err="1">
-                <a:latin typeface="Courier New" panose="02070309020205020404" pitchFamily="49" charset="0"/>
-                <a:cs typeface="Courier New" panose="02070309020205020404" pitchFamily="49" charset="0"/>
-              </a:rPr>
-              <a:t>connectsTo</a:t>
-            </a:r>
-            <a:r>
-              <a:rPr lang="en-US" sz="800" dirty="0">
-                <a:latin typeface="Courier New" panose="02070309020205020404" pitchFamily="49" charset="0"/>
-                <a:cs typeface="Courier New" panose="02070309020205020404" pitchFamily="49" charset="0"/>
-              </a:rPr>
-              <a:t>":[{"</a:t>
-            </a:r>
-            <a:r>
-              <a:rPr lang="en-US" sz="800" dirty="0" err="1">
-                <a:latin typeface="Courier New" panose="02070309020205020404" pitchFamily="49" charset="0"/>
-                <a:cs typeface="Courier New" panose="02070309020205020404" pitchFamily="49" charset="0"/>
-              </a:rPr>
-              <a:t>connectingLane</a:t>
-            </a:r>
-            <a:r>
-              <a:rPr lang="en-US" sz="800" dirty="0">
-                <a:latin typeface="Courier New" panose="02070309020205020404" pitchFamily="49" charset="0"/>
-                <a:cs typeface="Courier New" panose="02070309020205020404" pitchFamily="49" charset="0"/>
-              </a:rPr>
-              <a:t>":{"lane":8,"mane uver":"8000"},"signalGroup":2}],"</a:t>
-            </a:r>
-            <a:r>
-              <a:rPr lang="en-US" sz="800" dirty="0" err="1">
-                <a:latin typeface="Courier New" panose="02070309020205020404" pitchFamily="49" charset="0"/>
-                <a:cs typeface="Courier New" panose="02070309020205020404" pitchFamily="49" charset="0"/>
-              </a:rPr>
-              <a:t>laneAttributes</a:t>
-            </a:r>
-            <a:r>
-              <a:rPr lang="en-US" sz="800" dirty="0">
-                <a:latin typeface="Courier New" panose="02070309020205020404" pitchFamily="49" charset="0"/>
-                <a:cs typeface="Courier New" panose="02070309020205020404" pitchFamily="49" charset="0"/>
-              </a:rPr>
-              <a:t>":{"directionalUse":"80","laneType":{"vehicle":"00"}," sharedWith":"1000"},"laneID":3,"maneuvers":"8000","nodeList":{"nodes":[{"delta":{"node-XY4":{"x":998, "y":-2270}}},{"delta":{"node-XY4":{"x":309,"y":-2533}}},{"delta":{"node-XY4":{"x":322,"y":-3031}}},{" delta":{"node-XY4":{"x":244,"y":-2732}}},{"delta":{"node-XY4":{"x":242,"y":-3344}}},{"delta":{"node-X Y4":{"x":145,"y":-2739}}},{"delta":{"node-XY3":{"x":61,"y":-1523}}},{"delta":{"node-XY6":{"x":359,"y" :-11578}}}]}},{"</a:t>
-            </a:r>
-            <a:r>
-              <a:rPr lang="en-US" sz="800" dirty="0" err="1">
-                <a:latin typeface="Courier New" panose="02070309020205020404" pitchFamily="49" charset="0"/>
-                <a:cs typeface="Courier New" panose="02070309020205020404" pitchFamily="49" charset="0"/>
-              </a:rPr>
-              <a:t>connectsTo</a:t>
-            </a:r>
-            <a:r>
-              <a:rPr lang="en-US" sz="800" dirty="0">
-                <a:latin typeface="Courier New" panose="02070309020205020404" pitchFamily="49" charset="0"/>
-                <a:cs typeface="Courier New" panose="02070309020205020404" pitchFamily="49" charset="0"/>
-              </a:rPr>
-              <a:t>":[{"</a:t>
-            </a:r>
-            <a:r>
-              <a:rPr lang="en-US" sz="800" dirty="0" err="1">
-                <a:latin typeface="Courier New" panose="02070309020205020404" pitchFamily="49" charset="0"/>
-                <a:cs typeface="Courier New" panose="02070309020205020404" pitchFamily="49" charset="0"/>
-              </a:rPr>
-              <a:t>connectingLane</a:t>
-            </a:r>
-            <a:r>
-              <a:rPr lang="en-US" sz="800" dirty="0">
-                <a:latin typeface="Courier New" panose="02070309020205020404" pitchFamily="49" charset="0"/>
-                <a:cs typeface="Courier New" panose="02070309020205020404" pitchFamily="49" charset="0"/>
-              </a:rPr>
-              <a:t>":{"lane":9,"maneuver":"8000"},"signalGroup":2}],"</a:t>
-            </a:r>
-            <a:r>
-              <a:rPr lang="en-US" sz="800" dirty="0" err="1">
-                <a:latin typeface="Courier New" panose="02070309020205020404" pitchFamily="49" charset="0"/>
-                <a:cs typeface="Courier New" panose="02070309020205020404" pitchFamily="49" charset="0"/>
-              </a:rPr>
-              <a:t>laneAt</a:t>
-            </a:r>
-            <a:r>
-              <a:rPr lang="en-US" sz="800" dirty="0">
-                <a:latin typeface="Courier New" panose="02070309020205020404" pitchFamily="49" charset="0"/>
-                <a:cs typeface="Courier New" panose="02070309020205020404" pitchFamily="49" charset="0"/>
-              </a:rPr>
-              <a:t> tributes":{"directionalUse":"80","laneType":{"vehicle":"00"},"sharedWith":"1000"},"laneID":4,"maneuve rs":"8000","nodeList":{"nodes":[{"delta":{"node-XY4":{"x":1362,"y":-2222}}},{"delta":{"node-XY4":{"x" :319,"y":-2590}}},{"delta":{"node-XY4":{"x":322,"y":-3031}}},{"delta":{"node-XY4":{"x":242,"y":-2733} }},{"delta":{"node-XY4":{"x":242,"y":-3344}}},{"delta":{"node-XY4":{"x":146,"y":-2739}}},{"delta":{"n ode-XY3":{"x":51,"y":-1218}}},{"delta":{"node-XY6":{"x":366,"y":-11882}}}]}},{"</a:t>
-            </a:r>
-            <a:r>
-              <a:rPr lang="en-US" sz="800" dirty="0" err="1">
-                <a:latin typeface="Courier New" panose="02070309020205020404" pitchFamily="49" charset="0"/>
-                <a:cs typeface="Courier New" panose="02070309020205020404" pitchFamily="49" charset="0"/>
-              </a:rPr>
-              <a:t>connectsTo</a:t>
-            </a:r>
-            <a:r>
-              <a:rPr lang="en-US" sz="800" dirty="0">
-                <a:latin typeface="Courier New" panose="02070309020205020404" pitchFamily="49" charset="0"/>
-                <a:cs typeface="Courier New" panose="02070309020205020404" pitchFamily="49" charset="0"/>
-              </a:rPr>
-              <a:t>":[{"connect </a:t>
-            </a:r>
-            <a:r>
-              <a:rPr lang="en-US" sz="800" dirty="0" err="1">
-                <a:latin typeface="Courier New" panose="02070309020205020404" pitchFamily="49" charset="0"/>
-                <a:cs typeface="Courier New" panose="02070309020205020404" pitchFamily="49" charset="0"/>
-              </a:rPr>
-              <a:t>ingLane</a:t>
-            </a:r>
-            <a:r>
-              <a:rPr lang="en-US" sz="800" dirty="0">
-                <a:latin typeface="Courier New" panose="02070309020205020404" pitchFamily="49" charset="0"/>
-                <a:cs typeface="Courier New" panose="02070309020205020404" pitchFamily="49" charset="0"/>
-              </a:rPr>
-              <a:t>":{"lane":10,"maneuver":"8000"},"signalGroup":2}],"</a:t>
-            </a:r>
-            <a:r>
-              <a:rPr lang="en-US" sz="800" dirty="0" err="1">
-                <a:latin typeface="Courier New" panose="02070309020205020404" pitchFamily="49" charset="0"/>
-                <a:cs typeface="Courier New" panose="02070309020205020404" pitchFamily="49" charset="0"/>
-              </a:rPr>
-              <a:t>laneAttributes</a:t>
-            </a:r>
-            <a:r>
-              <a:rPr lang="en-US" sz="800" dirty="0">
-                <a:latin typeface="Courier New" panose="02070309020205020404" pitchFamily="49" charset="0"/>
-                <a:cs typeface="Courier New" panose="02070309020205020404" pitchFamily="49" charset="0"/>
-              </a:rPr>
-              <a:t>":{"directionalUse":"80","lan </a:t>
-            </a:r>
-            <a:r>
-              <a:rPr lang="en-US" sz="800" dirty="0" err="1">
-                <a:latin typeface="Courier New" panose="02070309020205020404" pitchFamily="49" charset="0"/>
-                <a:cs typeface="Courier New" panose="02070309020205020404" pitchFamily="49" charset="0"/>
-              </a:rPr>
-              <a:t>eType</a:t>
-            </a:r>
-            <a:r>
-              <a:rPr lang="en-US" sz="800" dirty="0">
-                <a:latin typeface="Courier New" panose="02070309020205020404" pitchFamily="49" charset="0"/>
-                <a:cs typeface="Courier New" panose="02070309020205020404" pitchFamily="49" charset="0"/>
-              </a:rPr>
-              <a:t>":{"vehicle":"00"},"sharedWith":"1000"},"laneID":5,"maneuvers":"8000","nodeList":{"nodes":[{"del ta":{"node-XY4":{"x":1724,"y":-2175}}},{"delta":{"node-XY4":{"x":324,"y":-2643}}},{"delta":{"node-XY4 ":{"x":321,"y":-3031}}},{"delta":{"node-XY4":{"x":270,"y":-3036}}},{"delta":{"node-XY4":{"x":215,"y": -3041}}},{"delta":{"node-XY4":{"x":148,"y":-2739}}},{"delta":{"node-XY3":{"x":73,"y":-1827}}},{"delta ":{"node-XY6":{"x":344,"y":-11273}}}]}},{"</a:t>
-            </a:r>
-            <a:r>
-              <a:rPr lang="en-US" sz="800" dirty="0" err="1">
-                <a:latin typeface="Courier New" panose="02070309020205020404" pitchFamily="49" charset="0"/>
-                <a:cs typeface="Courier New" panose="02070309020205020404" pitchFamily="49" charset="0"/>
-              </a:rPr>
-              <a:t>connectsTo</a:t>
-            </a:r>
-            <a:r>
-              <a:rPr lang="en-US" sz="800" dirty="0">
-                <a:latin typeface="Courier New" panose="02070309020205020404" pitchFamily="49" charset="0"/>
-                <a:cs typeface="Courier New" panose="02070309020205020404" pitchFamily="49" charset="0"/>
-              </a:rPr>
-              <a:t>":[{"</a:t>
-            </a:r>
-            <a:r>
-              <a:rPr lang="en-US" sz="800" dirty="0" err="1">
-                <a:latin typeface="Courier New" panose="02070309020205020404" pitchFamily="49" charset="0"/>
-                <a:cs typeface="Courier New" panose="02070309020205020404" pitchFamily="49" charset="0"/>
-              </a:rPr>
-              <a:t>connectingLane</a:t>
-            </a:r>
-            <a:r>
-              <a:rPr lang="en-US" sz="800" dirty="0">
-                <a:latin typeface="Courier New" panose="02070309020205020404" pitchFamily="49" charset="0"/>
-                <a:cs typeface="Courier New" panose="02070309020205020404" pitchFamily="49" charset="0"/>
-              </a:rPr>
-              <a:t>":{"lane":7,"maneuver":"4000"} ,"signalGroup":4}],"</a:t>
-            </a:r>
-            <a:r>
-              <a:rPr lang="en-US" sz="800" dirty="0" err="1">
-                <a:latin typeface="Courier New" panose="02070309020205020404" pitchFamily="49" charset="0"/>
-                <a:cs typeface="Courier New" panose="02070309020205020404" pitchFamily="49" charset="0"/>
-              </a:rPr>
-              <a:t>laneAttributes</a:t>
-            </a:r>
-            <a:r>
-              <a:rPr lang="en-US" sz="800" dirty="0">
-                <a:latin typeface="Courier New" panose="02070309020205020404" pitchFamily="49" charset="0"/>
-                <a:cs typeface="Courier New" panose="02070309020205020404" pitchFamily="49" charset="0"/>
-              </a:rPr>
-              <a:t>":{"directionalUse":"80","laneType":{"vehicle":"00"},"</a:t>
-            </a:r>
-            <a:r>
-              <a:rPr lang="en-US" sz="800" dirty="0" err="1">
-                <a:latin typeface="Courier New" panose="02070309020205020404" pitchFamily="49" charset="0"/>
-                <a:cs typeface="Courier New" panose="02070309020205020404" pitchFamily="49" charset="0"/>
-              </a:rPr>
-              <a:t>sharedWith</a:t>
-            </a:r>
-            <a:r>
-              <a:rPr lang="en-US" sz="800" dirty="0">
-                <a:latin typeface="Courier New" panose="02070309020205020404" pitchFamily="49" charset="0"/>
-                <a:cs typeface="Courier New" panose="02070309020205020404" pitchFamily="49" charset="0"/>
-              </a:rPr>
-              <a:t>":" 1000"},"laneID":6,"maneuvers":"4000","nodeList":{"nodes":[{"delta":{"node-XY2":{"x":-130,"y":-899}}}, {"delta":{"node-XY1":{"x":-296,"y":-72}}},{"delta":{"node-XY1":{"x":-303,"y":-14}}},{"delta":{"node-X Y1":{"x":-292,"y":69}}},{"delta":{"node-XY1":{"x":-225,"y":204}}},{"delta":{"node-XY1":{"x":-170,"y": 251}}},{"delta":{"node-XY1":{"x":-128,"y":276}}},{"delta":{"node-XY1":{"x":-100,"y":287}}},{"delta":{ "node-XY2":{"x":-151,"y":590}}},{"delta":{"node-XY1":{"x":-58,"y":299}}},{"delta":{"node-XY3":{"x":-2 35,"y":1814}}},{"delta":{"node-XY4":{"x":-371,"y":3332}}},{"delta":{"node-XY4":{"x":-310,"y":3339}}}, {"delta":{"node-XY4":{"x":-256,"y":3343}}},{"delta":{"node-XY4":{"x":-561,"y":3973}}}]}},{"</a:t>
-            </a:r>
-            <a:r>
-              <a:rPr lang="en-US" sz="800" dirty="0" err="1">
-                <a:latin typeface="Courier New" panose="02070309020205020404" pitchFamily="49" charset="0"/>
-                <a:cs typeface="Courier New" panose="02070309020205020404" pitchFamily="49" charset="0"/>
-              </a:rPr>
-              <a:t>laneAttrib</a:t>
-            </a:r>
-            <a:r>
-              <a:rPr lang="en-US" sz="800" dirty="0">
+              <a:rPr lang="en-US" dirty="0">
+                <a:solidFill>
+                  <a:srgbClr val="000000"/>
+                </a:solidFill>
+                <a:effectLst/>
+                <a:latin typeface="Courier New" panose="02070309020205020404" pitchFamily="49" charset="0"/>
+                <a:cs typeface="Courier New" panose="02070309020205020404" pitchFamily="49" charset="0"/>
+              </a:rPr>
+              <a:t>{"Timestamp":1597167252195,"Direction":"RX","Message_id":19,"P1609dot2_flag":0,"Messa</a:t>
+            </a:r>
+            <a:r>
+              <a:rPr lang="en-US" dirty="0">
+                <a:effectLst/>
+                <a:latin typeface="Courier New" panose="02070309020205020404" pitchFamily="49" charset="0"/>
+                <a:cs typeface="Courier New" panose="02070309020205020404" pitchFamily="49" charset="0"/>
+              </a:rPr>
+              <a:t>ge":{"messageId":19,"value":{</a:t>
+            </a:r>
+            <a:r>
+              <a:rPr lang="en-US" b="1" dirty="0">
+                <a:effectLst/>
+                <a:latin typeface="Courier New" panose="02070309020205020404" pitchFamily="49" charset="0"/>
+                <a:cs typeface="Courier New" panose="02070309020205020404" pitchFamily="49" charset="0"/>
+              </a:rPr>
+              <a:t>...</a:t>
+            </a:r>
+            <a:r>
+              <a:rPr lang="en-US" dirty="0">
+                <a:effectLst/>
+                <a:latin typeface="Courier New" panose="02070309020205020404" pitchFamily="49" charset="0"/>
+                <a:cs typeface="Courier New" panose="02070309020205020404" pitchFamily="49" charset="0"/>
+              </a:rPr>
+              <a:t>}}</a:t>
+            </a:r>
+            <a:r>
+              <a:rPr lang="en-US" dirty="0">
+                <a:solidFill>
+                  <a:srgbClr val="000000"/>
+                </a:solidFill>
+                <a:effectLst/>
+                <a:latin typeface="Courier New" panose="02070309020205020404" pitchFamily="49" charset="0"/>
+                <a:cs typeface="Courier New" panose="02070309020205020404" pitchFamily="49" charset="0"/>
+              </a:rPr>
+              <a:t>,"Version":"1.0”</a:t>
+            </a:r>
+            <a:r>
+              <a:rPr lang="en-US" dirty="0">
+                <a:effectLst/>
+                <a:latin typeface="Courier New" panose="02070309020205020404" pitchFamily="49" charset="0"/>
+                <a:cs typeface="Courier New" panose="02070309020205020404" pitchFamily="49" charset="0"/>
+              </a:rPr>
+              <a:t>}</a:t>
+            </a:r>
+            <a:br>
+              <a:rPr lang="en-US" dirty="0">
+                <a:effectLst/>
+                <a:latin typeface="Courier New" panose="02070309020205020404" pitchFamily="49" charset="0"/>
+                <a:cs typeface="Courier New" panose="02070309020205020404" pitchFamily="49" charset="0"/>
+              </a:rPr>
+            </a:br>
+            <a:endParaRPr lang="en-US" dirty="0">
+              <a:effectLst/>
+              <a:latin typeface="Courier New" panose="02070309020205020404" pitchFamily="49" charset="0"/>
+              <a:cs typeface="Courier New" panose="02070309020205020404" pitchFamily="49" charset="0"/>
+            </a:endParaRPr>
+          </a:p>
+          <a:p>
+            <a:r>
+              <a:rPr lang="en-US" dirty="0"/>
+              <a:t>Header fields</a:t>
+            </a:r>
+          </a:p>
+          <a:p>
+            <a:pPr lvl="1"/>
+            <a:r>
+              <a:rPr lang="en-US" dirty="0">
+                <a:latin typeface="Courier New" panose="02070309020205020404" pitchFamily="49" charset="0"/>
+                <a:cs typeface="Courier New" panose="02070309020205020404" pitchFamily="49" charset="0"/>
+              </a:rPr>
+              <a:t>Timestamp</a:t>
+            </a:r>
+            <a:r>
+              <a:rPr lang="en-US" dirty="0"/>
+              <a:t> is milliseconds since the Epoch (Jan 1</a:t>
+            </a:r>
+            <a:r>
+              <a:rPr lang="en-US" baseline="30000" dirty="0"/>
+              <a:t>st</a:t>
+            </a:r>
+            <a:r>
+              <a:rPr lang="en-US" dirty="0"/>
+              <a:t> 1970), 13 digits</a:t>
+            </a:r>
+          </a:p>
+          <a:p>
+            <a:pPr lvl="1"/>
+            <a:r>
+              <a:rPr lang="en-US" dirty="0">
+                <a:latin typeface="Courier New" panose="02070309020205020404" pitchFamily="49" charset="0"/>
+                <a:cs typeface="Courier New" panose="02070309020205020404" pitchFamily="49" charset="0"/>
+              </a:rPr>
+              <a:t>Direction</a:t>
+            </a:r>
+            <a:r>
+              <a:rPr lang="en-US" dirty="0"/>
+              <a:t> indicates if message is TX or RX</a:t>
+            </a:r>
+          </a:p>
+          <a:p>
+            <a:pPr lvl="1"/>
+            <a:r>
+              <a:rPr lang="en-US" dirty="0" err="1">
+                <a:latin typeface="Courier New" panose="02070309020205020404" pitchFamily="49" charset="0"/>
+                <a:cs typeface="Courier New" panose="02070309020205020404" pitchFamily="49" charset="0"/>
+              </a:rPr>
+              <a:t>Message_id</a:t>
+            </a:r>
+            <a:r>
+              <a:rPr lang="en-US" dirty="0">
                 <a:latin typeface="Courier New" panose="02070309020205020404" pitchFamily="49" charset="0"/>
                 <a:cs typeface="Courier New" panose="02070309020205020404" pitchFamily="49" charset="0"/>
               </a:rPr>
               <a:t> </a:t>
             </a:r>
             <a:r>
-              <a:rPr lang="en-US" sz="800" dirty="0" err="1">
-                <a:latin typeface="Courier New" panose="02070309020205020404" pitchFamily="49" charset="0"/>
-                <a:cs typeface="Courier New" panose="02070309020205020404" pitchFamily="49" charset="0"/>
-              </a:rPr>
-              <a:t>utes</a:t>
-            </a:r>
-            <a:r>
-              <a:rPr lang="en-US" sz="800" dirty="0">
-                <a:latin typeface="Courier New" panose="02070309020205020404" pitchFamily="49" charset="0"/>
-                <a:cs typeface="Courier New" panose="02070309020205020404" pitchFamily="49" charset="0"/>
-              </a:rPr>
-              <a:t>":{"directionalUse":"40","laneType":{"vehicle":"00"},"sharedWith":"1000"},"laneID":7,"nodeList":{ "nodes":[{"delta":{"node-XY2":{"x":268,"y":470}}},{"delta":{"node-XY4":{"x":-312,"y":2419}}},{"delta" :{"node-XY3":{"x":-215,"y":1816}}},{"delta":{"node-XY4":{"x":-253,"y":2425}}},{"delta":{"node-XY4":{" x":-248,"y":2732}}}]}},{"</a:t>
-            </a:r>
-            <a:r>
-              <a:rPr lang="en-US" sz="800" dirty="0" err="1">
-                <a:latin typeface="Courier New" panose="02070309020205020404" pitchFamily="49" charset="0"/>
-                <a:cs typeface="Courier New" panose="02070309020205020404" pitchFamily="49" charset="0"/>
-              </a:rPr>
-              <a:t>laneAttributes</a:t>
-            </a:r>
-            <a:r>
-              <a:rPr lang="en-US" sz="800" dirty="0">
-                <a:latin typeface="Courier New" panose="02070309020205020404" pitchFamily="49" charset="0"/>
-                <a:cs typeface="Courier New" panose="02070309020205020404" pitchFamily="49" charset="0"/>
-              </a:rPr>
-              <a:t>":{"directionalUse":"40","laneType":{"vehicle":"00"},"</a:t>
-            </a:r>
-            <a:r>
-              <a:rPr lang="en-US" sz="800" dirty="0" err="1">
-                <a:latin typeface="Courier New" panose="02070309020205020404" pitchFamily="49" charset="0"/>
-                <a:cs typeface="Courier New" panose="02070309020205020404" pitchFamily="49" charset="0"/>
-              </a:rPr>
-              <a:t>sharedWi</a:t>
-            </a:r>
-            <a:r>
-              <a:rPr lang="en-US" sz="800" dirty="0">
-                <a:latin typeface="Courier New" panose="02070309020205020404" pitchFamily="49" charset="0"/>
-                <a:cs typeface="Courier New" panose="02070309020205020404" pitchFamily="49" charset="0"/>
-              </a:rPr>
-              <a:t> th":"1000"},"laneID":8,"nodeList":{"nodes":[{"delta":{"node-XY2":{"x":626,"y":522}}},{"delta":{"node- XY4":{"x":-494,"y":3932}}},{"delta":{"node-XY4":{"x":-287,"y":2728}}},{"delta":{"node-XY4":{"x":-247, "y":2732}}}]}},{"</a:t>
-            </a:r>
-            <a:r>
-              <a:rPr lang="en-US" sz="800" dirty="0" err="1">
-                <a:latin typeface="Courier New" panose="02070309020205020404" pitchFamily="49" charset="0"/>
-                <a:cs typeface="Courier New" panose="02070309020205020404" pitchFamily="49" charset="0"/>
-              </a:rPr>
-              <a:t>laneAttributes</a:t>
-            </a:r>
-            <a:r>
-              <a:rPr lang="en-US" sz="800" dirty="0">
-                <a:latin typeface="Courier New" panose="02070309020205020404" pitchFamily="49" charset="0"/>
-                <a:cs typeface="Courier New" panose="02070309020205020404" pitchFamily="49" charset="0"/>
-              </a:rPr>
-              <a:t>":{"directionalUse":"40","laneType":{"vehicle":"00"},"sharedWith":"100 0"},"laneID":9,"nodeList":{"nodes":[{"delta":{"node-XY3":{"x":988,"y":575}}},{"delta":{"node-XY4":{"x ":-314,"y":2418}}},{"delta":{"node-XY4":{"x":-312,"y":2726}}},{"delta":{"node-</a:t>
-            </a:r>
-            <a:r>
-              <a:rPr lang="en-US" sz="800" dirty="0" err="1">
-                <a:latin typeface="Courier New" panose="02070309020205020404" pitchFamily="49" charset="0"/>
-                <a:cs typeface="Courier New" panose="02070309020205020404" pitchFamily="49" charset="0"/>
-              </a:rPr>
-              <a:t>LatLon</a:t>
-            </a:r>
-            <a:r>
-              <a:rPr lang="en-US" sz="800" dirty="0">
-                <a:latin typeface="Courier New" panose="02070309020205020404" pitchFamily="49" charset="0"/>
-                <a:cs typeface="Courier New" panose="02070309020205020404" pitchFamily="49" charset="0"/>
-              </a:rPr>
-              <a:t>":{"lat":42519651 3,"lon":-830469748}}},{"delta":{"node-XY4":{"x":-217,"y":2429}}}]}},{"</a:t>
-            </a:r>
-            <a:r>
-              <a:rPr lang="en-US" sz="800" dirty="0" err="1">
-                <a:latin typeface="Courier New" panose="02070309020205020404" pitchFamily="49" charset="0"/>
-                <a:cs typeface="Courier New" panose="02070309020205020404" pitchFamily="49" charset="0"/>
-              </a:rPr>
-              <a:t>laneAttributes</a:t>
-            </a:r>
-            <a:r>
-              <a:rPr lang="en-US" sz="800" dirty="0">
-                <a:latin typeface="Courier New" panose="02070309020205020404" pitchFamily="49" charset="0"/>
-                <a:cs typeface="Courier New" panose="02070309020205020404" pitchFamily="49" charset="0"/>
-              </a:rPr>
-              <a:t>":{"</a:t>
-            </a:r>
-            <a:r>
-              <a:rPr lang="en-US" sz="800" dirty="0" err="1">
-                <a:latin typeface="Courier New" panose="02070309020205020404" pitchFamily="49" charset="0"/>
-                <a:cs typeface="Courier New" panose="02070309020205020404" pitchFamily="49" charset="0"/>
-              </a:rPr>
-              <a:t>directionalUs</a:t>
-            </a:r>
-            <a:r>
-              <a:rPr lang="en-US" sz="800" dirty="0">
-                <a:latin typeface="Courier New" panose="02070309020205020404" pitchFamily="49" charset="0"/>
-                <a:cs typeface="Courier New" panose="02070309020205020404" pitchFamily="49" charset="0"/>
-              </a:rPr>
-              <a:t> e":"40","laneType":{"vehicle":"00"},"sharedWith":"1000"},"laneID":10,"nodeList":{"nodes":[{"delta":{" node-XY3":{"x":1352,"y":628}}},{"delta":{"node-XY4":{"x":-315,"y":2418}}},{"delta":{"node-XY4":{"x":- 281,"y":2415}}},{"delta":{"node-XY3":{"x":-188,"y":1819}}},{"delta":{"node-</a:t>
-            </a:r>
-            <a:r>
-              <a:rPr lang="en-US" sz="800" dirty="0" err="1">
-                <a:latin typeface="Courier New" panose="02070309020205020404" pitchFamily="49" charset="0"/>
-                <a:cs typeface="Courier New" panose="02070309020205020404" pitchFamily="49" charset="0"/>
-              </a:rPr>
-              <a:t>LatLon</a:t>
-            </a:r>
-            <a:r>
-              <a:rPr lang="en-US" sz="800" dirty="0">
-                <a:latin typeface="Courier New" panose="02070309020205020404" pitchFamily="49" charset="0"/>
-                <a:cs typeface="Courier New" panose="02070309020205020404" pitchFamily="49" charset="0"/>
-              </a:rPr>
-              <a:t>":{"lat":425199014," </a:t>
-            </a:r>
-            <a:r>
-              <a:rPr lang="en-US" sz="800" dirty="0" err="1">
-                <a:latin typeface="Courier New" panose="02070309020205020404" pitchFamily="49" charset="0"/>
-                <a:cs typeface="Courier New" panose="02070309020205020404" pitchFamily="49" charset="0"/>
-              </a:rPr>
-              <a:t>lon</a:t>
-            </a:r>
-            <a:r>
-              <a:rPr lang="en-US" sz="800" dirty="0">
-                <a:latin typeface="Courier New" panose="02070309020205020404" pitchFamily="49" charset="0"/>
-                <a:cs typeface="Courier New" panose="02070309020205020404" pitchFamily="49" charset="0"/>
-              </a:rPr>
-              <a:t>":-830469603}}}]}},{"</a:t>
-            </a:r>
-            <a:r>
-              <a:rPr lang="en-US" sz="800" dirty="0" err="1">
-                <a:latin typeface="Courier New" panose="02070309020205020404" pitchFamily="49" charset="0"/>
-                <a:cs typeface="Courier New" panose="02070309020205020404" pitchFamily="49" charset="0"/>
-              </a:rPr>
-              <a:t>laneAttributes</a:t>
-            </a:r>
-            <a:r>
-              <a:rPr lang="en-US" sz="800" dirty="0">
-                <a:latin typeface="Courier New" panose="02070309020205020404" pitchFamily="49" charset="0"/>
-                <a:cs typeface="Courier New" panose="02070309020205020404" pitchFamily="49" charset="0"/>
-              </a:rPr>
-              <a:t>":{"directionalUse":"40","laneType":{"vehicle":"00"},"</a:t>
-            </a:r>
-            <a:r>
-              <a:rPr lang="en-US" sz="800" dirty="0" err="1">
-                <a:latin typeface="Courier New" panose="02070309020205020404" pitchFamily="49" charset="0"/>
-                <a:cs typeface="Courier New" panose="02070309020205020404" pitchFamily="49" charset="0"/>
-              </a:rPr>
-              <a:t>sharedWit</a:t>
-            </a:r>
-            <a:r>
-              <a:rPr lang="en-US" sz="800" dirty="0">
-                <a:latin typeface="Courier New" panose="02070309020205020404" pitchFamily="49" charset="0"/>
-                <a:cs typeface="Courier New" panose="02070309020205020404" pitchFamily="49" charset="0"/>
-              </a:rPr>
-              <a:t> h":"1000"},"laneID":11,"nodeList":{"nodes":[{"delta":{"node-XY3":{"x":1712,"y":681}}},{"delta":{"node -XY4":{"x":-276,"y":2116}}},{"delta":{"node-XY4":{"x":-349,"y":3028}}},{"delta":{"node-XY3":{"x":-155 ,"y":1516}}},{"delta":{"node-</a:t>
-            </a:r>
-            <a:r>
-              <a:rPr lang="en-US" sz="800" dirty="0" err="1">
-                <a:latin typeface="Courier New" panose="02070309020205020404" pitchFamily="49" charset="0"/>
-                <a:cs typeface="Courier New" panose="02070309020205020404" pitchFamily="49" charset="0"/>
-              </a:rPr>
-              <a:t>LatLon</a:t>
-            </a:r>
-            <a:r>
-              <a:rPr lang="en-US" sz="800" dirty="0">
-                <a:latin typeface="Courier New" panose="02070309020205020404" pitchFamily="49" charset="0"/>
-                <a:cs typeface="Courier New" panose="02070309020205020404" pitchFamily="49" charset="0"/>
-              </a:rPr>
-              <a:t>":{"lat":425199067,"lon":-830469158}}}]}}],"laneWidth":366,"refPoi </a:t>
-            </a:r>
-            <a:r>
-              <a:rPr lang="en-US" sz="800" dirty="0" err="1">
-                <a:latin typeface="Courier New" panose="02070309020205020404" pitchFamily="49" charset="0"/>
-                <a:cs typeface="Courier New" panose="02070309020205020404" pitchFamily="49" charset="0"/>
-              </a:rPr>
-              <a:t>nt</a:t>
-            </a:r>
-            <a:r>
-              <a:rPr lang="en-US" sz="800" dirty="0">
-                <a:latin typeface="Courier New" panose="02070309020205020404" pitchFamily="49" charset="0"/>
-                <a:cs typeface="Courier New" panose="02070309020205020404" pitchFamily="49" charset="0"/>
-              </a:rPr>
-              <a:t>":{"elevation":1879,"lat":425190000,"long":-830470000},"revision":1}],"layerID":1,"layerType":"inte rsectionData","msgIssueRevision":1}}}</a:t>
-            </a:r>
+              <a:rPr lang="en-US" dirty="0"/>
+              <a:t>is the J2735 </a:t>
+            </a:r>
+            <a:r>
+              <a:rPr lang="en-US" dirty="0" err="1"/>
+              <a:t>messageID</a:t>
+            </a:r>
+            <a:r>
+              <a:rPr lang="en-US" dirty="0"/>
+              <a:t> [MAP=18, SPAT=19, BSM=20, …]</a:t>
+            </a:r>
+          </a:p>
+          <a:p>
+            <a:pPr lvl="1"/>
+            <a:r>
+              <a:rPr lang="en-US" dirty="0">
+                <a:latin typeface="Courier New" panose="02070309020205020404" pitchFamily="49" charset="0"/>
+                <a:cs typeface="Courier New" panose="02070309020205020404" pitchFamily="49" charset="0"/>
+              </a:rPr>
+              <a:t>P1609dot2_flag</a:t>
+            </a:r>
+            <a:r>
+              <a:rPr lang="en-US" dirty="0">
+                <a:cs typeface="Courier New" panose="02070309020205020404" pitchFamily="49" charset="0"/>
+              </a:rPr>
+              <a:t> if set, </a:t>
+            </a:r>
+            <a:r>
+              <a:rPr lang="en-US" dirty="0"/>
+              <a:t>indicates if message was unsigned(0) or signed(1)</a:t>
+            </a:r>
+          </a:p>
+          <a:p>
+            <a:pPr lvl="1"/>
+            <a:r>
+              <a:rPr lang="en-US" dirty="0">
+                <a:latin typeface="Courier New" panose="02070309020205020404" pitchFamily="49" charset="0"/>
+                <a:cs typeface="Courier New" panose="02070309020205020404" pitchFamily="49" charset="0"/>
+              </a:rPr>
+              <a:t>Version</a:t>
+            </a:r>
+            <a:r>
+              <a:rPr lang="en-US" dirty="0"/>
+              <a:t> is included on 1</a:t>
+            </a:r>
+            <a:r>
+              <a:rPr lang="en-US" baseline="30000" dirty="0"/>
+              <a:t>st</a:t>
+            </a:r>
+            <a:r>
+              <a:rPr lang="en-US" dirty="0"/>
+              <a:t> record only</a:t>
+            </a:r>
+          </a:p>
+          <a:p>
+            <a:pPr lvl="1"/>
+            <a:r>
+              <a:rPr lang="en-US" dirty="0">
+                <a:latin typeface="Courier New" panose="02070309020205020404" pitchFamily="49" charset="0"/>
+                <a:cs typeface="Courier New" panose="02070309020205020404" pitchFamily="49" charset="0"/>
+              </a:rPr>
+              <a:t>Conversion</a:t>
+            </a:r>
+            <a:r>
+              <a:rPr lang="en-US" dirty="0"/>
+              <a:t> (not seen) is added for BSMs with converted data</a:t>
+            </a:r>
+          </a:p>
+          <a:p>
+            <a:pPr lvl="1"/>
+            <a:r>
+              <a:rPr lang="en-US" dirty="0">
+                <a:latin typeface="Courier New" panose="02070309020205020404" pitchFamily="49" charset="0"/>
+                <a:cs typeface="Courier New" panose="02070309020205020404" pitchFamily="49" charset="0"/>
+              </a:rPr>
+              <a:t>Message</a:t>
+            </a:r>
+            <a:r>
+              <a:rPr lang="en-US" dirty="0"/>
+              <a:t> field gives J2735 data structure as decoded to JSON</a:t>
+            </a:r>
+          </a:p>
+          <a:p>
+            <a:r>
+              <a:rPr lang="en-US" dirty="0"/>
+              <a:t>Samples</a:t>
+            </a:r>
+          </a:p>
+          <a:p>
+            <a:pPr lvl="1"/>
+            <a:r>
+              <a:rPr lang="en-US" dirty="0"/>
+              <a:t>Don’t copy from document because PowerPoint formats them funny (line wrapping on hyphens)</a:t>
+            </a:r>
+          </a:p>
+          <a:p>
+            <a:r>
+              <a:rPr lang="en-US" dirty="0"/>
+              <a:t>Import JSON into big data science tools like Pandas and/or Anaconda</a:t>
+            </a:r>
+          </a:p>
+          <a:p>
+            <a:pPr lvl="1"/>
+            <a:r>
+              <a:rPr lang="en-US" dirty="0"/>
+              <a:t>Pandas</a:t>
+            </a:r>
+          </a:p>
+          <a:p>
+            <a:pPr lvl="1"/>
+            <a:r>
+              <a:rPr lang="en-US" dirty="0"/>
+              <a:t>Anaconda</a:t>
+            </a:r>
+          </a:p>
+          <a:p>
+            <a:pPr lvl="1"/>
+            <a:r>
+              <a:rPr lang="en-US" dirty="0"/>
+              <a:t>Snowflake</a:t>
+            </a:r>
+          </a:p>
+          <a:p>
+            <a:pPr lvl="1"/>
+            <a:r>
+              <a:rPr lang="en-US" dirty="0"/>
+              <a:t>…</a:t>
+            </a:r>
+          </a:p>
+          <a:p>
+            <a:pPr marL="0" indent="0">
+              <a:buNone/>
+            </a:pPr>
+            <a:endParaRPr lang="en-US" dirty="0">
+              <a:latin typeface="Courier New" panose="02070309020205020404" pitchFamily="49" charset="0"/>
+              <a:cs typeface="Courier New" panose="02070309020205020404" pitchFamily="49" charset="0"/>
+            </a:endParaRPr>
           </a:p>
         </p:txBody>
       </p:sp>
     </p:spTree>
     <p:extLst>
       <p:ext uri="{BB962C8B-B14F-4D97-AF65-F5344CB8AC3E}">
-        <p14:creationId xmlns:p14="http://schemas.microsoft.com/office/powerpoint/2010/main" val="517099351"/>
+        <p14:creationId xmlns:p14="http://schemas.microsoft.com/office/powerpoint/2010/main" val="1439637367"/>
       </p:ext>
     </p:extLst>
   </p:cSld>
@@ -5952,7 +5839,7 @@
           <a:p>
             <a:r>
               <a:rPr lang="en-US" b="1" dirty="0"/>
-              <a:t>SPAT sample</a:t>
+              <a:t>MAP sample</a:t>
             </a:r>
           </a:p>
         </p:txBody>
@@ -5989,263 +5876,501 @@
               <a:buNone/>
             </a:pPr>
             <a:r>
-              <a:rPr lang="en-US" sz="1200" dirty="0">
-                <a:latin typeface="Courier New" panose="02070309020205020404" pitchFamily="49" charset="0"/>
-                <a:cs typeface="Courier New" panose="02070309020205020404" pitchFamily="49" charset="0"/>
-              </a:rPr>
-              <a:t>{"Timestamp":1597167252195,"Direction":"RX","Message_id":19,"P1609dot2_flag":0,"Message":{"</a:t>
-            </a:r>
-            <a:r>
-              <a:rPr lang="en-US" sz="1200" dirty="0" err="1">
-                <a:latin typeface="Courier New" panose="02070309020205020404" pitchFamily="49" charset="0"/>
-                <a:cs typeface="Courier New" panose="02070309020205020404" pitchFamily="49" charset="0"/>
-              </a:rPr>
-              <a:t>messageId</a:t>
-            </a:r>
-            <a:r>
-              <a:rPr lang="en-US" sz="1200" dirty="0">
-                <a:latin typeface="Courier New" panose="02070309020205020404" pitchFamily="49" charset="0"/>
-                <a:cs typeface="Courier New" panose="02070309020205020404" pitchFamily="49" charset="0"/>
-              </a:rPr>
-              <a:t>" :19,"value":{"intersections":[{"id":{"id":782},"revision":4,"states":[{"signalGroup":1,"state-time-sp </a:t>
-            </a:r>
-            <a:r>
-              <a:rPr lang="en-US" sz="1200" dirty="0" err="1">
-                <a:latin typeface="Courier New" panose="02070309020205020404" pitchFamily="49" charset="0"/>
-                <a:cs typeface="Courier New" panose="02070309020205020404" pitchFamily="49" charset="0"/>
-              </a:rPr>
-              <a:t>eed</a:t>
-            </a:r>
-            <a:r>
-              <a:rPr lang="en-US" sz="1200" dirty="0">
+              <a:rPr lang="en-US" sz="800" dirty="0">
+                <a:latin typeface="Courier New" panose="02070309020205020404" pitchFamily="49" charset="0"/>
+                <a:cs typeface="Courier New" panose="02070309020205020404" pitchFamily="49" charset="0"/>
+              </a:rPr>
+              <a:t>{"Timestamp":1597167253960,"Direction":"RX","Message_id":18,"P1609dot2_flag":0,"Message":{"messageId":18,"value":{"intersections":[{"id":{"id":782},"</a:t>
+            </a:r>
+            <a:r>
+              <a:rPr lang="en-US" sz="800" dirty="0" err="1">
+                <a:latin typeface="Courier New" panose="02070309020205020404" pitchFamily="49" charset="0"/>
+                <a:cs typeface="Courier New" panose="02070309020205020404" pitchFamily="49" charset="0"/>
+              </a:rPr>
+              <a:t>laneSet</a:t>
+            </a:r>
+            <a:r>
+              <a:rPr lang="en-US" sz="800" dirty="0">
                 <a:latin typeface="Courier New" panose="02070309020205020404" pitchFamily="49" charset="0"/>
                 <a:cs typeface="Courier New" panose="02070309020205020404" pitchFamily="49" charset="0"/>
               </a:rPr>
               <a:t>":[{"</a:t>
             </a:r>
             <a:r>
-              <a:rPr lang="en-US" sz="1200" dirty="0" err="1">
-                <a:latin typeface="Courier New" panose="02070309020205020404" pitchFamily="49" charset="0"/>
-                <a:cs typeface="Courier New" panose="02070309020205020404" pitchFamily="49" charset="0"/>
-              </a:rPr>
-              <a:t>eventState</a:t>
-            </a:r>
-            <a:r>
-              <a:rPr lang="en-US" sz="1200" dirty="0">
-                <a:latin typeface="Courier New" panose="02070309020205020404" pitchFamily="49" charset="0"/>
-                <a:cs typeface="Courier New" panose="02070309020205020404" pitchFamily="49" charset="0"/>
-              </a:rPr>
-              <a:t>":"stop-And-</a:t>
-            </a:r>
-            <a:r>
-              <a:rPr lang="en-US" sz="1200" dirty="0" err="1">
-                <a:latin typeface="Courier New" panose="02070309020205020404" pitchFamily="49" charset="0"/>
-                <a:cs typeface="Courier New" panose="02070309020205020404" pitchFamily="49" charset="0"/>
-              </a:rPr>
-              <a:t>Remain","timing</a:t>
-            </a:r>
-            <a:r>
-              <a:rPr lang="en-US" sz="1200" dirty="0">
-                <a:latin typeface="Courier New" panose="02070309020205020404" pitchFamily="49" charset="0"/>
-                <a:cs typeface="Courier New" panose="02070309020205020404" pitchFamily="49" charset="0"/>
-              </a:rPr>
-              <a:t>":{"maxEndTime":20294,"minEndTime":36001}}]},{"</a:t>
-            </a:r>
-            <a:r>
-              <a:rPr lang="en-US" sz="1200" dirty="0" err="1">
-                <a:latin typeface="Courier New" panose="02070309020205020404" pitchFamily="49" charset="0"/>
-                <a:cs typeface="Courier New" panose="02070309020205020404" pitchFamily="49" charset="0"/>
-              </a:rPr>
-              <a:t>signalGro</a:t>
-            </a:r>
-            <a:r>
-              <a:rPr lang="en-US" sz="1200" dirty="0">
-                <a:latin typeface="Courier New" panose="02070309020205020404" pitchFamily="49" charset="0"/>
-                <a:cs typeface="Courier New" panose="02070309020205020404" pitchFamily="49" charset="0"/>
-              </a:rPr>
-              <a:t> up":2,"state-time-speed":[{"</a:t>
-            </a:r>
-            <a:r>
-              <a:rPr lang="en-US" sz="1200" dirty="0" err="1">
-                <a:latin typeface="Courier New" panose="02070309020205020404" pitchFamily="49" charset="0"/>
-                <a:cs typeface="Courier New" panose="02070309020205020404" pitchFamily="49" charset="0"/>
-              </a:rPr>
-              <a:t>eventState</a:t>
-            </a:r>
-            <a:r>
-              <a:rPr lang="en-US" sz="1200" dirty="0">
-                <a:latin typeface="Courier New" panose="02070309020205020404" pitchFamily="49" charset="0"/>
-                <a:cs typeface="Courier New" panose="02070309020205020404" pitchFamily="49" charset="0"/>
-              </a:rPr>
-              <a:t>":"stop-And-</a:t>
-            </a:r>
-            <a:r>
-              <a:rPr lang="en-US" sz="1200" dirty="0" err="1">
-                <a:latin typeface="Courier New" panose="02070309020205020404" pitchFamily="49" charset="0"/>
-                <a:cs typeface="Courier New" panose="02070309020205020404" pitchFamily="49" charset="0"/>
-              </a:rPr>
-              <a:t>Remain","timing</a:t>
-            </a:r>
-            <a:r>
-              <a:rPr lang="en-US" sz="1200" dirty="0">
-                <a:latin typeface="Courier New" panose="02070309020205020404" pitchFamily="49" charset="0"/>
-                <a:cs typeface="Courier New" panose="02070309020205020404" pitchFamily="49" charset="0"/>
-              </a:rPr>
-              <a:t>":{"maxEndTime":20603,"minEndTime":2 0603}}]},{"signalGroup":3,"state-time-speed":[{"</a:t>
-            </a:r>
-            <a:r>
-              <a:rPr lang="en-US" sz="1200" dirty="0" err="1">
-                <a:latin typeface="Courier New" panose="02070309020205020404" pitchFamily="49" charset="0"/>
-                <a:cs typeface="Courier New" panose="02070309020205020404" pitchFamily="49" charset="0"/>
-              </a:rPr>
-              <a:t>eventState</a:t>
-            </a:r>
-            <a:r>
-              <a:rPr lang="en-US" sz="1200" dirty="0">
-                <a:latin typeface="Courier New" panose="02070309020205020404" pitchFamily="49" charset="0"/>
-                <a:cs typeface="Courier New" panose="02070309020205020404" pitchFamily="49" charset="0"/>
-              </a:rPr>
-              <a:t>":"stop-And-</a:t>
-            </a:r>
-            <a:r>
-              <a:rPr lang="en-US" sz="1200" dirty="0" err="1">
-                <a:latin typeface="Courier New" panose="02070309020205020404" pitchFamily="49" charset="0"/>
-                <a:cs typeface="Courier New" panose="02070309020205020404" pitchFamily="49" charset="0"/>
-              </a:rPr>
-              <a:t>Remain","timing</a:t>
-            </a:r>
-            <a:r>
-              <a:rPr lang="en-US" sz="1200" dirty="0">
+              <a:rPr lang="en-US" sz="800" dirty="0" err="1">
+                <a:latin typeface="Courier New" panose="02070309020205020404" pitchFamily="49" charset="0"/>
+                <a:cs typeface="Courier New" panose="02070309020205020404" pitchFamily="49" charset="0"/>
+              </a:rPr>
+              <a:t>connectsTo</a:t>
+            </a:r>
+            <a:r>
+              <a:rPr lang="en-US" sz="800" dirty="0">
+                <a:latin typeface="Courier New" panose="02070309020205020404" pitchFamily="49" charset="0"/>
+                <a:cs typeface="Courier New" panose="02070309020205020404" pitchFamily="49" charset="0"/>
+              </a:rPr>
+              <a:t>":[{"</a:t>
+            </a:r>
+            <a:r>
+              <a:rPr lang="en-US" sz="800" dirty="0" err="1">
+                <a:latin typeface="Courier New" panose="02070309020205020404" pitchFamily="49" charset="0"/>
+                <a:cs typeface="Courier New" panose="02070309020205020404" pitchFamily="49" charset="0"/>
+              </a:rPr>
+              <a:t>connectingLane</a:t>
+            </a:r>
+            <a:r>
+              <a:rPr lang="en-US" sz="800" dirty="0">
+                <a:latin typeface="Courier New" panose="02070309020205020404" pitchFamily="49" charset="0"/>
+                <a:cs typeface="Courier New" panose="02070309020205020404" pitchFamily="49" charset="0"/>
+              </a:rPr>
+              <a:t>":{"lane":11 ,"maneuver":"2000"},"signalGroup":2}],"</a:t>
+            </a:r>
+            <a:r>
+              <a:rPr lang="en-US" sz="800" dirty="0" err="1">
+                <a:latin typeface="Courier New" panose="02070309020205020404" pitchFamily="49" charset="0"/>
+                <a:cs typeface="Courier New" panose="02070309020205020404" pitchFamily="49" charset="0"/>
+              </a:rPr>
+              <a:t>laneAttributes</a:t>
+            </a:r>
+            <a:r>
+              <a:rPr lang="en-US" sz="800" dirty="0">
+                <a:latin typeface="Courier New" panose="02070309020205020404" pitchFamily="49" charset="0"/>
+                <a:cs typeface="Courier New" panose="02070309020205020404" pitchFamily="49" charset="0"/>
+              </a:rPr>
+              <a:t>":{"directionalUse":"80","laneType":{"vehicle":" 00"},"sharedWith":"1000"},"laneID":1,"maneuvers":"8000","nodeList":{"nodes":[{"delta":{"node-XY4":{"x ":2083,"y":-2129}}},{"delta":{"node-XY4":{"x":311,"y":-2532}}},{"delta":{"node-XY4":{"x":346,"y":-302 8}}},{"delta":{"node-XY1":{"x":0,"y":-305}}},{"delta":{"node-XY4":{"x":-122,"y":-2659}}}]}},{"connect </a:t>
+            </a:r>
+            <a:r>
+              <a:rPr lang="en-US" sz="800" dirty="0" err="1">
+                <a:latin typeface="Courier New" panose="02070309020205020404" pitchFamily="49" charset="0"/>
+                <a:cs typeface="Courier New" panose="02070309020205020404" pitchFamily="49" charset="0"/>
+              </a:rPr>
+              <a:t>sTo</a:t>
+            </a:r>
+            <a:r>
+              <a:rPr lang="en-US" sz="800" dirty="0">
+                <a:latin typeface="Courier New" panose="02070309020205020404" pitchFamily="49" charset="0"/>
+                <a:cs typeface="Courier New" panose="02070309020205020404" pitchFamily="49" charset="0"/>
+              </a:rPr>
+              <a:t>":[{"</a:t>
+            </a:r>
+            <a:r>
+              <a:rPr lang="en-US" sz="800" dirty="0" err="1">
+                <a:latin typeface="Courier New" panose="02070309020205020404" pitchFamily="49" charset="0"/>
+                <a:cs typeface="Courier New" panose="02070309020205020404" pitchFamily="49" charset="0"/>
+              </a:rPr>
+              <a:t>connectingLane</a:t>
+            </a:r>
+            <a:r>
+              <a:rPr lang="en-US" sz="800" dirty="0">
+                <a:latin typeface="Courier New" panose="02070309020205020404" pitchFamily="49" charset="0"/>
+                <a:cs typeface="Courier New" panose="02070309020205020404" pitchFamily="49" charset="0"/>
+              </a:rPr>
+              <a:t>":{"lane":7,"maneuver":"8000"},"signalGroup":2}],"</a:t>
+            </a:r>
+            <a:r>
+              <a:rPr lang="en-US" sz="800" dirty="0" err="1">
+                <a:latin typeface="Courier New" panose="02070309020205020404" pitchFamily="49" charset="0"/>
+                <a:cs typeface="Courier New" panose="02070309020205020404" pitchFamily="49" charset="0"/>
+              </a:rPr>
+              <a:t>laneAttributes</a:t>
+            </a:r>
+            <a:r>
+              <a:rPr lang="en-US" sz="800" dirty="0">
+                <a:latin typeface="Courier New" panose="02070309020205020404" pitchFamily="49" charset="0"/>
+                <a:cs typeface="Courier New" panose="02070309020205020404" pitchFamily="49" charset="0"/>
+              </a:rPr>
+              <a:t>":{"directional Use":"80","laneType":{"vehicle":"00"},"sharedWith":"1000"},"laneID":2,"maneuvers":"8000","nodeList":{ "nodes":[{"delta":{"node-XY4":{"x":638,"y":-2316}}},{"delta":{"node-XY4":{"x":337,"y":-2788}}},{"delt a":{"node-XY4":{"x":284,"y":-2729}}},{"delta":{"node-XY4":{"x":246,"y":-2732}}},{"delta":{"node-XY4": {"x":241,"y":-3344}}},{"delta":{"node-XY4":{"x":149,"y":-2739}}},{"delta":{"node-XY3":{"x":74,"y":-18 27}}},{"delta":{"node-XY6":{"x":352,"y":-11273}}}]}},{"</a:t>
+            </a:r>
+            <a:r>
+              <a:rPr lang="en-US" sz="800" dirty="0" err="1">
+                <a:latin typeface="Courier New" panose="02070309020205020404" pitchFamily="49" charset="0"/>
+                <a:cs typeface="Courier New" panose="02070309020205020404" pitchFamily="49" charset="0"/>
+              </a:rPr>
+              <a:t>connectsTo</a:t>
+            </a:r>
+            <a:r>
+              <a:rPr lang="en-US" sz="800" dirty="0">
+                <a:latin typeface="Courier New" panose="02070309020205020404" pitchFamily="49" charset="0"/>
+                <a:cs typeface="Courier New" panose="02070309020205020404" pitchFamily="49" charset="0"/>
+              </a:rPr>
+              <a:t>":[{"</a:t>
+            </a:r>
+            <a:r>
+              <a:rPr lang="en-US" sz="800" dirty="0" err="1">
+                <a:latin typeface="Courier New" panose="02070309020205020404" pitchFamily="49" charset="0"/>
+                <a:cs typeface="Courier New" panose="02070309020205020404" pitchFamily="49" charset="0"/>
+              </a:rPr>
+              <a:t>connectingLane</a:t>
+            </a:r>
+            <a:r>
+              <a:rPr lang="en-US" sz="800" dirty="0">
+                <a:latin typeface="Courier New" panose="02070309020205020404" pitchFamily="49" charset="0"/>
+                <a:cs typeface="Courier New" panose="02070309020205020404" pitchFamily="49" charset="0"/>
+              </a:rPr>
+              <a:t>":{"lane":8,"mane uver":"8000"},"signalGroup":2}],"</a:t>
+            </a:r>
+            <a:r>
+              <a:rPr lang="en-US" sz="800" dirty="0" err="1">
+                <a:latin typeface="Courier New" panose="02070309020205020404" pitchFamily="49" charset="0"/>
+                <a:cs typeface="Courier New" panose="02070309020205020404" pitchFamily="49" charset="0"/>
+              </a:rPr>
+              <a:t>laneAttributes</a:t>
+            </a:r>
+            <a:r>
+              <a:rPr lang="en-US" sz="800" dirty="0">
+                <a:latin typeface="Courier New" panose="02070309020205020404" pitchFamily="49" charset="0"/>
+                <a:cs typeface="Courier New" panose="02070309020205020404" pitchFamily="49" charset="0"/>
+              </a:rPr>
+              <a:t>":{"directionalUse":"80","laneType":{"vehicle":"00"}," sharedWith":"1000"},"laneID":3,"maneuvers":"8000","nodeList":{"nodes":[{"delta":{"node-XY4":{"x":998, "y":-2270}}},{"delta":{"node-XY4":{"x":309,"y":-2533}}},{"delta":{"node-XY4":{"x":322,"y":-3031}}},{" delta":{"node-XY4":{"x":244,"y":-2732}}},{"delta":{"node-XY4":{"x":242,"y":-3344}}},{"delta":{"node-X Y4":{"x":145,"y":-2739}}},{"delta":{"node-XY3":{"x":61,"y":-1523}}},{"delta":{"node-XY6":{"x":359,"y" :-11578}}}]}},{"</a:t>
+            </a:r>
+            <a:r>
+              <a:rPr lang="en-US" sz="800" dirty="0" err="1">
+                <a:latin typeface="Courier New" panose="02070309020205020404" pitchFamily="49" charset="0"/>
+                <a:cs typeface="Courier New" panose="02070309020205020404" pitchFamily="49" charset="0"/>
+              </a:rPr>
+              <a:t>connectsTo</a:t>
+            </a:r>
+            <a:r>
+              <a:rPr lang="en-US" sz="800" dirty="0">
+                <a:latin typeface="Courier New" panose="02070309020205020404" pitchFamily="49" charset="0"/>
+                <a:cs typeface="Courier New" panose="02070309020205020404" pitchFamily="49" charset="0"/>
+              </a:rPr>
+              <a:t>":[{"</a:t>
+            </a:r>
+            <a:r>
+              <a:rPr lang="en-US" sz="800" dirty="0" err="1">
+                <a:latin typeface="Courier New" panose="02070309020205020404" pitchFamily="49" charset="0"/>
+                <a:cs typeface="Courier New" panose="02070309020205020404" pitchFamily="49" charset="0"/>
+              </a:rPr>
+              <a:t>connectingLane</a:t>
+            </a:r>
+            <a:r>
+              <a:rPr lang="en-US" sz="800" dirty="0">
+                <a:latin typeface="Courier New" panose="02070309020205020404" pitchFamily="49" charset="0"/>
+                <a:cs typeface="Courier New" panose="02070309020205020404" pitchFamily="49" charset="0"/>
+              </a:rPr>
+              <a:t>":{"lane":9,"maneuver":"8000"},"signalGroup":2}],"</a:t>
+            </a:r>
+            <a:r>
+              <a:rPr lang="en-US" sz="800" dirty="0" err="1">
+                <a:latin typeface="Courier New" panose="02070309020205020404" pitchFamily="49" charset="0"/>
+                <a:cs typeface="Courier New" panose="02070309020205020404" pitchFamily="49" charset="0"/>
+              </a:rPr>
+              <a:t>laneAt</a:t>
+            </a:r>
+            <a:r>
+              <a:rPr lang="en-US" sz="800" dirty="0">
+                <a:latin typeface="Courier New" panose="02070309020205020404" pitchFamily="49" charset="0"/>
+                <a:cs typeface="Courier New" panose="02070309020205020404" pitchFamily="49" charset="0"/>
+              </a:rPr>
+              <a:t> tributes":{"directionalUse":"80","laneType":{"vehicle":"00"},"sharedWith":"1000"},"laneID":4,"maneuve rs":"8000","nodeList":{"nodes":[{"delta":{"node-XY4":{"x":1362,"y":-2222}}},{"delta":{"node-XY4":{"x" :319,"y":-2590}}},{"delta":{"node-XY4":{"x":322,"y":-3031}}},{"delta":{"node-XY4":{"x":242,"y":-2733} }},{"delta":{"node-XY4":{"x":242,"y":-3344}}},{"delta":{"node-XY4":{"x":146,"y":-2739}}},{"delta":{"n ode-XY3":{"x":51,"y":-1218}}},{"delta":{"node-XY6":{"x":366,"y":-11882}}}]}},{"</a:t>
+            </a:r>
+            <a:r>
+              <a:rPr lang="en-US" sz="800" dirty="0" err="1">
+                <a:latin typeface="Courier New" panose="02070309020205020404" pitchFamily="49" charset="0"/>
+                <a:cs typeface="Courier New" panose="02070309020205020404" pitchFamily="49" charset="0"/>
+              </a:rPr>
+              <a:t>connectsTo</a:t>
+            </a:r>
+            <a:r>
+              <a:rPr lang="en-US" sz="800" dirty="0">
+                <a:latin typeface="Courier New" panose="02070309020205020404" pitchFamily="49" charset="0"/>
+                <a:cs typeface="Courier New" panose="02070309020205020404" pitchFamily="49" charset="0"/>
+              </a:rPr>
+              <a:t>":[{"connect </a:t>
+            </a:r>
+            <a:r>
+              <a:rPr lang="en-US" sz="800" dirty="0" err="1">
+                <a:latin typeface="Courier New" panose="02070309020205020404" pitchFamily="49" charset="0"/>
+                <a:cs typeface="Courier New" panose="02070309020205020404" pitchFamily="49" charset="0"/>
+              </a:rPr>
+              <a:t>ingLane</a:t>
+            </a:r>
+            <a:r>
+              <a:rPr lang="en-US" sz="800" dirty="0">
+                <a:latin typeface="Courier New" panose="02070309020205020404" pitchFamily="49" charset="0"/>
+                <a:cs typeface="Courier New" panose="02070309020205020404" pitchFamily="49" charset="0"/>
+              </a:rPr>
+              <a:t>":{"lane":10,"maneuver":"8000"},"signalGroup":2}],"</a:t>
+            </a:r>
+            <a:r>
+              <a:rPr lang="en-US" sz="800" dirty="0" err="1">
+                <a:latin typeface="Courier New" panose="02070309020205020404" pitchFamily="49" charset="0"/>
+                <a:cs typeface="Courier New" panose="02070309020205020404" pitchFamily="49" charset="0"/>
+              </a:rPr>
+              <a:t>laneAttributes</a:t>
+            </a:r>
+            <a:r>
+              <a:rPr lang="en-US" sz="800" dirty="0">
+                <a:latin typeface="Courier New" panose="02070309020205020404" pitchFamily="49" charset="0"/>
+                <a:cs typeface="Courier New" panose="02070309020205020404" pitchFamily="49" charset="0"/>
+              </a:rPr>
+              <a:t>":{"directionalUse":"80","lan </a:t>
+            </a:r>
+            <a:r>
+              <a:rPr lang="en-US" sz="800" dirty="0" err="1">
+                <a:latin typeface="Courier New" panose="02070309020205020404" pitchFamily="49" charset="0"/>
+                <a:cs typeface="Courier New" panose="02070309020205020404" pitchFamily="49" charset="0"/>
+              </a:rPr>
+              <a:t>eType</a:t>
+            </a:r>
+            <a:r>
+              <a:rPr lang="en-US" sz="800" dirty="0">
+                <a:latin typeface="Courier New" panose="02070309020205020404" pitchFamily="49" charset="0"/>
+                <a:cs typeface="Courier New" panose="02070309020205020404" pitchFamily="49" charset="0"/>
+              </a:rPr>
+              <a:t>":{"vehicle":"00"},"sharedWith":"1000"},"laneID":5,"maneuvers":"8000","nodeList":{"nodes":[{"del ta":{"node-XY4":{"x":1724,"y":-2175}}},{"delta":{"node-XY4":{"x":324,"y":-2643}}},{"delta":{"node-XY4 ":{"x":321,"y":-3031}}},{"delta":{"node-XY4":{"x":270,"y":-3036}}},{"delta":{"node-XY4":{"x":215,"y": -3041}}},{"delta":{"node-XY4":{"x":148,"y":-2739}}},{"delta":{"node-XY3":{"x":73,"y":-1827}}},{"delta ":{"node-XY6":{"x":344,"y":-11273}}}]}},{"</a:t>
+            </a:r>
+            <a:r>
+              <a:rPr lang="en-US" sz="800" dirty="0" err="1">
+                <a:latin typeface="Courier New" panose="02070309020205020404" pitchFamily="49" charset="0"/>
+                <a:cs typeface="Courier New" panose="02070309020205020404" pitchFamily="49" charset="0"/>
+              </a:rPr>
+              <a:t>connectsTo</a:t>
+            </a:r>
+            <a:r>
+              <a:rPr lang="en-US" sz="800" dirty="0">
+                <a:latin typeface="Courier New" panose="02070309020205020404" pitchFamily="49" charset="0"/>
+                <a:cs typeface="Courier New" panose="02070309020205020404" pitchFamily="49" charset="0"/>
+              </a:rPr>
+              <a:t>":[{"</a:t>
+            </a:r>
+            <a:r>
+              <a:rPr lang="en-US" sz="800" dirty="0" err="1">
+                <a:latin typeface="Courier New" panose="02070309020205020404" pitchFamily="49" charset="0"/>
+                <a:cs typeface="Courier New" panose="02070309020205020404" pitchFamily="49" charset="0"/>
+              </a:rPr>
+              <a:t>connectingLane</a:t>
+            </a:r>
+            <a:r>
+              <a:rPr lang="en-US" sz="800" dirty="0">
+                <a:latin typeface="Courier New" panose="02070309020205020404" pitchFamily="49" charset="0"/>
+                <a:cs typeface="Courier New" panose="02070309020205020404" pitchFamily="49" charset="0"/>
+              </a:rPr>
+              <a:t>":{"lane":7,"maneuver":"4000"} ,"signalGroup":4}],"</a:t>
+            </a:r>
+            <a:r>
+              <a:rPr lang="en-US" sz="800" dirty="0" err="1">
+                <a:latin typeface="Courier New" panose="02070309020205020404" pitchFamily="49" charset="0"/>
+                <a:cs typeface="Courier New" panose="02070309020205020404" pitchFamily="49" charset="0"/>
+              </a:rPr>
+              <a:t>laneAttributes</a:t>
+            </a:r>
+            <a:r>
+              <a:rPr lang="en-US" sz="800" dirty="0">
+                <a:latin typeface="Courier New" panose="02070309020205020404" pitchFamily="49" charset="0"/>
+                <a:cs typeface="Courier New" panose="02070309020205020404" pitchFamily="49" charset="0"/>
+              </a:rPr>
+              <a:t>":{"directionalUse":"80","laneType":{"vehicle":"00"},"</a:t>
+            </a:r>
+            <a:r>
+              <a:rPr lang="en-US" sz="800" dirty="0" err="1">
+                <a:latin typeface="Courier New" panose="02070309020205020404" pitchFamily="49" charset="0"/>
+                <a:cs typeface="Courier New" panose="02070309020205020404" pitchFamily="49" charset="0"/>
+              </a:rPr>
+              <a:t>sharedWith</a:t>
+            </a:r>
+            <a:r>
+              <a:rPr lang="en-US" sz="800" dirty="0">
+                <a:latin typeface="Courier New" panose="02070309020205020404" pitchFamily="49" charset="0"/>
+                <a:cs typeface="Courier New" panose="02070309020205020404" pitchFamily="49" charset="0"/>
+              </a:rPr>
+              <a:t>":" 1000"},"laneID":6,"maneuvers":"4000","nodeList":{"nodes":[{"delta":{"node-XY2":{"x":-130,"y":-899}}}, {"delta":{"node-XY1":{"x":-296,"y":-72}}},{"delta":{"node-XY1":{"x":-303,"y":-14}}},{"delta":{"node-X Y1":{"x":-292,"y":69}}},{"delta":{"node-XY1":{"x":-225,"y":204}}},{"delta":{"node-XY1":{"x":-170,"y": 251}}},{"delta":{"node-XY1":{"x":-128,"y":276}}},{"delta":{"node-XY1":{"x":-100,"y":287}}},{"delta":{ "node-XY2":{"x":-151,"y":590}}},{"delta":{"node-XY1":{"x":-58,"y":299}}},{"delta":{"node-XY3":{"x":-2 35,"y":1814}}},{"delta":{"node-XY4":{"x":-371,"y":3332}}},{"delta":{"node-XY4":{"x":-310,"y":3339}}}, {"delta":{"node-XY4":{"x":-256,"y":3343}}},{"delta":{"node-XY4":{"x":-561,"y":3973}}}]}},{"</a:t>
+            </a:r>
+            <a:r>
+              <a:rPr lang="en-US" sz="800" dirty="0" err="1">
+                <a:latin typeface="Courier New" panose="02070309020205020404" pitchFamily="49" charset="0"/>
+                <a:cs typeface="Courier New" panose="02070309020205020404" pitchFamily="49" charset="0"/>
+              </a:rPr>
+              <a:t>laneAttrib</a:t>
+            </a:r>
+            <a:r>
+              <a:rPr lang="en-US" sz="800" dirty="0">
+                <a:latin typeface="Courier New" panose="02070309020205020404" pitchFamily="49" charset="0"/>
+                <a:cs typeface="Courier New" panose="02070309020205020404" pitchFamily="49" charset="0"/>
+              </a:rPr>
+              <a:t> </a:t>
+            </a:r>
+            <a:r>
+              <a:rPr lang="en-US" sz="800" dirty="0" err="1">
+                <a:latin typeface="Courier New" panose="02070309020205020404" pitchFamily="49" charset="0"/>
+                <a:cs typeface="Courier New" panose="02070309020205020404" pitchFamily="49" charset="0"/>
+              </a:rPr>
+              <a:t>utes</a:t>
+            </a:r>
+            <a:r>
+              <a:rPr lang="en-US" sz="800" dirty="0">
+                <a:latin typeface="Courier New" panose="02070309020205020404" pitchFamily="49" charset="0"/>
+                <a:cs typeface="Courier New" panose="02070309020205020404" pitchFamily="49" charset="0"/>
+              </a:rPr>
+              <a:t>":{"directionalUse":"40","laneType":{"vehicle":"00"},"sharedWith":"1000"},"laneID":7,"nodeList":{ "nodes":[{"delta":{"node-XY2":{"x":268,"y":470}}},{"delta":{"node-XY4":{"x":-312,"y":2419}}},{"delta" :{"node-XY3":{"x":-215,"y":1816}}},{"delta":{"node-XY4":{"x":-253,"y":2425}}},{"delta":{"node-XY4":{" x":-248,"y":2732}}}]}},{"</a:t>
+            </a:r>
+            <a:r>
+              <a:rPr lang="en-US" sz="800" dirty="0" err="1">
+                <a:latin typeface="Courier New" panose="02070309020205020404" pitchFamily="49" charset="0"/>
+                <a:cs typeface="Courier New" panose="02070309020205020404" pitchFamily="49" charset="0"/>
+              </a:rPr>
+              <a:t>laneAttributes</a:t>
+            </a:r>
+            <a:r>
+              <a:rPr lang="en-US" sz="800" dirty="0">
+                <a:latin typeface="Courier New" panose="02070309020205020404" pitchFamily="49" charset="0"/>
+                <a:cs typeface="Courier New" panose="02070309020205020404" pitchFamily="49" charset="0"/>
+              </a:rPr>
+              <a:t>":{"directionalUse":"40","laneType":{"vehicle":"00"},"</a:t>
+            </a:r>
+            <a:r>
+              <a:rPr lang="en-US" sz="800" dirty="0" err="1">
+                <a:latin typeface="Courier New" panose="02070309020205020404" pitchFamily="49" charset="0"/>
+                <a:cs typeface="Courier New" panose="02070309020205020404" pitchFamily="49" charset="0"/>
+              </a:rPr>
+              <a:t>sharedWi</a:t>
+            </a:r>
+            <a:r>
+              <a:rPr lang="en-US" sz="800" dirty="0">
+                <a:latin typeface="Courier New" panose="02070309020205020404" pitchFamily="49" charset="0"/>
+                <a:cs typeface="Courier New" panose="02070309020205020404" pitchFamily="49" charset="0"/>
+              </a:rPr>
+              <a:t> th":"1000"},"laneID":8,"nodeList":{"nodes":[{"delta":{"node-XY2":{"x":626,"y":522}}},{"delta":{"node- XY4":{"x":-494,"y":3932}}},{"delta":{"node-XY4":{"x":-287,"y":2728}}},{"delta":{"node-XY4":{"x":-247, "y":2732}}}]}},{"</a:t>
+            </a:r>
+            <a:r>
+              <a:rPr lang="en-US" sz="800" dirty="0" err="1">
+                <a:latin typeface="Courier New" panose="02070309020205020404" pitchFamily="49" charset="0"/>
+                <a:cs typeface="Courier New" panose="02070309020205020404" pitchFamily="49" charset="0"/>
+              </a:rPr>
+              <a:t>laneAttributes</a:t>
+            </a:r>
+            <a:r>
+              <a:rPr lang="en-US" sz="800" dirty="0">
+                <a:latin typeface="Courier New" panose="02070309020205020404" pitchFamily="49" charset="0"/>
+                <a:cs typeface="Courier New" panose="02070309020205020404" pitchFamily="49" charset="0"/>
+              </a:rPr>
+              <a:t>":{"directionalUse":"40","laneType":{"vehicle":"00"},"sharedWith":"100 0"},"laneID":9,"nodeList":{"nodes":[{"delta":{"node-XY3":{"x":988,"y":575}}},{"delta":{"node-XY4":{"x ":-314,"y":2418}}},{"delta":{"node-XY4":{"x":-312,"y":2726}}},{"delta":{"node-</a:t>
+            </a:r>
+            <a:r>
+              <a:rPr lang="en-US" sz="800" dirty="0" err="1">
+                <a:latin typeface="Courier New" panose="02070309020205020404" pitchFamily="49" charset="0"/>
+                <a:cs typeface="Courier New" panose="02070309020205020404" pitchFamily="49" charset="0"/>
+              </a:rPr>
+              <a:t>LatLon</a:t>
+            </a:r>
+            <a:r>
+              <a:rPr lang="en-US" sz="800" dirty="0">
+                <a:latin typeface="Courier New" panose="02070309020205020404" pitchFamily="49" charset="0"/>
+                <a:cs typeface="Courier New" panose="02070309020205020404" pitchFamily="49" charset="0"/>
+              </a:rPr>
+              <a:t>":{"lat":42519651 3,"lon":-830469748}}},{"delta":{"node-XY4":{"x":-217,"y":2429}}}]}},{"</a:t>
+            </a:r>
+            <a:r>
+              <a:rPr lang="en-US" sz="800" dirty="0" err="1">
+                <a:latin typeface="Courier New" panose="02070309020205020404" pitchFamily="49" charset="0"/>
+                <a:cs typeface="Courier New" panose="02070309020205020404" pitchFamily="49" charset="0"/>
+              </a:rPr>
+              <a:t>laneAttributes</a:t>
+            </a:r>
+            <a:r>
+              <a:rPr lang="en-US" sz="800" dirty="0">
                 <a:latin typeface="Courier New" panose="02070309020205020404" pitchFamily="49" charset="0"/>
                 <a:cs typeface="Courier New" panose="02070309020205020404" pitchFamily="49" charset="0"/>
               </a:rPr>
               <a:t>":{"</a:t>
             </a:r>
             <a:r>
-              <a:rPr lang="en-US" sz="1200" dirty="0" err="1">
-                <a:latin typeface="Courier New" panose="02070309020205020404" pitchFamily="49" charset="0"/>
-                <a:cs typeface="Courier New" panose="02070309020205020404" pitchFamily="49" charset="0"/>
-              </a:rPr>
-              <a:t>maxEndTime</a:t>
-            </a:r>
-            <a:r>
-              <a:rPr lang="en-US" sz="1200" dirty="0">
-                <a:latin typeface="Courier New" panose="02070309020205020404" pitchFamily="49" charset="0"/>
-                <a:cs typeface="Courier New" panose="02070309020205020404" pitchFamily="49" charset="0"/>
-              </a:rPr>
-              <a:t>": 20294,"minEndTime":36001}}]},{"signalGroup":4,"state-time-speed":[{"</a:t>
-            </a:r>
-            <a:r>
-              <a:rPr lang="en-US" sz="1200" dirty="0" err="1">
-                <a:latin typeface="Courier New" panose="02070309020205020404" pitchFamily="49" charset="0"/>
-                <a:cs typeface="Courier New" panose="02070309020205020404" pitchFamily="49" charset="0"/>
-              </a:rPr>
-              <a:t>eventState</a:t>
-            </a:r>
-            <a:r>
-              <a:rPr lang="en-US" sz="1200" dirty="0">
-                <a:latin typeface="Courier New" panose="02070309020205020404" pitchFamily="49" charset="0"/>
-                <a:cs typeface="Courier New" panose="02070309020205020404" pitchFamily="49" charset="0"/>
-              </a:rPr>
-              <a:t>":"permissive-Movement- </a:t>
-            </a:r>
-            <a:r>
-              <a:rPr lang="en-US" sz="1200" dirty="0" err="1">
-                <a:latin typeface="Courier New" panose="02070309020205020404" pitchFamily="49" charset="0"/>
-                <a:cs typeface="Courier New" panose="02070309020205020404" pitchFamily="49" charset="0"/>
-              </a:rPr>
-              <a:t>Allowed","timing</a:t>
-            </a:r>
-            <a:r>
-              <a:rPr lang="en-US" sz="1200" dirty="0">
-                <a:latin typeface="Courier New" panose="02070309020205020404" pitchFamily="49" charset="0"/>
-                <a:cs typeface="Courier New" panose="02070309020205020404" pitchFamily="49" charset="0"/>
-              </a:rPr>
-              <a:t>":{"maxEndTime":20545,"minEndTime":20545}}]},{"signalGroup":6,"state-time-speed":[{"e </a:t>
-            </a:r>
-            <a:r>
-              <a:rPr lang="en-US" sz="1200" dirty="0" err="1">
-                <a:latin typeface="Courier New" panose="02070309020205020404" pitchFamily="49" charset="0"/>
-                <a:cs typeface="Courier New" panose="02070309020205020404" pitchFamily="49" charset="0"/>
-              </a:rPr>
-              <a:t>ventState</a:t>
-            </a:r>
-            <a:r>
-              <a:rPr lang="en-US" sz="1200" dirty="0">
-                <a:latin typeface="Courier New" panose="02070309020205020404" pitchFamily="49" charset="0"/>
-                <a:cs typeface="Courier New" panose="02070309020205020404" pitchFamily="49" charset="0"/>
-              </a:rPr>
-              <a:t>":"stop-And-</a:t>
-            </a:r>
-            <a:r>
-              <a:rPr lang="en-US" sz="1200" dirty="0" err="1">
-                <a:latin typeface="Courier New" panose="02070309020205020404" pitchFamily="49" charset="0"/>
-                <a:cs typeface="Courier New" panose="02070309020205020404" pitchFamily="49" charset="0"/>
-              </a:rPr>
-              <a:t>Remain","timing</a:t>
-            </a:r>
-            <a:r>
-              <a:rPr lang="en-US" sz="1200" dirty="0">
-                <a:latin typeface="Courier New" panose="02070309020205020404" pitchFamily="49" charset="0"/>
-                <a:cs typeface="Courier New" panose="02070309020205020404" pitchFamily="49" charset="0"/>
-              </a:rPr>
-              <a:t>":{"maxEndTime":20294,"minEndTime":36001}}]},{"signalGroup":7,"st ate-time-speed":[{"</a:t>
-            </a:r>
-            <a:r>
-              <a:rPr lang="en-US" sz="1200" dirty="0" err="1">
-                <a:latin typeface="Courier New" panose="02070309020205020404" pitchFamily="49" charset="0"/>
-                <a:cs typeface="Courier New" panose="02070309020205020404" pitchFamily="49" charset="0"/>
-              </a:rPr>
-              <a:t>eventState</a:t>
-            </a:r>
-            <a:r>
-              <a:rPr lang="en-US" sz="1200" dirty="0">
-                <a:latin typeface="Courier New" panose="02070309020205020404" pitchFamily="49" charset="0"/>
-                <a:cs typeface="Courier New" panose="02070309020205020404" pitchFamily="49" charset="0"/>
-              </a:rPr>
-              <a:t>":"stop-And-</a:t>
-            </a:r>
-            <a:r>
-              <a:rPr lang="en-US" sz="1200" dirty="0" err="1">
-                <a:latin typeface="Courier New" panose="02070309020205020404" pitchFamily="49" charset="0"/>
-                <a:cs typeface="Courier New" panose="02070309020205020404" pitchFamily="49" charset="0"/>
-              </a:rPr>
-              <a:t>Remain","timing</a:t>
-            </a:r>
-            <a:r>
-              <a:rPr lang="en-US" sz="1200" dirty="0">
-                <a:latin typeface="Courier New" panose="02070309020205020404" pitchFamily="49" charset="0"/>
-                <a:cs typeface="Courier New" panose="02070309020205020404" pitchFamily="49" charset="0"/>
-              </a:rPr>
-              <a:t>":{"maxEndTime":20294,"minEndTime":36001}}]}, {"signalGroup":8,"state-time-speed":[{"</a:t>
-            </a:r>
-            <a:r>
-              <a:rPr lang="en-US" sz="1200" dirty="0" err="1">
-                <a:latin typeface="Courier New" panose="02070309020205020404" pitchFamily="49" charset="0"/>
-                <a:cs typeface="Courier New" panose="02070309020205020404" pitchFamily="49" charset="0"/>
-              </a:rPr>
-              <a:t>eventState</a:t>
-            </a:r>
-            <a:r>
-              <a:rPr lang="en-US" sz="1200" dirty="0">
-                <a:latin typeface="Courier New" panose="02070309020205020404" pitchFamily="49" charset="0"/>
-                <a:cs typeface="Courier New" panose="02070309020205020404" pitchFamily="49" charset="0"/>
-              </a:rPr>
-              <a:t>":"stop-And-</a:t>
-            </a:r>
-            <a:r>
-              <a:rPr lang="en-US" sz="1200" dirty="0" err="1">
-                <a:latin typeface="Courier New" panose="02070309020205020404" pitchFamily="49" charset="0"/>
-                <a:cs typeface="Courier New" panose="02070309020205020404" pitchFamily="49" charset="0"/>
-              </a:rPr>
-              <a:t>Remain","timing</a:t>
-            </a:r>
-            <a:r>
-              <a:rPr lang="en-US" sz="1200" dirty="0">
-                <a:latin typeface="Courier New" panose="02070309020205020404" pitchFamily="49" charset="0"/>
-                <a:cs typeface="Courier New" panose="02070309020205020404" pitchFamily="49" charset="0"/>
-              </a:rPr>
-              <a:t>":{"maxEndTime":20294,"mi nEndTime":36001}}]}],"status":"0080"}]}},"Version":"1.0"}</a:t>
+              <a:rPr lang="en-US" sz="800" dirty="0" err="1">
+                <a:latin typeface="Courier New" panose="02070309020205020404" pitchFamily="49" charset="0"/>
+                <a:cs typeface="Courier New" panose="02070309020205020404" pitchFamily="49" charset="0"/>
+              </a:rPr>
+              <a:t>directionalUs</a:t>
+            </a:r>
+            <a:r>
+              <a:rPr lang="en-US" sz="800" dirty="0">
+                <a:latin typeface="Courier New" panose="02070309020205020404" pitchFamily="49" charset="0"/>
+                <a:cs typeface="Courier New" panose="02070309020205020404" pitchFamily="49" charset="0"/>
+              </a:rPr>
+              <a:t> e":"40","laneType":{"vehicle":"00"},"sharedWith":"1000"},"laneID":10,"nodeList":{"nodes":[{"delta":{" node-XY3":{"x":1352,"y":628}}},{"delta":{"node-XY4":{"x":-315,"y":2418}}},{"delta":{"node-XY4":{"x":- 281,"y":2415}}},{"delta":{"node-XY3":{"x":-188,"y":1819}}},{"delta":{"node-</a:t>
+            </a:r>
+            <a:r>
+              <a:rPr lang="en-US" sz="800" dirty="0" err="1">
+                <a:latin typeface="Courier New" panose="02070309020205020404" pitchFamily="49" charset="0"/>
+                <a:cs typeface="Courier New" panose="02070309020205020404" pitchFamily="49" charset="0"/>
+              </a:rPr>
+              <a:t>LatLon</a:t>
+            </a:r>
+            <a:r>
+              <a:rPr lang="en-US" sz="800" dirty="0">
+                <a:latin typeface="Courier New" panose="02070309020205020404" pitchFamily="49" charset="0"/>
+                <a:cs typeface="Courier New" panose="02070309020205020404" pitchFamily="49" charset="0"/>
+              </a:rPr>
+              <a:t>":{"lat":425199014," </a:t>
+            </a:r>
+            <a:r>
+              <a:rPr lang="en-US" sz="800" dirty="0" err="1">
+                <a:latin typeface="Courier New" panose="02070309020205020404" pitchFamily="49" charset="0"/>
+                <a:cs typeface="Courier New" panose="02070309020205020404" pitchFamily="49" charset="0"/>
+              </a:rPr>
+              <a:t>lon</a:t>
+            </a:r>
+            <a:r>
+              <a:rPr lang="en-US" sz="800" dirty="0">
+                <a:latin typeface="Courier New" panose="02070309020205020404" pitchFamily="49" charset="0"/>
+                <a:cs typeface="Courier New" panose="02070309020205020404" pitchFamily="49" charset="0"/>
+              </a:rPr>
+              <a:t>":-830469603}}}]}},{"</a:t>
+            </a:r>
+            <a:r>
+              <a:rPr lang="en-US" sz="800" dirty="0" err="1">
+                <a:latin typeface="Courier New" panose="02070309020205020404" pitchFamily="49" charset="0"/>
+                <a:cs typeface="Courier New" panose="02070309020205020404" pitchFamily="49" charset="0"/>
+              </a:rPr>
+              <a:t>laneAttributes</a:t>
+            </a:r>
+            <a:r>
+              <a:rPr lang="en-US" sz="800" dirty="0">
+                <a:latin typeface="Courier New" panose="02070309020205020404" pitchFamily="49" charset="0"/>
+                <a:cs typeface="Courier New" panose="02070309020205020404" pitchFamily="49" charset="0"/>
+              </a:rPr>
+              <a:t>":{"directionalUse":"40","laneType":{"vehicle":"00"},"</a:t>
+            </a:r>
+            <a:r>
+              <a:rPr lang="en-US" sz="800" dirty="0" err="1">
+                <a:latin typeface="Courier New" panose="02070309020205020404" pitchFamily="49" charset="0"/>
+                <a:cs typeface="Courier New" panose="02070309020205020404" pitchFamily="49" charset="0"/>
+              </a:rPr>
+              <a:t>sharedWit</a:t>
+            </a:r>
+            <a:r>
+              <a:rPr lang="en-US" sz="800" dirty="0">
+                <a:latin typeface="Courier New" panose="02070309020205020404" pitchFamily="49" charset="0"/>
+                <a:cs typeface="Courier New" panose="02070309020205020404" pitchFamily="49" charset="0"/>
+              </a:rPr>
+              <a:t> h":"1000"},"laneID":11,"nodeList":{"nodes":[{"delta":{"node-XY3":{"x":1712,"y":681}}},{"delta":{"node -XY4":{"x":-276,"y":2116}}},{"delta":{"node-XY4":{"x":-349,"y":3028}}},{"delta":{"node-XY3":{"x":-155 ,"y":1516}}},{"delta":{"node-</a:t>
+            </a:r>
+            <a:r>
+              <a:rPr lang="en-US" sz="800" dirty="0" err="1">
+                <a:latin typeface="Courier New" panose="02070309020205020404" pitchFamily="49" charset="0"/>
+                <a:cs typeface="Courier New" panose="02070309020205020404" pitchFamily="49" charset="0"/>
+              </a:rPr>
+              <a:t>LatLon</a:t>
+            </a:r>
+            <a:r>
+              <a:rPr lang="en-US" sz="800" dirty="0">
+                <a:latin typeface="Courier New" panose="02070309020205020404" pitchFamily="49" charset="0"/>
+                <a:cs typeface="Courier New" panose="02070309020205020404" pitchFamily="49" charset="0"/>
+              </a:rPr>
+              <a:t>":{"lat":425199067,"lon":-830469158}}}]}}],"laneWidth":366,"refPoi </a:t>
+            </a:r>
+            <a:r>
+              <a:rPr lang="en-US" sz="800" dirty="0" err="1">
+                <a:latin typeface="Courier New" panose="02070309020205020404" pitchFamily="49" charset="0"/>
+                <a:cs typeface="Courier New" panose="02070309020205020404" pitchFamily="49" charset="0"/>
+              </a:rPr>
+              <a:t>nt</a:t>
+            </a:r>
+            <a:r>
+              <a:rPr lang="en-US" sz="800" dirty="0">
+                <a:latin typeface="Courier New" panose="02070309020205020404" pitchFamily="49" charset="0"/>
+                <a:cs typeface="Courier New" panose="02070309020205020404" pitchFamily="49" charset="0"/>
+              </a:rPr>
+              <a:t>":{"elevation":1879,"lat":425190000,"long":-830470000},"revision":1}],"layerID":1,"layerType":"inte rsectionData","msgIssueRevision":1}}}</a:t>
             </a:r>
           </a:p>
         </p:txBody>
@@ -6253,7 +6378,7 @@
     </p:spTree>
     <p:extLst>
       <p:ext uri="{BB962C8B-B14F-4D97-AF65-F5344CB8AC3E}">
-        <p14:creationId xmlns:p14="http://schemas.microsoft.com/office/powerpoint/2010/main" val="1576166588"/>
+        <p14:creationId xmlns:p14="http://schemas.microsoft.com/office/powerpoint/2010/main" val="517099351"/>
       </p:ext>
     </p:extLst>
   </p:cSld>
@@ -6310,7 +6435,7 @@
           <a:p>
             <a:r>
               <a:rPr lang="en-US" b="1" dirty="0"/>
-              <a:t>BSM sample</a:t>
+              <a:t>SPAT sample</a:t>
             </a:r>
           </a:p>
         </p:txBody>
@@ -6351,20 +6476,132 @@
                 <a:latin typeface="Courier New" panose="02070309020205020404" pitchFamily="49" charset="0"/>
                 <a:cs typeface="Courier New" panose="02070309020205020404" pitchFamily="49" charset="0"/>
               </a:rPr>
-              <a:t>{"Timestamp":1602096334182,"Direction":"RX","Message_id":20,"P1609dot2_flag":0,"Message":{"messageId":20,"value":{"</a:t>
+              <a:t>{"Timestamp":1597167252195,"Direction":"RX","Message_id":19,"P1609dot2_flag":0,"Message":{"</a:t>
             </a:r>
             <a:r>
               <a:rPr lang="en-US" sz="1200" dirty="0" err="1">
                 <a:latin typeface="Courier New" panose="02070309020205020404" pitchFamily="49" charset="0"/>
                 <a:cs typeface="Courier New" panose="02070309020205020404" pitchFamily="49" charset="0"/>
               </a:rPr>
-              <a:t>coreData</a:t>
+              <a:t>messageId</a:t>
             </a:r>
             <a:r>
               <a:rPr lang="en-US" sz="1200" dirty="0">
                 <a:latin typeface="Courier New" panose="02070309020205020404" pitchFamily="49" charset="0"/>
                 <a:cs typeface="Courier New" panose="02070309020205020404" pitchFamily="49" charset="0"/>
               </a:rPr>
+              <a:t>" :19,"value":{"intersections":[{"id":{"id":782},"revision":4,"states":[{"signalGroup":1,"state-time-sp </a:t>
+            </a:r>
+            <a:r>
+              <a:rPr lang="en-US" sz="1200" dirty="0" err="1">
+                <a:latin typeface="Courier New" panose="02070309020205020404" pitchFamily="49" charset="0"/>
+                <a:cs typeface="Courier New" panose="02070309020205020404" pitchFamily="49" charset="0"/>
+              </a:rPr>
+              <a:t>eed</a:t>
+            </a:r>
+            <a:r>
+              <a:rPr lang="en-US" sz="1200" dirty="0">
+                <a:latin typeface="Courier New" panose="02070309020205020404" pitchFamily="49" charset="0"/>
+                <a:cs typeface="Courier New" panose="02070309020205020404" pitchFamily="49" charset="0"/>
+              </a:rPr>
+              <a:t>":[{"</a:t>
+            </a:r>
+            <a:r>
+              <a:rPr lang="en-US" sz="1200" dirty="0" err="1">
+                <a:latin typeface="Courier New" panose="02070309020205020404" pitchFamily="49" charset="0"/>
+                <a:cs typeface="Courier New" panose="02070309020205020404" pitchFamily="49" charset="0"/>
+              </a:rPr>
+              <a:t>eventState</a:t>
+            </a:r>
+            <a:r>
+              <a:rPr lang="en-US" sz="1200" dirty="0">
+                <a:latin typeface="Courier New" panose="02070309020205020404" pitchFamily="49" charset="0"/>
+                <a:cs typeface="Courier New" panose="02070309020205020404" pitchFamily="49" charset="0"/>
+              </a:rPr>
+              <a:t>":"stop-And-</a:t>
+            </a:r>
+            <a:r>
+              <a:rPr lang="en-US" sz="1200" dirty="0" err="1">
+                <a:latin typeface="Courier New" panose="02070309020205020404" pitchFamily="49" charset="0"/>
+                <a:cs typeface="Courier New" panose="02070309020205020404" pitchFamily="49" charset="0"/>
+              </a:rPr>
+              <a:t>Remain","timing</a:t>
+            </a:r>
+            <a:r>
+              <a:rPr lang="en-US" sz="1200" dirty="0">
+                <a:latin typeface="Courier New" panose="02070309020205020404" pitchFamily="49" charset="0"/>
+                <a:cs typeface="Courier New" panose="02070309020205020404" pitchFamily="49" charset="0"/>
+              </a:rPr>
+              <a:t>":{"maxEndTime":20294,"minEndTime":36001}}]},{"</a:t>
+            </a:r>
+            <a:r>
+              <a:rPr lang="en-US" sz="1200" dirty="0" err="1">
+                <a:latin typeface="Courier New" panose="02070309020205020404" pitchFamily="49" charset="0"/>
+                <a:cs typeface="Courier New" panose="02070309020205020404" pitchFamily="49" charset="0"/>
+              </a:rPr>
+              <a:t>signalGro</a:t>
+            </a:r>
+            <a:r>
+              <a:rPr lang="en-US" sz="1200" dirty="0">
+                <a:latin typeface="Courier New" panose="02070309020205020404" pitchFamily="49" charset="0"/>
+                <a:cs typeface="Courier New" panose="02070309020205020404" pitchFamily="49" charset="0"/>
+              </a:rPr>
+              <a:t> up":2,"state-time-speed":[{"</a:t>
+            </a:r>
+            <a:r>
+              <a:rPr lang="en-US" sz="1200" dirty="0" err="1">
+                <a:latin typeface="Courier New" panose="02070309020205020404" pitchFamily="49" charset="0"/>
+                <a:cs typeface="Courier New" panose="02070309020205020404" pitchFamily="49" charset="0"/>
+              </a:rPr>
+              <a:t>eventState</a:t>
+            </a:r>
+            <a:r>
+              <a:rPr lang="en-US" sz="1200" dirty="0">
+                <a:latin typeface="Courier New" panose="02070309020205020404" pitchFamily="49" charset="0"/>
+                <a:cs typeface="Courier New" panose="02070309020205020404" pitchFamily="49" charset="0"/>
+              </a:rPr>
+              <a:t>":"stop-And-</a:t>
+            </a:r>
+            <a:r>
+              <a:rPr lang="en-US" sz="1200" dirty="0" err="1">
+                <a:latin typeface="Courier New" panose="02070309020205020404" pitchFamily="49" charset="0"/>
+                <a:cs typeface="Courier New" panose="02070309020205020404" pitchFamily="49" charset="0"/>
+              </a:rPr>
+              <a:t>Remain","timing</a:t>
+            </a:r>
+            <a:r>
+              <a:rPr lang="en-US" sz="1200" dirty="0">
+                <a:latin typeface="Courier New" panose="02070309020205020404" pitchFamily="49" charset="0"/>
+                <a:cs typeface="Courier New" panose="02070309020205020404" pitchFamily="49" charset="0"/>
+              </a:rPr>
+              <a:t>":{"maxEndTime":20603,"minEndTime":2 0603}}]},{"signalGroup":3,"state-time-speed":[{"</a:t>
+            </a:r>
+            <a:r>
+              <a:rPr lang="en-US" sz="1200" dirty="0" err="1">
+                <a:latin typeface="Courier New" panose="02070309020205020404" pitchFamily="49" charset="0"/>
+                <a:cs typeface="Courier New" panose="02070309020205020404" pitchFamily="49" charset="0"/>
+              </a:rPr>
+              <a:t>eventState</a:t>
+            </a:r>
+            <a:r>
+              <a:rPr lang="en-US" sz="1200" dirty="0">
+                <a:latin typeface="Courier New" panose="02070309020205020404" pitchFamily="49" charset="0"/>
+                <a:cs typeface="Courier New" panose="02070309020205020404" pitchFamily="49" charset="0"/>
+              </a:rPr>
+              <a:t>":"stop-And-</a:t>
+            </a:r>
+            <a:r>
+              <a:rPr lang="en-US" sz="1200" dirty="0" err="1">
+                <a:latin typeface="Courier New" panose="02070309020205020404" pitchFamily="49" charset="0"/>
+                <a:cs typeface="Courier New" panose="02070309020205020404" pitchFamily="49" charset="0"/>
+              </a:rPr>
+              <a:t>Remain","timing</a:t>
+            </a:r>
+            <a:r>
+              <a:rPr lang="en-US" sz="1200" dirty="0">
+                <a:latin typeface="Courier New" panose="02070309020205020404" pitchFamily="49" charset="0"/>
+                <a:cs typeface="Courier New" panose="02070309020205020404" pitchFamily="49" charset="0"/>
+              </a:rPr>
               <a:t>":{"</a:t>
             </a:r>
             <a:r>
@@ -6372,112 +6609,126 @@
                 <a:latin typeface="Courier New" panose="02070309020205020404" pitchFamily="49" charset="0"/>
                 <a:cs typeface="Courier New" panose="02070309020205020404" pitchFamily="49" charset="0"/>
               </a:rPr>
-              <a:t>accelSet</a:t>
+              <a:t>maxEndTime</a:t>
             </a:r>
             <a:r>
               <a:rPr lang="en-US" sz="1200" dirty="0">
                 <a:latin typeface="Courier New" panose="02070309020205020404" pitchFamily="49" charset="0"/>
                 <a:cs typeface="Courier New" panose="02070309020205020404" pitchFamily="49" charset="0"/>
               </a:rPr>
-              <a:t>":{"</a:t>
+              <a:t>": 20294,"minEndTime":36001}}]},{"signalGroup":4,"state-time-speed":[{"</a:t>
             </a:r>
             <a:r>
               <a:rPr lang="en-US" sz="1200" dirty="0" err="1">
                 <a:latin typeface="Courier New" panose="02070309020205020404" pitchFamily="49" charset="0"/>
                 <a:cs typeface="Courier New" panose="02070309020205020404" pitchFamily="49" charset="0"/>
               </a:rPr>
-              <a:t>lat</a:t>
+              <a:t>eventState</a:t>
             </a:r>
             <a:r>
               <a:rPr lang="en-US" sz="1200" dirty="0">
                 <a:latin typeface="Courier New" panose="02070309020205020404" pitchFamily="49" charset="0"/>
                 <a:cs typeface="Courier New" panose="02070309020205020404" pitchFamily="49" charset="0"/>
               </a:rPr>
-              <a:t>":-7,"long":24,"vert":-127,"yaw":-40},"accuracy":{"orientation":0,"semiMajor":5,"semiMinor":5},"angle":28,"brakes":{"abs":"engaged","auxBrakes":"unavailable","brakeBoost":"unavailable","scs":"engaged","traction":"engaged","wheelBrakes":"00"},"elev":1508,"heading ":1993,"id":"06230106","lat":425686803,"long":-829123338,"msgCnt":110,"secMark":34100,"size":{"length ":504,"width":196},"speed":0,"transmission":"park"},"</a:t>
+              <a:t>":"permissive-Movement- </a:t>
             </a:r>
             <a:r>
               <a:rPr lang="en-US" sz="1200" dirty="0" err="1">
                 <a:latin typeface="Courier New" panose="02070309020205020404" pitchFamily="49" charset="0"/>
                 <a:cs typeface="Courier New" panose="02070309020205020404" pitchFamily="49" charset="0"/>
               </a:rPr>
-              <a:t>partII</a:t>
+              <a:t>Allowed","timing</a:t>
             </a:r>
             <a:r>
               <a:rPr lang="en-US" sz="1200" dirty="0">
                 <a:latin typeface="Courier New" panose="02070309020205020404" pitchFamily="49" charset="0"/>
                 <a:cs typeface="Courier New" panose="02070309020205020404" pitchFamily="49" charset="0"/>
               </a:rPr>
-              <a:t>":[{"partII-Id":0,"partII-Value":{"</a:t>
+              <a:t>":{"maxEndTime":20545,"minEndTime":20545}}]},{"signalGroup":6,"state-time-speed":[{"e </a:t>
             </a:r>
             <a:r>
               <a:rPr lang="en-US" sz="1200" dirty="0" err="1">
                 <a:latin typeface="Courier New" panose="02070309020205020404" pitchFamily="49" charset="0"/>
                 <a:cs typeface="Courier New" panose="02070309020205020404" pitchFamily="49" charset="0"/>
               </a:rPr>
-              <a:t>pathHis</a:t>
+              <a:t>ventState</a:t>
             </a:r>
             <a:r>
               <a:rPr lang="en-US" sz="1200" dirty="0">
                 <a:latin typeface="Courier New" panose="02070309020205020404" pitchFamily="49" charset="0"/>
                 <a:cs typeface="Courier New" panose="02070309020205020404" pitchFamily="49" charset="0"/>
               </a:rPr>
-              <a:t> tory":{"</a:t>
+              <a:t>":"stop-And-</a:t>
             </a:r>
             <a:r>
               <a:rPr lang="en-US" sz="1200" dirty="0" err="1">
                 <a:latin typeface="Courier New" panose="02070309020205020404" pitchFamily="49" charset="0"/>
                 <a:cs typeface="Courier New" panose="02070309020205020404" pitchFamily="49" charset="0"/>
               </a:rPr>
-              <a:t>crumbData</a:t>
+              <a:t>Remain","timing</a:t>
             </a:r>
             <a:r>
               <a:rPr lang="en-US" sz="1200" dirty="0">
                 <a:latin typeface="Courier New" panose="02070309020205020404" pitchFamily="49" charset="0"/>
                 <a:cs typeface="Courier New" panose="02070309020205020404" pitchFamily="49" charset="0"/>
               </a:rPr>
-              <a:t>":[{"elevationOffset":5,"latOffset":930,"lonOffset":742,"timeOffset":2230},{"</a:t>
+              <a:t>":{"maxEndTime":20294,"minEndTime":36001}}]},{"signalGroup":7,"st ate-time-speed":[{"</a:t>
             </a:r>
             <a:r>
               <a:rPr lang="en-US" sz="1200" dirty="0" err="1">
                 <a:latin typeface="Courier New" panose="02070309020205020404" pitchFamily="49" charset="0"/>
                 <a:cs typeface="Courier New" panose="02070309020205020404" pitchFamily="49" charset="0"/>
               </a:rPr>
-              <a:t>elevati</a:t>
+              <a:t>eventState</a:t>
             </a:r>
             <a:r>
               <a:rPr lang="en-US" sz="1200" dirty="0">
                 <a:latin typeface="Courier New" panose="02070309020205020404" pitchFamily="49" charset="0"/>
                 <a:cs typeface="Courier New" panose="02070309020205020404" pitchFamily="49" charset="0"/>
               </a:rPr>
-              <a:t> onOffset":9,"latOffset":930,"lonOffset":2164,"timeOffset":2610},{"elevationOffset":11,"latOffset":123 6,"lonOffset":2917,"timeOffset":2760},{"elevationOffset":11,"latOffset":8992,"lonOffset":9400,"timeOf fset":3600},{"elevationOffset":8,"latOffset":25129,"lonOffset":21801,"timeOffset":4780}]},"</a:t>
+              <a:t>":"stop-And-</a:t>
             </a:r>
             <a:r>
               <a:rPr lang="en-US" sz="1200" dirty="0" err="1">
                 <a:latin typeface="Courier New" panose="02070309020205020404" pitchFamily="49" charset="0"/>
                 <a:cs typeface="Courier New" panose="02070309020205020404" pitchFamily="49" charset="0"/>
               </a:rPr>
-              <a:t>pathPredic</a:t>
+              <a:t>Remain","timing</a:t>
             </a:r>
             <a:r>
               <a:rPr lang="en-US" sz="1200" dirty="0">
                 <a:latin typeface="Courier New" panose="02070309020205020404" pitchFamily="49" charset="0"/>
                 <a:cs typeface="Courier New" panose="02070309020205020404" pitchFamily="49" charset="0"/>
               </a:rPr>
-              <a:t> </a:t>
+              <a:t>":{"maxEndTime":20294,"minEndTime":36001}}]}, {"signalGroup":8,"state-time-speed":[{"</a:t>
             </a:r>
             <a:r>
               <a:rPr lang="en-US" sz="1200" dirty="0" err="1">
                 <a:latin typeface="Courier New" panose="02070309020205020404" pitchFamily="49" charset="0"/>
                 <a:cs typeface="Courier New" panose="02070309020205020404" pitchFamily="49" charset="0"/>
               </a:rPr>
-              <a:t>tion</a:t>
+              <a:t>eventState</a:t>
             </a:r>
             <a:r>
               <a:rPr lang="en-US" sz="1200" dirty="0">
                 <a:latin typeface="Courier New" panose="02070309020205020404" pitchFamily="49" charset="0"/>
                 <a:cs typeface="Courier New" panose="02070309020205020404" pitchFamily="49" charset="0"/>
               </a:rPr>
-              <a:t>":{"confidence":200,"radiusOfCurve":32767}}}]}},"Version":"1.0"}</a:t>
+              <a:t>":"stop-And-</a:t>
+            </a:r>
+            <a:r>
+              <a:rPr lang="en-US" sz="1200" dirty="0" err="1">
+                <a:latin typeface="Courier New" panose="02070309020205020404" pitchFamily="49" charset="0"/>
+                <a:cs typeface="Courier New" panose="02070309020205020404" pitchFamily="49" charset="0"/>
+              </a:rPr>
+              <a:t>Remain","timing</a:t>
+            </a:r>
+            <a:r>
+              <a:rPr lang="en-US" sz="1200" dirty="0">
+                <a:latin typeface="Courier New" panose="02070309020205020404" pitchFamily="49" charset="0"/>
+                <a:cs typeface="Courier New" panose="02070309020205020404" pitchFamily="49" charset="0"/>
+              </a:rPr>
+              <a:t>":{"maxEndTime":20294,"mi nEndTime":36001}}]}],"status":"0080"}]}},"Version":"1.0"}</a:t>
             </a:r>
           </a:p>
         </p:txBody>
@@ -6485,7 +6736,7 @@
     </p:spTree>
     <p:extLst>
       <p:ext uri="{BB962C8B-B14F-4D97-AF65-F5344CB8AC3E}">
-        <p14:creationId xmlns:p14="http://schemas.microsoft.com/office/powerpoint/2010/main" val="4207692073"/>
+        <p14:creationId xmlns:p14="http://schemas.microsoft.com/office/powerpoint/2010/main" val="1576166588"/>
       </p:ext>
     </p:extLst>
   </p:cSld>
@@ -6496,7 +6747,7 @@
 </file>
 
 <file path=ppt/slides/slide17.xml><?xml version="1.0" encoding="utf-8"?>
-<p:sld xmlns:a="http://schemas.openxmlformats.org/drawingml/2006/main" xmlns:r="http://schemas.openxmlformats.org/officeDocument/2006/relationships" xmlns:p="http://schemas.openxmlformats.org/presentationml/2006/main" show="0">
+<p:sld xmlns:a="http://schemas.openxmlformats.org/drawingml/2006/main" xmlns:r="http://schemas.openxmlformats.org/officeDocument/2006/relationships" xmlns:p="http://schemas.openxmlformats.org/presentationml/2006/main">
   <p:cSld>
     <p:spTree>
       <p:nvGrpSpPr>
@@ -6517,7 +6768,7 @@
           <p:cNvPr id="2" name="Title 1">
             <a:extLst>
               <a:ext uri="{FF2B5EF4-FFF2-40B4-BE49-F238E27FC236}">
-                <a16:creationId xmlns:a16="http://schemas.microsoft.com/office/drawing/2014/main" id="{16671F81-9870-4EFB-85F5-C249461974A3}"/>
+                <a16:creationId xmlns:a16="http://schemas.microsoft.com/office/drawing/2014/main" id="{0385C92F-F457-424A-9DE0-7926F7D2C653}"/>
               </a:ext>
             </a:extLst>
           </p:cNvPr>
@@ -6525,27 +6776,34 @@
             <a:spLocks noGrp="1"/>
           </p:cNvSpPr>
           <p:nvPr>
-            <p:ph type="ctrTitle"/>
-          </p:nvPr>
-        </p:nvSpPr>
-        <p:spPr/>
-        <p:txBody>
-          <a:bodyPr/>
+            <p:ph type="title"/>
+          </p:nvPr>
+        </p:nvSpPr>
+        <p:spPr>
+          <a:xfrm>
+            <a:off x="838200" y="365126"/>
+            <a:ext cx="10515600" cy="662486"/>
+          </a:xfrm>
+        </p:spPr>
+        <p:txBody>
+          <a:bodyPr>
+            <a:normAutofit fontScale="90000"/>
+          </a:bodyPr>
           <a:lstStyle/>
           <a:p>
             <a:r>
-              <a:rPr lang="en-US" dirty="0"/>
-              <a:t>Installing</a:t>
-            </a:r>
-          </a:p>
-        </p:txBody>
-      </p:sp>
-      <p:sp>
-        <p:nvSpPr>
-          <p:cNvPr id="3" name="Subtitle 2">
-            <a:extLst>
-              <a:ext uri="{FF2B5EF4-FFF2-40B4-BE49-F238E27FC236}">
-                <a16:creationId xmlns:a16="http://schemas.microsoft.com/office/drawing/2014/main" id="{F0303977-50C6-410A-A1BC-595E2E6384C7}"/>
+              <a:rPr lang="en-US" b="1" dirty="0"/>
+              <a:t>BSM sample</a:t>
+            </a:r>
+          </a:p>
+        </p:txBody>
+      </p:sp>
+      <p:sp>
+        <p:nvSpPr>
+          <p:cNvPr id="3" name="Content Placeholder 2">
+            <a:extLst>
+              <a:ext uri="{FF2B5EF4-FFF2-40B4-BE49-F238E27FC236}">
+                <a16:creationId xmlns:a16="http://schemas.microsoft.com/office/drawing/2014/main" id="{C325ED7C-0BF5-4EF3-922D-A8B658AF1EA5}"/>
               </a:ext>
             </a:extLst>
           </p:cNvPr>
@@ -6553,22 +6811,164 @@
             <a:spLocks noGrp="1"/>
           </p:cNvSpPr>
           <p:nvPr>
-            <p:ph type="subTitle" idx="1"/>
-          </p:nvPr>
-        </p:nvSpPr>
-        <p:spPr/>
-        <p:txBody>
-          <a:bodyPr/>
+            <p:ph idx="1"/>
+          </p:nvPr>
+        </p:nvSpPr>
+        <p:spPr>
+          <a:xfrm>
+            <a:off x="838200" y="1027612"/>
+            <a:ext cx="10515600" cy="5149351"/>
+          </a:xfrm>
+        </p:spPr>
+        <p:txBody>
+          <a:bodyPr>
+            <a:normAutofit/>
+          </a:bodyPr>
           <a:lstStyle/>
           <a:p>
-            <a:endParaRPr lang="en-US" dirty="0"/>
+            <a:pPr marL="0" indent="0">
+              <a:buNone/>
+            </a:pPr>
+            <a:r>
+              <a:rPr lang="en-US" sz="1200" dirty="0">
+                <a:latin typeface="Courier New" panose="02070309020205020404" pitchFamily="49" charset="0"/>
+                <a:cs typeface="Courier New" panose="02070309020205020404" pitchFamily="49" charset="0"/>
+              </a:rPr>
+              <a:t>{"Timestamp":1602096334182,"Direction":"RX","Message_id":20,"P1609dot2_flag":0,"Message":{"messageId":20,"value":{"</a:t>
+            </a:r>
+            <a:r>
+              <a:rPr lang="en-US" sz="1200" dirty="0" err="1">
+                <a:latin typeface="Courier New" panose="02070309020205020404" pitchFamily="49" charset="0"/>
+                <a:cs typeface="Courier New" panose="02070309020205020404" pitchFamily="49" charset="0"/>
+              </a:rPr>
+              <a:t>coreData</a:t>
+            </a:r>
+            <a:r>
+              <a:rPr lang="en-US" sz="1200" dirty="0">
+                <a:latin typeface="Courier New" panose="02070309020205020404" pitchFamily="49" charset="0"/>
+                <a:cs typeface="Courier New" panose="02070309020205020404" pitchFamily="49" charset="0"/>
+              </a:rPr>
+              <a:t>":{"</a:t>
+            </a:r>
+            <a:r>
+              <a:rPr lang="en-US" sz="1200" dirty="0" err="1">
+                <a:latin typeface="Courier New" panose="02070309020205020404" pitchFamily="49" charset="0"/>
+                <a:cs typeface="Courier New" panose="02070309020205020404" pitchFamily="49" charset="0"/>
+              </a:rPr>
+              <a:t>accelSet</a:t>
+            </a:r>
+            <a:r>
+              <a:rPr lang="en-US" sz="1200" dirty="0">
+                <a:latin typeface="Courier New" panose="02070309020205020404" pitchFamily="49" charset="0"/>
+                <a:cs typeface="Courier New" panose="02070309020205020404" pitchFamily="49" charset="0"/>
+              </a:rPr>
+              <a:t>":{"</a:t>
+            </a:r>
+            <a:r>
+              <a:rPr lang="en-US" sz="1200" dirty="0" err="1">
+                <a:latin typeface="Courier New" panose="02070309020205020404" pitchFamily="49" charset="0"/>
+                <a:cs typeface="Courier New" panose="02070309020205020404" pitchFamily="49" charset="0"/>
+              </a:rPr>
+              <a:t>lat</a:t>
+            </a:r>
+            <a:r>
+              <a:rPr lang="en-US" sz="1200" dirty="0">
+                <a:latin typeface="Courier New" panose="02070309020205020404" pitchFamily="49" charset="0"/>
+                <a:cs typeface="Courier New" panose="02070309020205020404" pitchFamily="49" charset="0"/>
+              </a:rPr>
+              <a:t>":-7,"long":24,"vert":-127,"yaw":-40},"accuracy":{"orientation":0,"semiMajor":5,"semiMinor":5},"angle":28,"brakes":{"abs":"engaged","auxBrakes":"unavailable","brakeBoost":"unavailable","scs":"engaged","traction":"engaged","wheelBrakes":"00"},"elev":1508,"heading ":1993,"id":"06230106","lat":425686803,"long":-829123338,"msgCnt":110,"secMark":34100,"size":{"length ":504,"width":196},"speed":0,"transmission":"park"},"</a:t>
+            </a:r>
+            <a:r>
+              <a:rPr lang="en-US" sz="1200" dirty="0" err="1">
+                <a:latin typeface="Courier New" panose="02070309020205020404" pitchFamily="49" charset="0"/>
+                <a:cs typeface="Courier New" panose="02070309020205020404" pitchFamily="49" charset="0"/>
+              </a:rPr>
+              <a:t>partII</a:t>
+            </a:r>
+            <a:r>
+              <a:rPr lang="en-US" sz="1200" dirty="0">
+                <a:latin typeface="Courier New" panose="02070309020205020404" pitchFamily="49" charset="0"/>
+                <a:cs typeface="Courier New" panose="02070309020205020404" pitchFamily="49" charset="0"/>
+              </a:rPr>
+              <a:t>":[{"partII-Id":0,"partII-Value":{"</a:t>
+            </a:r>
+            <a:r>
+              <a:rPr lang="en-US" sz="1200" dirty="0" err="1">
+                <a:latin typeface="Courier New" panose="02070309020205020404" pitchFamily="49" charset="0"/>
+                <a:cs typeface="Courier New" panose="02070309020205020404" pitchFamily="49" charset="0"/>
+              </a:rPr>
+              <a:t>pathHis</a:t>
+            </a:r>
+            <a:r>
+              <a:rPr lang="en-US" sz="1200" dirty="0">
+                <a:latin typeface="Courier New" panose="02070309020205020404" pitchFamily="49" charset="0"/>
+                <a:cs typeface="Courier New" panose="02070309020205020404" pitchFamily="49" charset="0"/>
+              </a:rPr>
+              <a:t> tory":{"</a:t>
+            </a:r>
+            <a:r>
+              <a:rPr lang="en-US" sz="1200" dirty="0" err="1">
+                <a:latin typeface="Courier New" panose="02070309020205020404" pitchFamily="49" charset="0"/>
+                <a:cs typeface="Courier New" panose="02070309020205020404" pitchFamily="49" charset="0"/>
+              </a:rPr>
+              <a:t>crumbData</a:t>
+            </a:r>
+            <a:r>
+              <a:rPr lang="en-US" sz="1200" dirty="0">
+                <a:latin typeface="Courier New" panose="02070309020205020404" pitchFamily="49" charset="0"/>
+                <a:cs typeface="Courier New" panose="02070309020205020404" pitchFamily="49" charset="0"/>
+              </a:rPr>
+              <a:t>":[{"elevationOffset":5,"latOffset":930,"lonOffset":742,"timeOffset":2230},{"</a:t>
+            </a:r>
+            <a:r>
+              <a:rPr lang="en-US" sz="1200" dirty="0" err="1">
+                <a:latin typeface="Courier New" panose="02070309020205020404" pitchFamily="49" charset="0"/>
+                <a:cs typeface="Courier New" panose="02070309020205020404" pitchFamily="49" charset="0"/>
+              </a:rPr>
+              <a:t>elevati</a:t>
+            </a:r>
+            <a:r>
+              <a:rPr lang="en-US" sz="1200" dirty="0">
+                <a:latin typeface="Courier New" panose="02070309020205020404" pitchFamily="49" charset="0"/>
+                <a:cs typeface="Courier New" panose="02070309020205020404" pitchFamily="49" charset="0"/>
+              </a:rPr>
+              <a:t> onOffset":9,"latOffset":930,"lonOffset":2164,"timeOffset":2610},{"elevationOffset":11,"latOffset":123 6,"lonOffset":2917,"timeOffset":2760},{"elevationOffset":11,"latOffset":8992,"lonOffset":9400,"timeOf fset":3600},{"elevationOffset":8,"latOffset":25129,"lonOffset":21801,"timeOffset":4780}]},"</a:t>
+            </a:r>
+            <a:r>
+              <a:rPr lang="en-US" sz="1200" dirty="0" err="1">
+                <a:latin typeface="Courier New" panose="02070309020205020404" pitchFamily="49" charset="0"/>
+                <a:cs typeface="Courier New" panose="02070309020205020404" pitchFamily="49" charset="0"/>
+              </a:rPr>
+              <a:t>pathPredic</a:t>
+            </a:r>
+            <a:r>
+              <a:rPr lang="en-US" sz="1200" dirty="0">
+                <a:latin typeface="Courier New" panose="02070309020205020404" pitchFamily="49" charset="0"/>
+                <a:cs typeface="Courier New" panose="02070309020205020404" pitchFamily="49" charset="0"/>
+              </a:rPr>
+              <a:t> </a:t>
+            </a:r>
+            <a:r>
+              <a:rPr lang="en-US" sz="1200" dirty="0" err="1">
+                <a:latin typeface="Courier New" panose="02070309020205020404" pitchFamily="49" charset="0"/>
+                <a:cs typeface="Courier New" panose="02070309020205020404" pitchFamily="49" charset="0"/>
+              </a:rPr>
+              <a:t>tion</a:t>
+            </a:r>
+            <a:r>
+              <a:rPr lang="en-US" sz="1200" dirty="0">
+                <a:latin typeface="Courier New" panose="02070309020205020404" pitchFamily="49" charset="0"/>
+                <a:cs typeface="Courier New" panose="02070309020205020404" pitchFamily="49" charset="0"/>
+              </a:rPr>
+              <a:t>":{"confidence":200,"radiusOfCurve":32767}}}]}},"Version":"1.0"}</a:t>
+            </a:r>
           </a:p>
         </p:txBody>
       </p:sp>
     </p:spTree>
     <p:extLst>
       <p:ext uri="{BB962C8B-B14F-4D97-AF65-F5344CB8AC3E}">
-        <p14:creationId xmlns:p14="http://schemas.microsoft.com/office/powerpoint/2010/main" val="1060504832"/>
+        <p14:creationId xmlns:p14="http://schemas.microsoft.com/office/powerpoint/2010/main" val="4207692073"/>
       </p:ext>
     </p:extLst>
   </p:cSld>
@@ -6600,7 +7000,7 @@
           <p:cNvPr id="2" name="Title 1">
             <a:extLst>
               <a:ext uri="{FF2B5EF4-FFF2-40B4-BE49-F238E27FC236}">
-                <a16:creationId xmlns:a16="http://schemas.microsoft.com/office/drawing/2014/main" id="{91982F40-50FE-40ED-9B64-85B4B73A35F7}"/>
+                <a16:creationId xmlns:a16="http://schemas.microsoft.com/office/drawing/2014/main" id="{16671F81-9870-4EFB-85F5-C249461974A3}"/>
               </a:ext>
             </a:extLst>
           </p:cNvPr>
@@ -6608,34 +7008,27 @@
             <a:spLocks noGrp="1"/>
           </p:cNvSpPr>
           <p:nvPr>
-            <p:ph type="title"/>
-          </p:nvPr>
-        </p:nvSpPr>
-        <p:spPr>
-          <a:xfrm>
-            <a:off x="838200" y="365125"/>
-            <a:ext cx="10515600" cy="610235"/>
-          </a:xfrm>
-        </p:spPr>
-        <p:txBody>
-          <a:bodyPr>
-            <a:normAutofit fontScale="90000"/>
-          </a:bodyPr>
+            <p:ph type="ctrTitle"/>
+          </p:nvPr>
+        </p:nvSpPr>
+        <p:spPr/>
+        <p:txBody>
+          <a:bodyPr/>
           <a:lstStyle/>
           <a:p>
             <a:r>
               <a:rPr lang="en-US" dirty="0"/>
-              <a:t>Python 3 Packages</a:t>
-            </a:r>
-          </a:p>
-        </p:txBody>
-      </p:sp>
-      <p:sp>
-        <p:nvSpPr>
-          <p:cNvPr id="3" name="Content Placeholder 2">
-            <a:extLst>
-              <a:ext uri="{FF2B5EF4-FFF2-40B4-BE49-F238E27FC236}">
-                <a16:creationId xmlns:a16="http://schemas.microsoft.com/office/drawing/2014/main" id="{EC5BF5B1-81C6-47C1-BBD3-FD5C7F983DD2}"/>
+              <a:t>Installing</a:t>
+            </a:r>
+          </a:p>
+        </p:txBody>
+      </p:sp>
+      <p:sp>
+        <p:nvSpPr>
+          <p:cNvPr id="3" name="Subtitle 2">
+            <a:extLst>
+              <a:ext uri="{FF2B5EF4-FFF2-40B4-BE49-F238E27FC236}">
+                <a16:creationId xmlns:a16="http://schemas.microsoft.com/office/drawing/2014/main" id="{F0303977-50C6-410A-A1BC-595E2E6384C7}"/>
               </a:ext>
             </a:extLst>
           </p:cNvPr>
@@ -6643,68 +7036,33 @@
             <a:spLocks noGrp="1"/>
           </p:cNvSpPr>
           <p:nvPr>
-            <p:ph idx="1"/>
-          </p:nvPr>
-        </p:nvSpPr>
-        <p:spPr>
-          <a:xfrm>
-            <a:off x="838200" y="1097280"/>
-            <a:ext cx="10515600" cy="5079683"/>
-          </a:xfrm>
-        </p:spPr>
+            <p:ph type="subTitle" idx="1"/>
+          </p:nvPr>
+        </p:nvSpPr>
+        <p:spPr/>
         <p:txBody>
           <a:bodyPr/>
           <a:lstStyle/>
           <a:p>
             <a:r>
               <a:rPr lang="en-US" dirty="0"/>
-              <a:t>Python is part of Linux and Raspberry Pi, already installed</a:t>
-            </a:r>
-          </a:p>
-          <a:p>
-            <a:r>
-              <a:rPr lang="en-US" dirty="0"/>
-              <a:t>Windows</a:t>
-            </a:r>
-          </a:p>
-          <a:p>
-            <a:pPr lvl="1"/>
-            <a:r>
-              <a:rPr lang="en-US" dirty="0"/>
-              <a:t>Download and install from </a:t>
+              <a:t>Private </a:t>
+            </a:r>
+            <a:r>
+              <a:rPr lang="en-US" dirty="0" err="1"/>
+              <a:t>github</a:t>
+            </a:r>
+            <a:r>
+              <a:rPr lang="en-US" dirty="0"/>
+              <a:t> at </a:t>
             </a:r>
             <a:r>
               <a:rPr lang="en-US" dirty="0">
                 <a:hlinkClick r:id="rId2"/>
               </a:rPr>
-              <a:t>https://www.python.org/downloads/</a:t>
+              <a:t>https://github.com/nprobert/j2735_tools</a:t>
             </a:r>
             <a:endParaRPr lang="en-US" dirty="0"/>
-          </a:p>
-          <a:p>
-            <a:r>
-              <a:rPr lang="en-US" dirty="0"/>
-              <a:t>Packages</a:t>
-            </a:r>
-          </a:p>
-          <a:p>
-            <a:pPr lvl="1"/>
-            <a:r>
-              <a:rPr lang="en-US" dirty="0" err="1"/>
-              <a:t>Pycrate</a:t>
-            </a:r>
-            <a:r>
-              <a:rPr lang="en-US" dirty="0"/>
-              <a:t>, Pyside2, </a:t>
-            </a:r>
-            <a:r>
-              <a:rPr lang="en-US" dirty="0" err="1"/>
-              <a:t>Scapy</a:t>
-            </a:r>
-            <a:r>
-              <a:rPr lang="en-US" dirty="0"/>
-              <a:t>, …</a:t>
-            </a:r>
           </a:p>
           <a:p>
             <a:endParaRPr lang="en-US" dirty="0"/>
@@ -6714,7 +7072,7 @@
     </p:spTree>
     <p:extLst>
       <p:ext uri="{BB962C8B-B14F-4D97-AF65-F5344CB8AC3E}">
-        <p14:creationId xmlns:p14="http://schemas.microsoft.com/office/powerpoint/2010/main" val="2682801951"/>
+        <p14:creationId xmlns:p14="http://schemas.microsoft.com/office/powerpoint/2010/main" val="1060504832"/>
       </p:ext>
     </p:extLst>
   </p:cSld>
@@ -6803,31 +7161,45 @@
           <a:lstStyle/>
           <a:p>
             <a:r>
-              <a:rPr lang="en-US" dirty="0"/>
+              <a:rPr lang="en-US" sz="2400" dirty="0"/>
+              <a:t>Python is part of Linux and Raspberry Pi, already installed</a:t>
+            </a:r>
+          </a:p>
+          <a:p>
+            <a:r>
+              <a:rPr lang="en-US" sz="2400" dirty="0"/>
+              <a:t>Build/run your own</a:t>
+            </a:r>
+          </a:p>
+          <a:p>
+            <a:pPr lvl="1"/>
+            <a:r>
+              <a:rPr lang="en-US" sz="2000" dirty="0"/>
               <a:t>Run </a:t>
             </a:r>
             <a:r>
-              <a:rPr lang="en-US" dirty="0">
-                <a:latin typeface="Courier New" panose="02070309020205020404" pitchFamily="49" charset="0"/>
-                <a:cs typeface="Courier New" panose="02070309020205020404" pitchFamily="49" charset="0"/>
-              </a:rPr>
-              <a:t>./setup.sh </a:t>
-            </a:r>
-            <a:r>
-              <a:rPr lang="en-US" dirty="0"/>
+              <a:rPr lang="en-US" sz="2000" dirty="0">
+                <a:latin typeface="Courier New" panose="02070309020205020404" pitchFamily="49" charset="0"/>
+                <a:cs typeface="Courier New" panose="02070309020205020404" pitchFamily="49" charset="0"/>
+              </a:rPr>
+              <a:t>./packages.sh </a:t>
+            </a:r>
+            <a:r>
+              <a:rPr lang="en-US" sz="2000" dirty="0"/>
               <a:t>script provided</a:t>
             </a:r>
           </a:p>
           <a:p>
-            <a:r>
-              <a:rPr lang="en-US" dirty="0"/>
+            <a:pPr lvl="1"/>
+            <a:r>
+              <a:rPr lang="en-US" sz="2000" dirty="0"/>
               <a:t>Add classes and classes/j2735 to your PYTHONPATH</a:t>
             </a:r>
           </a:p>
           <a:p>
-            <a:pPr lvl="1"/>
-            <a:r>
-              <a:rPr lang="en-US" sz="1600" dirty="0">
+            <a:pPr lvl="2"/>
+            <a:r>
+              <a:rPr lang="en-US" sz="1400" dirty="0">
                 <a:latin typeface="Courier New" panose="02070309020205020404" pitchFamily="49" charset="0"/>
                 <a:cs typeface="Courier New" panose="02070309020205020404" pitchFamily="49" charset="0"/>
               </a:rPr>
@@ -6835,9 +7207,9 @@
             </a:r>
           </a:p>
           <a:p>
-            <a:pPr lvl="1"/>
-            <a:r>
-              <a:rPr lang="en-US" dirty="0"/>
+            <a:pPr lvl="2"/>
+            <a:r>
+              <a:rPr lang="en-US" sz="1800" dirty="0"/>
               <a:t>Edit to reflect where you installed the application</a:t>
             </a:r>
           </a:p>
@@ -7032,199 +7404,93 @@
           <a:p>
             <a:r>
               <a:rPr lang="en-US" dirty="0"/>
-              <a:t>Use setup.cmd to install everything</a:t>
-            </a:r>
-          </a:p>
-          <a:p>
+              <a:t>Windows</a:t>
+            </a:r>
+          </a:p>
+          <a:p>
+            <a:pPr lvl="1"/>
+            <a:r>
+              <a:rPr lang="en-US" dirty="0"/>
+              <a:t>Download and install from </a:t>
+            </a:r>
+            <a:r>
+              <a:rPr lang="en-US" dirty="0">
+                <a:hlinkClick r:id="rId2"/>
+              </a:rPr>
+              <a:t>https://www.python.org/downloads/</a:t>
+            </a:r>
             <a:endParaRPr lang="en-US" dirty="0"/>
           </a:p>
           <a:p>
-            <a:r>
-              <a:rPr lang="en-US" dirty="0"/>
-              <a:t>Using PowerShell Admin:</a:t>
-            </a:r>
-          </a:p>
-          <a:p>
             <a:pPr lvl="1"/>
             <a:r>
-              <a:rPr lang="en-US" sz="1600" dirty="0">
-                <a:latin typeface="Courier New" panose="02070309020205020404" pitchFamily="49" charset="0"/>
-                <a:cs typeface="Courier New" panose="02070309020205020404" pitchFamily="49" charset="0"/>
-              </a:rPr>
-              <a:t>python –m pip install –upgrade pip</a:t>
+              <a:rPr lang="en-US" dirty="0"/>
+              <a:t>Use packages.cmd to install everything</a:t>
             </a:r>
           </a:p>
           <a:p>
             <a:pPr lvl="1"/>
             <a:r>
-              <a:rPr lang="en-US" sz="1600" dirty="0">
-                <a:latin typeface="Courier New" panose="02070309020205020404" pitchFamily="49" charset="0"/>
-                <a:cs typeface="Courier New" panose="02070309020205020404" pitchFamily="49" charset="0"/>
-              </a:rPr>
-              <a:t>python –m pip install </a:t>
-            </a:r>
-            <a:r>
-              <a:rPr lang="en-US" sz="1600" dirty="0" err="1">
-                <a:latin typeface="Courier New" panose="02070309020205020404" pitchFamily="49" charset="0"/>
-                <a:cs typeface="Courier New" panose="02070309020205020404" pitchFamily="49" charset="0"/>
-              </a:rPr>
-              <a:t>numpy</a:t>
-            </a:r>
-            <a:r>
-              <a:rPr lang="en-US" sz="1600" dirty="0">
-                <a:latin typeface="Courier New" panose="02070309020205020404" pitchFamily="49" charset="0"/>
-                <a:cs typeface="Courier New" panose="02070309020205020404" pitchFamily="49" charset="0"/>
-              </a:rPr>
-              <a:t> pyside2 </a:t>
-            </a:r>
-            <a:r>
-              <a:rPr lang="en-US" sz="1600" dirty="0" err="1">
-                <a:latin typeface="Courier New" panose="02070309020205020404" pitchFamily="49" charset="0"/>
-                <a:cs typeface="Courier New" panose="02070309020205020404" pitchFamily="49" charset="0"/>
-              </a:rPr>
-              <a:t>scapy</a:t>
-            </a:r>
-            <a:r>
-              <a:rPr lang="en-US" sz="1600" dirty="0">
-                <a:latin typeface="Courier New" panose="02070309020205020404" pitchFamily="49" charset="0"/>
-                <a:cs typeface="Courier New" panose="02070309020205020404" pitchFamily="49" charset="0"/>
-              </a:rPr>
-              <a:t> </a:t>
-            </a:r>
-            <a:r>
-              <a:rPr lang="en-US" sz="1600" dirty="0" err="1">
-                <a:latin typeface="Courier New" panose="02070309020205020404" pitchFamily="49" charset="0"/>
-                <a:cs typeface="Courier New" panose="02070309020205020404" pitchFamily="49" charset="0"/>
-              </a:rPr>
-              <a:t>pyyaml</a:t>
-            </a:r>
-            <a:r>
-              <a:rPr lang="en-US" sz="1600" dirty="0">
-                <a:latin typeface="Courier New" panose="02070309020205020404" pitchFamily="49" charset="0"/>
-                <a:cs typeface="Courier New" panose="02070309020205020404" pitchFamily="49" charset="0"/>
-              </a:rPr>
-              <a:t> </a:t>
-            </a:r>
-            <a:r>
-              <a:rPr lang="en-US" sz="1600" dirty="0" err="1">
-                <a:latin typeface="Courier New" panose="02070309020205020404" pitchFamily="49" charset="0"/>
-                <a:cs typeface="Courier New" panose="02070309020205020404" pitchFamily="49" charset="0"/>
-              </a:rPr>
-              <a:t>virtualenv</a:t>
-            </a:r>
-            <a:r>
-              <a:rPr lang="en-US" sz="1600" dirty="0">
-                <a:latin typeface="Courier New" panose="02070309020205020404" pitchFamily="49" charset="0"/>
-                <a:cs typeface="Courier New" panose="02070309020205020404" pitchFamily="49" charset="0"/>
-              </a:rPr>
-              <a:t> </a:t>
-            </a:r>
-            <a:r>
-              <a:rPr lang="en-US" sz="1600" dirty="0" err="1">
-                <a:latin typeface="Courier New" panose="02070309020205020404" pitchFamily="49" charset="0"/>
-                <a:cs typeface="Courier New" panose="02070309020205020404" pitchFamily="49" charset="0"/>
-              </a:rPr>
-              <a:t>virtualenvwrapper</a:t>
-            </a:r>
-            <a:endParaRPr lang="en-US" sz="1600" dirty="0">
-              <a:latin typeface="Courier New" panose="02070309020205020404" pitchFamily="49" charset="0"/>
-              <a:cs typeface="Courier New" panose="02070309020205020404" pitchFamily="49" charset="0"/>
-            </a:endParaRPr>
-          </a:p>
-          <a:p>
-            <a:r>
-              <a:rPr lang="en-US" dirty="0"/>
-              <a:t>Installing </a:t>
+              <a:rPr lang="en-US" dirty="0"/>
+              <a:t>Use .</a:t>
             </a:r>
             <a:r>
               <a:rPr lang="en-US" dirty="0" err="1"/>
-              <a:t>Pycrate</a:t>
-            </a:r>
+              <a:t>cmd</a:t>
+            </a:r>
+            <a:r>
+              <a:rPr lang="en-US" dirty="0"/>
+              <a:t> files to run tools</a:t>
+            </a:r>
+          </a:p>
+          <a:p>
+            <a:r>
+              <a:rPr lang="en-US" dirty="0"/>
+              <a:t>Pre-built binary (using </a:t>
+            </a:r>
+            <a:r>
+              <a:rPr lang="en-US" dirty="0" err="1"/>
+              <a:t>PyInstaller</a:t>
+            </a:r>
+            <a:r>
+              <a:rPr lang="en-US" dirty="0"/>
+              <a:t>)</a:t>
+            </a:r>
+          </a:p>
+          <a:p>
+            <a:pPr lvl="1"/>
+            <a:r>
+              <a:rPr lang="en-US" dirty="0">
+                <a:hlinkClick r:id="rId3"/>
+              </a:rPr>
+              <a:t>https://v2x.probestar.com/j2735_tools/</a:t>
+            </a:r>
+            <a:r>
+              <a:rPr lang="en-US" dirty="0"/>
+              <a:t> (requires user/password from me)</a:t>
+            </a:r>
+          </a:p>
+          <a:p>
+            <a:pPr lvl="1"/>
+            <a:r>
+              <a:rPr lang="en-US" dirty="0"/>
+              <a:t>Looking at using Docker</a:t>
+            </a:r>
+          </a:p>
+          <a:p>
+            <a:pPr lvl="1"/>
+            <a:r>
+              <a:rPr lang="en-US" dirty="0"/>
+              <a:t>Wireshark built with J2735 support included</a:t>
+            </a:r>
+          </a:p>
+          <a:p>
+            <a:pPr lvl="1"/>
             <a:endParaRPr lang="en-US" dirty="0"/>
           </a:p>
           <a:p>
             <a:pPr lvl="1"/>
-            <a:r>
-              <a:rPr lang="en-US" sz="1600" dirty="0">
-                <a:latin typeface="Courier New" panose="02070309020205020404" pitchFamily="49" charset="0"/>
-                <a:cs typeface="Courier New" panose="02070309020205020404" pitchFamily="49" charset="0"/>
-              </a:rPr>
-              <a:t>Python –m pip install </a:t>
-            </a:r>
-            <a:r>
-              <a:rPr lang="en-US" sz="1600" dirty="0" err="1">
-                <a:latin typeface="Courier New" panose="02070309020205020404" pitchFamily="49" charset="0"/>
-                <a:cs typeface="Courier New" panose="02070309020205020404" pitchFamily="49" charset="0"/>
-              </a:rPr>
-              <a:t>pycrate</a:t>
-            </a:r>
-            <a:endParaRPr lang="en-US" sz="1600" dirty="0">
-              <a:latin typeface="Courier New" panose="02070309020205020404" pitchFamily="49" charset="0"/>
-              <a:cs typeface="Courier New" panose="02070309020205020404" pitchFamily="49" charset="0"/>
-            </a:endParaRPr>
-          </a:p>
-          <a:p>
-            <a:pPr lvl="1"/>
-            <a:r>
-              <a:rPr lang="en-US" sz="1600" dirty="0">
-                <a:latin typeface="Courier New" panose="02070309020205020404" pitchFamily="49" charset="0"/>
-                <a:cs typeface="Courier New" panose="02070309020205020404" pitchFamily="49" charset="0"/>
-              </a:rPr>
-              <a:t>Old method:</a:t>
-            </a:r>
-          </a:p>
-          <a:p>
-            <a:pPr lvl="2"/>
-            <a:r>
-              <a:rPr lang="en-US" sz="1200" dirty="0">
-                <a:latin typeface="Courier New" panose="02070309020205020404" pitchFamily="49" charset="0"/>
-                <a:cs typeface="Courier New" panose="02070309020205020404" pitchFamily="49" charset="0"/>
-              </a:rPr>
-              <a:t>git clone </a:t>
-            </a:r>
-            <a:r>
-              <a:rPr lang="en-US" sz="1200" dirty="0">
-                <a:latin typeface="Courier New" panose="02070309020205020404" pitchFamily="49" charset="0"/>
-                <a:cs typeface="Courier New" panose="02070309020205020404" pitchFamily="49" charset="0"/>
-                <a:hlinkClick r:id="rId2"/>
-              </a:rPr>
-              <a:t>https://github.com/P1sec/pycrate.git</a:t>
-            </a:r>
-            <a:endParaRPr lang="en-US" sz="1200" dirty="0">
-              <a:latin typeface="Courier New" panose="02070309020205020404" pitchFamily="49" charset="0"/>
-              <a:cs typeface="Courier New" panose="02070309020205020404" pitchFamily="49" charset="0"/>
-            </a:endParaRPr>
-          </a:p>
-          <a:p>
-            <a:pPr lvl="2"/>
-            <a:r>
-              <a:rPr lang="en-US" sz="1200" dirty="0">
-                <a:latin typeface="Courier New" panose="02070309020205020404" pitchFamily="49" charset="0"/>
-                <a:cs typeface="Courier New" panose="02070309020205020404" pitchFamily="49" charset="0"/>
-              </a:rPr>
-              <a:t>cd </a:t>
-            </a:r>
-            <a:r>
-              <a:rPr lang="en-US" sz="1200" dirty="0" err="1">
-                <a:latin typeface="Courier New" panose="02070309020205020404" pitchFamily="49" charset="0"/>
-                <a:cs typeface="Courier New" panose="02070309020205020404" pitchFamily="49" charset="0"/>
-              </a:rPr>
-              <a:t>pycrate</a:t>
-            </a:r>
-            <a:endParaRPr lang="en-US" sz="1200" dirty="0">
-              <a:latin typeface="Courier New" panose="02070309020205020404" pitchFamily="49" charset="0"/>
-              <a:cs typeface="Courier New" panose="02070309020205020404" pitchFamily="49" charset="0"/>
-            </a:endParaRPr>
-          </a:p>
-          <a:p>
-            <a:pPr lvl="2"/>
-            <a:r>
-              <a:rPr lang="en-US" sz="1200" dirty="0">
-                <a:latin typeface="Courier New" panose="02070309020205020404" pitchFamily="49" charset="0"/>
-                <a:cs typeface="Courier New" panose="02070309020205020404" pitchFamily="49" charset="0"/>
-              </a:rPr>
-              <a:t>python setup.py install</a:t>
-            </a:r>
+            <a:endParaRPr lang="en-US" dirty="0"/>
           </a:p>
           <a:p>
             <a:pPr marL="0" indent="0">
@@ -7431,7 +7697,18 @@
             <a:endParaRPr lang="en-US" dirty="0"/>
           </a:p>
           <a:p>
-            <a:endParaRPr lang="en-US" dirty="0"/>
+            <a:pPr lvl="1"/>
+            <a:r>
+              <a:rPr lang="en-US" dirty="0"/>
+              <a:t>Doesn’t include J2735 ASN.1 needed</a:t>
+            </a:r>
+          </a:p>
+          <a:p>
+            <a:pPr lvl="2"/>
+            <a:r>
+              <a:rPr lang="en-US" dirty="0"/>
+              <a:t>Which has to be modified to compile correctly</a:t>
+            </a:r>
           </a:p>
         </p:txBody>
       </p:sp>
@@ -7722,7 +7999,7 @@
             <a:pPr lvl="1"/>
             <a:r>
               <a:rPr lang="en-US" dirty="0"/>
-              <a:t>Optional debug.txt with record by record details</a:t>
+              <a:t>Optional debug.txt with details for each record</a:t>
             </a:r>
           </a:p>
           <a:p>
@@ -8496,12 +8773,6 @@
           <a:p>
             <a:r>
               <a:rPr lang="en-US" dirty="0"/>
-              <a:t>Compatibility with j2735_tools</a:t>
-            </a:r>
-          </a:p>
-          <a:p>
-            <a:r>
-              <a:rPr lang="en-US" dirty="0"/>
               <a:t>We are getting different formats from different OBU/RSU radio vendors</a:t>
             </a:r>
           </a:p>
@@ -8509,7 +8780,7 @@
             <a:pPr lvl="1"/>
             <a:r>
               <a:rPr lang="en-US" dirty="0"/>
-              <a:t>Complicates our efforts, but some vendors have agreed on special 0x88DC PCAP format</a:t>
+              <a:t>Complicates our efforts, but some vendors have agreed on (preferred) 0x88DC PCAP format</a:t>
             </a:r>
           </a:p>
           <a:p>
@@ -8544,6 +8815,13 @@
             </a:r>
           </a:p>
           <a:p>
+            <a:pPr lvl="1"/>
+            <a:r>
+              <a:rPr lang="en-US" dirty="0"/>
+              <a:t>Missing 1609.2 layers</a:t>
+            </a:r>
+          </a:p>
+          <a:p>
             <a:r>
               <a:rPr lang="en-US" dirty="0"/>
               <a:t>Full radio stack capture (complex)</a:t>
@@ -8573,7 +8851,7 @@
             <a:pPr lvl="1"/>
             <a:r>
               <a:rPr lang="en-US" dirty="0"/>
-              <a:t>Write to a normal UDP socket</a:t>
+              <a:t>Even if unsigned, include the 1609.2 layer!</a:t>
             </a:r>
           </a:p>
           <a:p>
@@ -8641,6 +8919,568 @@
 </file>
 
 <file path=ppt/slides/slide8.xml><?xml version="1.0" encoding="utf-8"?>
+<p:sld xmlns:a="http://schemas.openxmlformats.org/drawingml/2006/main" xmlns:r="http://schemas.openxmlformats.org/officeDocument/2006/relationships" xmlns:p="http://schemas.openxmlformats.org/presentationml/2006/main">
+  <p:cSld>
+    <p:spTree>
+      <p:nvGrpSpPr>
+        <p:cNvPr id="1" name="">
+          <a:extLst>
+            <a:ext uri="{FF2B5EF4-FFF2-40B4-BE49-F238E27FC236}">
+              <a16:creationId xmlns:a16="http://schemas.microsoft.com/office/drawing/2014/main" id="{9B208A37-C8F0-833C-8159-B04857283364}"/>
+            </a:ext>
+          </a:extLst>
+        </p:cNvPr>
+        <p:cNvGrpSpPr/>
+        <p:nvPr/>
+      </p:nvGrpSpPr>
+      <p:grpSpPr>
+        <a:xfrm>
+          <a:off x="0" y="0"/>
+          <a:ext cx="0" cy="0"/>
+          <a:chOff x="0" y="0"/>
+          <a:chExt cx="0" cy="0"/>
+        </a:xfrm>
+      </p:grpSpPr>
+      <p:sp>
+        <p:nvSpPr>
+          <p:cNvPr id="2" name="Title 1">
+            <a:extLst>
+              <a:ext uri="{FF2B5EF4-FFF2-40B4-BE49-F238E27FC236}">
+                <a16:creationId xmlns:a16="http://schemas.microsoft.com/office/drawing/2014/main" id="{CA19FBEA-C03E-0A08-CAF2-4695849A8B8F}"/>
+              </a:ext>
+            </a:extLst>
+          </p:cNvPr>
+          <p:cNvSpPr>
+            <a:spLocks noGrp="1"/>
+          </p:cNvSpPr>
+          <p:nvPr>
+            <p:ph type="title"/>
+          </p:nvPr>
+        </p:nvSpPr>
+        <p:spPr>
+          <a:xfrm>
+            <a:off x="838200" y="365126"/>
+            <a:ext cx="10515600" cy="618944"/>
+          </a:xfrm>
+        </p:spPr>
+        <p:txBody>
+          <a:bodyPr>
+            <a:normAutofit fontScale="90000"/>
+          </a:bodyPr>
+          <a:lstStyle/>
+          <a:p>
+            <a:r>
+              <a:rPr lang="en-US" b="1" dirty="0"/>
+              <a:t>PCAP 0x88DC </a:t>
+            </a:r>
+            <a:r>
+              <a:rPr lang="en-US" b="1" dirty="0" err="1"/>
+              <a:t>Ethertype</a:t>
+            </a:r>
+            <a:endParaRPr lang="en-US" b="1" dirty="0"/>
+          </a:p>
+        </p:txBody>
+      </p:sp>
+      <p:graphicFrame>
+        <p:nvGraphicFramePr>
+          <p:cNvPr id="4" name="Table 4">
+            <a:extLst>
+              <a:ext uri="{FF2B5EF4-FFF2-40B4-BE49-F238E27FC236}">
+                <a16:creationId xmlns:a16="http://schemas.microsoft.com/office/drawing/2014/main" id="{9E699904-F82E-E4EB-BA14-44F17BE35FB8}"/>
+              </a:ext>
+            </a:extLst>
+          </p:cNvPr>
+          <p:cNvGraphicFramePr>
+            <a:graphicFrameLocks noGrp="1"/>
+          </p:cNvGraphicFramePr>
+          <p:nvPr>
+            <p:ph idx="1"/>
+            <p:extLst>
+              <p:ext uri="{D42A27DB-BD31-4B8C-83A1-F6EECF244321}">
+                <p14:modId xmlns:p14="http://schemas.microsoft.com/office/powerpoint/2010/main" val="3645466437"/>
+              </p:ext>
+            </p:extLst>
+          </p:nvPr>
+        </p:nvGraphicFramePr>
+        <p:xfrm>
+          <a:off x="838200" y="1076687"/>
+          <a:ext cx="10515600" cy="1854200"/>
+        </p:xfrm>
+        <a:graphic>
+          <a:graphicData uri="http://schemas.openxmlformats.org/drawingml/2006/table">
+            <a:tbl>
+              <a:tblPr firstRow="1" bandRow="1">
+                <a:tableStyleId>{5C22544A-7EE6-4342-B048-85BDC9FD1C3A}</a:tableStyleId>
+              </a:tblPr>
+              <a:tblGrid>
+                <a:gridCol w="5257800">
+                  <a:extLst>
+                    <a:ext uri="{9D8B030D-6E8A-4147-A177-3AD203B41FA5}">
+                      <a16:colId xmlns:a16="http://schemas.microsoft.com/office/drawing/2014/main" val="30134810"/>
+                    </a:ext>
+                  </a:extLst>
+                </a:gridCol>
+                <a:gridCol w="5257800">
+                  <a:extLst>
+                    <a:ext uri="{9D8B030D-6E8A-4147-A177-3AD203B41FA5}">
+                      <a16:colId xmlns:a16="http://schemas.microsoft.com/office/drawing/2014/main" val="2360325032"/>
+                    </a:ext>
+                  </a:extLst>
+                </a:gridCol>
+              </a:tblGrid>
+              <a:tr h="370840">
+                <a:tc>
+                  <a:txBody>
+                    <a:bodyPr/>
+                    <a:lstStyle/>
+                    <a:p>
+                      <a:r>
+                        <a:rPr lang="en-US" dirty="0"/>
+                        <a:t>Network Layers</a:t>
+                      </a:r>
+                    </a:p>
+                  </a:txBody>
+                  <a:tcPr/>
+                </a:tc>
+                <a:tc>
+                  <a:txBody>
+                    <a:bodyPr/>
+                    <a:lstStyle/>
+                    <a:p>
+                      <a:r>
+                        <a:rPr lang="en-US" dirty="0"/>
+                        <a:t>Network Data</a:t>
+                      </a:r>
+                    </a:p>
+                  </a:txBody>
+                  <a:tcPr/>
+                </a:tc>
+                <a:extLst>
+                  <a:ext uri="{0D108BD9-81ED-4DB2-BD59-A6C34878D82A}">
+                    <a16:rowId xmlns:a16="http://schemas.microsoft.com/office/drawing/2014/main" val="2794941043"/>
+                  </a:ext>
+                </a:extLst>
+              </a:tr>
+              <a:tr h="370840">
+                <a:tc>
+                  <a:txBody>
+                    <a:bodyPr/>
+                    <a:lstStyle/>
+                    <a:p>
+                      <a:r>
+                        <a:rPr lang="en-US" dirty="0"/>
+                        <a:t>Ethernet Frame 0x88DC</a:t>
+                      </a:r>
+                    </a:p>
+                  </a:txBody>
+                  <a:tcPr/>
+                </a:tc>
+                <a:tc>
+                  <a:txBody>
+                    <a:bodyPr/>
+                    <a:lstStyle/>
+                    <a:p>
+                      <a:r>
+                        <a:rPr lang="en-US" dirty="0"/>
+                        <a:t>Ethernet packet</a:t>
+                      </a:r>
+                    </a:p>
+                  </a:txBody>
+                  <a:tcPr/>
+                </a:tc>
+                <a:extLst>
+                  <a:ext uri="{0D108BD9-81ED-4DB2-BD59-A6C34878D82A}">
+                    <a16:rowId xmlns:a16="http://schemas.microsoft.com/office/drawing/2014/main" val="3960132474"/>
+                  </a:ext>
+                </a:extLst>
+              </a:tr>
+              <a:tr h="370840">
+                <a:tc>
+                  <a:txBody>
+                    <a:bodyPr/>
+                    <a:lstStyle/>
+                    <a:p>
+                      <a:r>
+                        <a:rPr lang="en-US" dirty="0"/>
+                        <a:t>WSMP layer</a:t>
+                      </a:r>
+                    </a:p>
+                  </a:txBody>
+                  <a:tcPr/>
+                </a:tc>
+                <a:tc>
+                  <a:txBody>
+                    <a:bodyPr/>
+                    <a:lstStyle/>
+                    <a:p>
+                      <a:pPr marL="0" marR="0" lvl="0" indent="0" algn="l" defTabSz="914400" rtl="0" eaLnBrk="1" fontAlgn="auto" latinLnBrk="0" hangingPunct="1">
+                        <a:lnSpc>
+                          <a:spcPct val="100000"/>
+                        </a:lnSpc>
+                        <a:spcBef>
+                          <a:spcPts val="0"/>
+                        </a:spcBef>
+                        <a:spcAft>
+                          <a:spcPts val="0"/>
+                        </a:spcAft>
+                        <a:buClrTx/>
+                        <a:buSzTx/>
+                        <a:buFontTx/>
+                        <a:buNone/>
+                        <a:tabLst/>
+                        <a:defRPr/>
+                      </a:pPr>
+                      <a:r>
+                        <a:rPr lang="en-US" dirty="0"/>
+                        <a:t>WSMP –N header –T header message</a:t>
+                      </a:r>
+                    </a:p>
+                  </a:txBody>
+                  <a:tcPr/>
+                </a:tc>
+                <a:extLst>
+                  <a:ext uri="{0D108BD9-81ED-4DB2-BD59-A6C34878D82A}">
+                    <a16:rowId xmlns:a16="http://schemas.microsoft.com/office/drawing/2014/main" val="482269773"/>
+                  </a:ext>
+                </a:extLst>
+              </a:tr>
+              <a:tr h="370840">
+                <a:tc>
+                  <a:txBody>
+                    <a:bodyPr/>
+                    <a:lstStyle/>
+                    <a:p>
+                      <a:pPr marL="0" marR="0" lvl="0" indent="0" algn="l" defTabSz="914400" rtl="0" eaLnBrk="1" fontAlgn="auto" latinLnBrk="0" hangingPunct="1">
+                        <a:lnSpc>
+                          <a:spcPct val="100000"/>
+                        </a:lnSpc>
+                        <a:spcBef>
+                          <a:spcPts val="0"/>
+                        </a:spcBef>
+                        <a:spcAft>
+                          <a:spcPts val="0"/>
+                        </a:spcAft>
+                        <a:buClrTx/>
+                        <a:buSzTx/>
+                        <a:buFontTx/>
+                        <a:buNone/>
+                        <a:tabLst/>
+                        <a:defRPr/>
+                      </a:pPr>
+                      <a:r>
+                        <a:rPr lang="en-US" dirty="0"/>
+                        <a:t>1609.2 layer</a:t>
+                      </a:r>
+                    </a:p>
+                  </a:txBody>
+                  <a:tcPr/>
+                </a:tc>
+                <a:tc>
+                  <a:txBody>
+                    <a:bodyPr/>
+                    <a:lstStyle/>
+                    <a:p>
+                      <a:pPr marL="0" marR="0" lvl="0" indent="0" algn="l" defTabSz="914400" rtl="0" eaLnBrk="1" fontAlgn="auto" latinLnBrk="0" hangingPunct="1">
+                        <a:lnSpc>
+                          <a:spcPct val="100000"/>
+                        </a:lnSpc>
+                        <a:spcBef>
+                          <a:spcPts val="0"/>
+                        </a:spcBef>
+                        <a:spcAft>
+                          <a:spcPts val="0"/>
+                        </a:spcAft>
+                        <a:buClrTx/>
+                        <a:buSzTx/>
+                        <a:buFontTx/>
+                        <a:buNone/>
+                        <a:tabLst/>
+                        <a:defRPr/>
+                      </a:pPr>
+                      <a:r>
+                        <a:rPr lang="en-US" dirty="0"/>
+                        <a:t>Security signage (even if unsigned)</a:t>
+                      </a:r>
+                    </a:p>
+                  </a:txBody>
+                  <a:tcPr/>
+                </a:tc>
+                <a:extLst>
+                  <a:ext uri="{0D108BD9-81ED-4DB2-BD59-A6C34878D82A}">
+                    <a16:rowId xmlns:a16="http://schemas.microsoft.com/office/drawing/2014/main" val="1059687489"/>
+                  </a:ext>
+                </a:extLst>
+              </a:tr>
+              <a:tr h="370840">
+                <a:tc>
+                  <a:txBody>
+                    <a:bodyPr/>
+                    <a:lstStyle/>
+                    <a:p>
+                      <a:r>
+                        <a:rPr lang="en-US" dirty="0"/>
+                        <a:t>J2735 layer</a:t>
+                      </a:r>
+                    </a:p>
+                  </a:txBody>
+                  <a:tcPr/>
+                </a:tc>
+                <a:tc>
+                  <a:txBody>
+                    <a:bodyPr/>
+                    <a:lstStyle/>
+                    <a:p>
+                      <a:r>
+                        <a:rPr lang="en-US" dirty="0"/>
+                        <a:t>BSM, MAP, SPAT, RTCM, …</a:t>
+                      </a:r>
+                    </a:p>
+                  </a:txBody>
+                  <a:tcPr/>
+                </a:tc>
+                <a:extLst>
+                  <a:ext uri="{0D108BD9-81ED-4DB2-BD59-A6C34878D82A}">
+                    <a16:rowId xmlns:a16="http://schemas.microsoft.com/office/drawing/2014/main" val="1210011890"/>
+                  </a:ext>
+                </a:extLst>
+              </a:tr>
+            </a:tbl>
+          </a:graphicData>
+        </a:graphic>
+      </p:graphicFrame>
+      <p:sp>
+        <p:nvSpPr>
+          <p:cNvPr id="5" name="Content Placeholder 2">
+            <a:extLst>
+              <a:ext uri="{FF2B5EF4-FFF2-40B4-BE49-F238E27FC236}">
+                <a16:creationId xmlns:a16="http://schemas.microsoft.com/office/drawing/2014/main" id="{AEF09ABC-1283-EC30-1742-B5092600CF8F}"/>
+              </a:ext>
+            </a:extLst>
+          </p:cNvPr>
+          <p:cNvSpPr txBox="1">
+            <a:spLocks/>
+          </p:cNvSpPr>
+          <p:nvPr/>
+        </p:nvSpPr>
+        <p:spPr>
+          <a:xfrm>
+            <a:off x="838200" y="3110753"/>
+            <a:ext cx="10515600" cy="3382121"/>
+          </a:xfrm>
+          <a:prstGeom prst="rect">
+            <a:avLst/>
+          </a:prstGeom>
+        </p:spPr>
+        <p:txBody>
+          <a:bodyPr vert="horz" lIns="91440" tIns="45720" rIns="91440" bIns="45720" rtlCol="0">
+            <a:normAutofit/>
+          </a:bodyPr>
+          <a:lstStyle>
+            <a:lvl1pPr marL="228600" indent="-228600" algn="l" defTabSz="914400" rtl="0" eaLnBrk="1" latinLnBrk="0" hangingPunct="1">
+              <a:lnSpc>
+                <a:spcPct val="90000"/>
+              </a:lnSpc>
+              <a:spcBef>
+                <a:spcPts val="1000"/>
+              </a:spcBef>
+              <a:buFont typeface="Arial" panose="020B0604020202020204" pitchFamily="34" charset="0"/>
+              <a:buChar char="•"/>
+              <a:defRPr sz="2800" kern="1200">
+                <a:solidFill>
+                  <a:schemeClr val="tx1"/>
+                </a:solidFill>
+                <a:latin typeface="+mn-lt"/>
+                <a:ea typeface="+mn-ea"/>
+                <a:cs typeface="+mn-cs"/>
+              </a:defRPr>
+            </a:lvl1pPr>
+            <a:lvl2pPr marL="685800" indent="-228600" algn="l" defTabSz="914400" rtl="0" eaLnBrk="1" latinLnBrk="0" hangingPunct="1">
+              <a:lnSpc>
+                <a:spcPct val="90000"/>
+              </a:lnSpc>
+              <a:spcBef>
+                <a:spcPts val="500"/>
+              </a:spcBef>
+              <a:buFont typeface="Arial" panose="020B0604020202020204" pitchFamily="34" charset="0"/>
+              <a:buChar char="•"/>
+              <a:defRPr sz="2400" kern="1200">
+                <a:solidFill>
+                  <a:schemeClr val="tx1"/>
+                </a:solidFill>
+                <a:latin typeface="+mn-lt"/>
+                <a:ea typeface="+mn-ea"/>
+                <a:cs typeface="+mn-cs"/>
+              </a:defRPr>
+            </a:lvl2pPr>
+            <a:lvl3pPr marL="1143000" indent="-228600" algn="l" defTabSz="914400" rtl="0" eaLnBrk="1" latinLnBrk="0" hangingPunct="1">
+              <a:lnSpc>
+                <a:spcPct val="90000"/>
+              </a:lnSpc>
+              <a:spcBef>
+                <a:spcPts val="500"/>
+              </a:spcBef>
+              <a:buFont typeface="Arial" panose="020B0604020202020204" pitchFamily="34" charset="0"/>
+              <a:buChar char="•"/>
+              <a:defRPr sz="2000" kern="1200">
+                <a:solidFill>
+                  <a:schemeClr val="tx1"/>
+                </a:solidFill>
+                <a:latin typeface="+mn-lt"/>
+                <a:ea typeface="+mn-ea"/>
+                <a:cs typeface="+mn-cs"/>
+              </a:defRPr>
+            </a:lvl3pPr>
+            <a:lvl4pPr marL="1600200" indent="-228600" algn="l" defTabSz="914400" rtl="0" eaLnBrk="1" latinLnBrk="0" hangingPunct="1">
+              <a:lnSpc>
+                <a:spcPct val="90000"/>
+              </a:lnSpc>
+              <a:spcBef>
+                <a:spcPts val="500"/>
+              </a:spcBef>
+              <a:buFont typeface="Arial" panose="020B0604020202020204" pitchFamily="34" charset="0"/>
+              <a:buChar char="•"/>
+              <a:defRPr sz="1800" kern="1200">
+                <a:solidFill>
+                  <a:schemeClr val="tx1"/>
+                </a:solidFill>
+                <a:latin typeface="+mn-lt"/>
+                <a:ea typeface="+mn-ea"/>
+                <a:cs typeface="+mn-cs"/>
+              </a:defRPr>
+            </a:lvl4pPr>
+            <a:lvl5pPr marL="2057400" indent="-228600" algn="l" defTabSz="914400" rtl="0" eaLnBrk="1" latinLnBrk="0" hangingPunct="1">
+              <a:lnSpc>
+                <a:spcPct val="90000"/>
+              </a:lnSpc>
+              <a:spcBef>
+                <a:spcPts val="500"/>
+              </a:spcBef>
+              <a:buFont typeface="Arial" panose="020B0604020202020204" pitchFamily="34" charset="0"/>
+              <a:buChar char="•"/>
+              <a:defRPr sz="1800" kern="1200">
+                <a:solidFill>
+                  <a:schemeClr val="tx1"/>
+                </a:solidFill>
+                <a:latin typeface="+mn-lt"/>
+                <a:ea typeface="+mn-ea"/>
+                <a:cs typeface="+mn-cs"/>
+              </a:defRPr>
+            </a:lvl5pPr>
+            <a:lvl6pPr marL="2514600" indent="-228600" algn="l" defTabSz="914400" rtl="0" eaLnBrk="1" latinLnBrk="0" hangingPunct="1">
+              <a:lnSpc>
+                <a:spcPct val="90000"/>
+              </a:lnSpc>
+              <a:spcBef>
+                <a:spcPts val="500"/>
+              </a:spcBef>
+              <a:buFont typeface="Arial" panose="020B0604020202020204" pitchFamily="34" charset="0"/>
+              <a:buChar char="•"/>
+              <a:defRPr sz="1800" kern="1200">
+                <a:solidFill>
+                  <a:schemeClr val="tx1"/>
+                </a:solidFill>
+                <a:latin typeface="+mn-lt"/>
+                <a:ea typeface="+mn-ea"/>
+                <a:cs typeface="+mn-cs"/>
+              </a:defRPr>
+            </a:lvl6pPr>
+            <a:lvl7pPr marL="2971800" indent="-228600" algn="l" defTabSz="914400" rtl="0" eaLnBrk="1" latinLnBrk="0" hangingPunct="1">
+              <a:lnSpc>
+                <a:spcPct val="90000"/>
+              </a:lnSpc>
+              <a:spcBef>
+                <a:spcPts val="500"/>
+              </a:spcBef>
+              <a:buFont typeface="Arial" panose="020B0604020202020204" pitchFamily="34" charset="0"/>
+              <a:buChar char="•"/>
+              <a:defRPr sz="1800" kern="1200">
+                <a:solidFill>
+                  <a:schemeClr val="tx1"/>
+                </a:solidFill>
+                <a:latin typeface="+mn-lt"/>
+                <a:ea typeface="+mn-ea"/>
+                <a:cs typeface="+mn-cs"/>
+              </a:defRPr>
+            </a:lvl7pPr>
+            <a:lvl8pPr marL="3429000" indent="-228600" algn="l" defTabSz="914400" rtl="0" eaLnBrk="1" latinLnBrk="0" hangingPunct="1">
+              <a:lnSpc>
+                <a:spcPct val="90000"/>
+              </a:lnSpc>
+              <a:spcBef>
+                <a:spcPts val="500"/>
+              </a:spcBef>
+              <a:buFont typeface="Arial" panose="020B0604020202020204" pitchFamily="34" charset="0"/>
+              <a:buChar char="•"/>
+              <a:defRPr sz="1800" kern="1200">
+                <a:solidFill>
+                  <a:schemeClr val="tx1"/>
+                </a:solidFill>
+                <a:latin typeface="+mn-lt"/>
+                <a:ea typeface="+mn-ea"/>
+                <a:cs typeface="+mn-cs"/>
+              </a:defRPr>
+            </a:lvl8pPr>
+            <a:lvl9pPr marL="3886200" indent="-228600" algn="l" defTabSz="914400" rtl="0" eaLnBrk="1" latinLnBrk="0" hangingPunct="1">
+              <a:lnSpc>
+                <a:spcPct val="90000"/>
+              </a:lnSpc>
+              <a:spcBef>
+                <a:spcPts val="500"/>
+              </a:spcBef>
+              <a:buFont typeface="Arial" panose="020B0604020202020204" pitchFamily="34" charset="0"/>
+              <a:buChar char="•"/>
+              <a:defRPr sz="1800" kern="1200">
+                <a:solidFill>
+                  <a:schemeClr val="tx1"/>
+                </a:solidFill>
+                <a:latin typeface="+mn-lt"/>
+                <a:ea typeface="+mn-ea"/>
+                <a:cs typeface="+mn-cs"/>
+              </a:defRPr>
+            </a:lvl9pPr>
+          </a:lstStyle>
+          <a:p>
+            <a:r>
+              <a:rPr lang="en-US" dirty="0"/>
+              <a:t>As used by </a:t>
+            </a:r>
+            <a:r>
+              <a:rPr lang="en-US" dirty="0" err="1"/>
+              <a:t>Cohda</a:t>
+            </a:r>
+            <a:r>
+              <a:rPr lang="en-US" dirty="0"/>
+              <a:t> and DENSO, preferred format</a:t>
+            </a:r>
+          </a:p>
+          <a:p>
+            <a:r>
+              <a:rPr lang="en-US" dirty="0"/>
+              <a:t>Contains WSMP, 1609.2 and J2735 layers</a:t>
+            </a:r>
+          </a:p>
+          <a:p>
+            <a:r>
+              <a:rPr lang="en-US" dirty="0"/>
+              <a:t>Simplest format</a:t>
+            </a:r>
+          </a:p>
+        </p:txBody>
+      </p:sp>
+    </p:spTree>
+    <p:extLst>
+      <p:ext uri="{BB962C8B-B14F-4D97-AF65-F5344CB8AC3E}">
+        <p14:creationId xmlns:p14="http://schemas.microsoft.com/office/powerpoint/2010/main" val="3105334282"/>
+      </p:ext>
+    </p:extLst>
+  </p:cSld>
+  <p:clrMapOvr>
+    <a:masterClrMapping/>
+  </p:clrMapOvr>
+</p:sld>
+</file>
+
+<file path=ppt/slides/slide9.xml><?xml version="1.0" encoding="utf-8"?>
 <p:sld xmlns:a="http://schemas.openxmlformats.org/drawingml/2006/main" xmlns:r="http://schemas.openxmlformats.org/officeDocument/2006/relationships" xmlns:p="http://schemas.openxmlformats.org/presentationml/2006/main">
   <p:cSld>
     <p:spTree>
@@ -9207,6 +10047,7 @@
             </a:r>
           </a:p>
           <a:p>
+            <a:pPr lvl="1"/>
             <a:r>
               <a:rPr lang="en-US" dirty="0"/>
               <a:t>Add </a:t>
@@ -9253,571 +10094,6 @@
     <p:extLst>
       <p:ext uri="{BB962C8B-B14F-4D97-AF65-F5344CB8AC3E}">
         <p14:creationId xmlns:p14="http://schemas.microsoft.com/office/powerpoint/2010/main" val="2211885262"/>
-      </p:ext>
-    </p:extLst>
-  </p:cSld>
-  <p:clrMapOvr>
-    <a:masterClrMapping/>
-  </p:clrMapOvr>
-</p:sld>
-</file>
-
-<file path=ppt/slides/slide9.xml><?xml version="1.0" encoding="utf-8"?>
-<p:sld xmlns:a="http://schemas.openxmlformats.org/drawingml/2006/main" xmlns:r="http://schemas.openxmlformats.org/officeDocument/2006/relationships" xmlns:p="http://schemas.openxmlformats.org/presentationml/2006/main">
-  <p:cSld>
-    <p:spTree>
-      <p:nvGrpSpPr>
-        <p:cNvPr id="1" name=""/>
-        <p:cNvGrpSpPr/>
-        <p:nvPr/>
-      </p:nvGrpSpPr>
-      <p:grpSpPr>
-        <a:xfrm>
-          <a:off x="0" y="0"/>
-          <a:ext cx="0" cy="0"/>
-          <a:chOff x="0" y="0"/>
-          <a:chExt cx="0" cy="0"/>
-        </a:xfrm>
-      </p:grpSpPr>
-      <p:sp>
-        <p:nvSpPr>
-          <p:cNvPr id="2" name="Title 1">
-            <a:extLst>
-              <a:ext uri="{FF2B5EF4-FFF2-40B4-BE49-F238E27FC236}">
-                <a16:creationId xmlns:a16="http://schemas.microsoft.com/office/drawing/2014/main" id="{D409214B-F069-47FF-8DC1-FD9166FD7D06}"/>
-              </a:ext>
-            </a:extLst>
-          </p:cNvPr>
-          <p:cNvSpPr>
-            <a:spLocks noGrp="1"/>
-          </p:cNvSpPr>
-          <p:nvPr>
-            <p:ph type="title"/>
-          </p:nvPr>
-        </p:nvSpPr>
-        <p:spPr>
-          <a:xfrm>
-            <a:off x="838200" y="365126"/>
-            <a:ext cx="10515600" cy="618944"/>
-          </a:xfrm>
-        </p:spPr>
-        <p:txBody>
-          <a:bodyPr>
-            <a:normAutofit fontScale="90000"/>
-          </a:bodyPr>
-          <a:lstStyle/>
-          <a:p>
-            <a:r>
-              <a:rPr lang="en-US" b="1" dirty="0"/>
-              <a:t>Full Radio Stack Capture (C-V2X)</a:t>
-            </a:r>
-          </a:p>
-        </p:txBody>
-      </p:sp>
-      <p:graphicFrame>
-        <p:nvGraphicFramePr>
-          <p:cNvPr id="4" name="Table 4">
-            <a:extLst>
-              <a:ext uri="{FF2B5EF4-FFF2-40B4-BE49-F238E27FC236}">
-                <a16:creationId xmlns:a16="http://schemas.microsoft.com/office/drawing/2014/main" id="{EB304E13-7241-48F0-B5E5-4FB8B3611B55}"/>
-              </a:ext>
-            </a:extLst>
-          </p:cNvPr>
-          <p:cNvGraphicFramePr>
-            <a:graphicFrameLocks noGrp="1"/>
-          </p:cNvGraphicFramePr>
-          <p:nvPr>
-            <p:ph idx="1"/>
-          </p:nvPr>
-        </p:nvGraphicFramePr>
-        <p:xfrm>
-          <a:off x="838200" y="1076687"/>
-          <a:ext cx="10515600" cy="2595880"/>
-        </p:xfrm>
-        <a:graphic>
-          <a:graphicData uri="http://schemas.openxmlformats.org/drawingml/2006/table">
-            <a:tbl>
-              <a:tblPr firstRow="1" bandRow="1">
-                <a:tableStyleId>{5C22544A-7EE6-4342-B048-85BDC9FD1C3A}</a:tableStyleId>
-              </a:tblPr>
-              <a:tblGrid>
-                <a:gridCol w="5257800">
-                  <a:extLst>
-                    <a:ext uri="{9D8B030D-6E8A-4147-A177-3AD203B41FA5}">
-                      <a16:colId xmlns:a16="http://schemas.microsoft.com/office/drawing/2014/main" val="30134810"/>
-                    </a:ext>
-                  </a:extLst>
-                </a:gridCol>
-                <a:gridCol w="5257800">
-                  <a:extLst>
-                    <a:ext uri="{9D8B030D-6E8A-4147-A177-3AD203B41FA5}">
-                      <a16:colId xmlns:a16="http://schemas.microsoft.com/office/drawing/2014/main" val="2360325032"/>
-                    </a:ext>
-                  </a:extLst>
-                </a:gridCol>
-              </a:tblGrid>
-              <a:tr h="370840">
-                <a:tc>
-                  <a:txBody>
-                    <a:bodyPr/>
-                    <a:lstStyle/>
-                    <a:p>
-                      <a:r>
-                        <a:rPr lang="en-US" dirty="0"/>
-                        <a:t>Network Layers</a:t>
-                      </a:r>
-                    </a:p>
-                  </a:txBody>
-                  <a:tcPr/>
-                </a:tc>
-                <a:tc>
-                  <a:txBody>
-                    <a:bodyPr/>
-                    <a:lstStyle/>
-                    <a:p>
-                      <a:r>
-                        <a:rPr lang="en-US" dirty="0"/>
-                        <a:t>Network Data</a:t>
-                      </a:r>
-                    </a:p>
-                  </a:txBody>
-                  <a:tcPr/>
-                </a:tc>
-                <a:extLst>
-                  <a:ext uri="{0D108BD9-81ED-4DB2-BD59-A6C34878D82A}">
-                    <a16:rowId xmlns:a16="http://schemas.microsoft.com/office/drawing/2014/main" val="2794941043"/>
-                  </a:ext>
-                </a:extLst>
-              </a:tr>
-              <a:tr h="370840">
-                <a:tc>
-                  <a:txBody>
-                    <a:bodyPr/>
-                    <a:lstStyle/>
-                    <a:p>
-                      <a:r>
-                        <a:rPr lang="en-US" dirty="0" err="1"/>
-                        <a:t>Radiotap</a:t>
-                      </a:r>
-                      <a:r>
-                        <a:rPr lang="en-US" dirty="0"/>
-                        <a:t> (optional)</a:t>
-                      </a:r>
-                    </a:p>
-                  </a:txBody>
-                  <a:tcPr/>
-                </a:tc>
-                <a:tc>
-                  <a:txBody>
-                    <a:bodyPr/>
-                    <a:lstStyle/>
-                    <a:p>
-                      <a:r>
-                        <a:rPr lang="en-US" dirty="0"/>
-                        <a:t>Radio data</a:t>
-                      </a:r>
-                    </a:p>
-                  </a:txBody>
-                  <a:tcPr/>
-                </a:tc>
-                <a:extLst>
-                  <a:ext uri="{0D108BD9-81ED-4DB2-BD59-A6C34878D82A}">
-                    <a16:rowId xmlns:a16="http://schemas.microsoft.com/office/drawing/2014/main" val="3960132474"/>
-                  </a:ext>
-                </a:extLst>
-              </a:tr>
-              <a:tr h="370840">
-                <a:tc>
-                  <a:txBody>
-                    <a:bodyPr/>
-                    <a:lstStyle/>
-                    <a:p>
-                      <a:r>
-                        <a:rPr lang="en-US" dirty="0"/>
-                        <a:t>TBD</a:t>
-                      </a:r>
-                    </a:p>
-                  </a:txBody>
-                  <a:tcPr/>
-                </a:tc>
-                <a:tc>
-                  <a:txBody>
-                    <a:bodyPr/>
-                    <a:lstStyle/>
-                    <a:p>
-                      <a:r>
-                        <a:rPr lang="en-US" dirty="0"/>
-                        <a:t>TBD</a:t>
-                      </a:r>
-                    </a:p>
-                  </a:txBody>
-                  <a:tcPr/>
-                </a:tc>
-                <a:extLst>
-                  <a:ext uri="{0D108BD9-81ED-4DB2-BD59-A6C34878D82A}">
-                    <a16:rowId xmlns:a16="http://schemas.microsoft.com/office/drawing/2014/main" val="2471028805"/>
-                  </a:ext>
-                </a:extLst>
-              </a:tr>
-              <a:tr h="370840">
-                <a:tc>
-                  <a:txBody>
-                    <a:bodyPr/>
-                    <a:lstStyle/>
-                    <a:p>
-                      <a:r>
-                        <a:rPr lang="en-US" dirty="0"/>
-                        <a:t>TBD</a:t>
-                      </a:r>
-                    </a:p>
-                  </a:txBody>
-                  <a:tcPr/>
-                </a:tc>
-                <a:tc>
-                  <a:txBody>
-                    <a:bodyPr/>
-                    <a:lstStyle/>
-                    <a:p>
-                      <a:r>
-                        <a:rPr lang="en-US" dirty="0"/>
-                        <a:t>TBD</a:t>
-                      </a:r>
-                    </a:p>
-                  </a:txBody>
-                  <a:tcPr/>
-                </a:tc>
-                <a:extLst>
-                  <a:ext uri="{0D108BD9-81ED-4DB2-BD59-A6C34878D82A}">
-                    <a16:rowId xmlns:a16="http://schemas.microsoft.com/office/drawing/2014/main" val="3890305168"/>
-                  </a:ext>
-                </a:extLst>
-              </a:tr>
-              <a:tr h="370840">
-                <a:tc>
-                  <a:txBody>
-                    <a:bodyPr/>
-                    <a:lstStyle/>
-                    <a:p>
-                      <a:r>
-                        <a:rPr lang="en-US" dirty="0"/>
-                        <a:t>TBD</a:t>
-                      </a:r>
-                    </a:p>
-                  </a:txBody>
-                  <a:tcPr/>
-                </a:tc>
-                <a:tc>
-                  <a:txBody>
-                    <a:bodyPr/>
-                    <a:lstStyle/>
-                    <a:p>
-                      <a:r>
-                        <a:rPr lang="en-US" dirty="0"/>
-                        <a:t>TBD</a:t>
-                      </a:r>
-                    </a:p>
-                  </a:txBody>
-                  <a:tcPr/>
-                </a:tc>
-                <a:extLst>
-                  <a:ext uri="{0D108BD9-81ED-4DB2-BD59-A6C34878D82A}">
-                    <a16:rowId xmlns:a16="http://schemas.microsoft.com/office/drawing/2014/main" val="2077965236"/>
-                  </a:ext>
-                </a:extLst>
-              </a:tr>
-              <a:tr h="370840">
-                <a:tc>
-                  <a:txBody>
-                    <a:bodyPr/>
-                    <a:lstStyle/>
-                    <a:p>
-                      <a:r>
-                        <a:rPr lang="en-US" dirty="0"/>
-                        <a:t>1609.2 layer</a:t>
-                      </a:r>
-                    </a:p>
-                  </a:txBody>
-                  <a:tcPr/>
-                </a:tc>
-                <a:tc>
-                  <a:txBody>
-                    <a:bodyPr/>
-                    <a:lstStyle/>
-                    <a:p>
-                      <a:r>
-                        <a:rPr lang="en-US" dirty="0"/>
-                        <a:t>Security signage (even if unsigned)</a:t>
-                      </a:r>
-                    </a:p>
-                  </a:txBody>
-                  <a:tcPr/>
-                </a:tc>
-                <a:extLst>
-                  <a:ext uri="{0D108BD9-81ED-4DB2-BD59-A6C34878D82A}">
-                    <a16:rowId xmlns:a16="http://schemas.microsoft.com/office/drawing/2014/main" val="482269773"/>
-                  </a:ext>
-                </a:extLst>
-              </a:tr>
-              <a:tr h="370840">
-                <a:tc>
-                  <a:txBody>
-                    <a:bodyPr/>
-                    <a:lstStyle/>
-                    <a:p>
-                      <a:r>
-                        <a:rPr lang="en-US" dirty="0"/>
-                        <a:t>J2735 layer</a:t>
-                      </a:r>
-                    </a:p>
-                  </a:txBody>
-                  <a:tcPr/>
-                </a:tc>
-                <a:tc>
-                  <a:txBody>
-                    <a:bodyPr/>
-                    <a:lstStyle/>
-                    <a:p>
-                      <a:r>
-                        <a:rPr lang="en-US" dirty="0"/>
-                        <a:t>BSM, MAP, SPAT, RTCM, …</a:t>
-                      </a:r>
-                    </a:p>
-                  </a:txBody>
-                  <a:tcPr/>
-                </a:tc>
-                <a:extLst>
-                  <a:ext uri="{0D108BD9-81ED-4DB2-BD59-A6C34878D82A}">
-                    <a16:rowId xmlns:a16="http://schemas.microsoft.com/office/drawing/2014/main" val="1210011890"/>
-                  </a:ext>
-                </a:extLst>
-              </a:tr>
-            </a:tbl>
-          </a:graphicData>
-        </a:graphic>
-      </p:graphicFrame>
-      <p:sp>
-        <p:nvSpPr>
-          <p:cNvPr id="5" name="Content Placeholder 2">
-            <a:extLst>
-              <a:ext uri="{FF2B5EF4-FFF2-40B4-BE49-F238E27FC236}">
-                <a16:creationId xmlns:a16="http://schemas.microsoft.com/office/drawing/2014/main" id="{3D9B3A6B-64A8-4E7B-BC6B-7EF601318D20}"/>
-              </a:ext>
-            </a:extLst>
-          </p:cNvPr>
-          <p:cNvSpPr txBox="1">
-            <a:spLocks/>
-          </p:cNvSpPr>
-          <p:nvPr/>
-        </p:nvSpPr>
-        <p:spPr>
-          <a:xfrm>
-            <a:off x="838200" y="3765184"/>
-            <a:ext cx="10515600" cy="2727690"/>
-          </a:xfrm>
-          <a:prstGeom prst="rect">
-            <a:avLst/>
-          </a:prstGeom>
-        </p:spPr>
-        <p:txBody>
-          <a:bodyPr vert="horz" lIns="91440" tIns="45720" rIns="91440" bIns="45720" rtlCol="0">
-            <a:normAutofit/>
-          </a:bodyPr>
-          <a:lstStyle>
-            <a:lvl1pPr marL="228600" indent="-228600" algn="l" defTabSz="914400" rtl="0" eaLnBrk="1" latinLnBrk="0" hangingPunct="1">
-              <a:lnSpc>
-                <a:spcPct val="90000"/>
-              </a:lnSpc>
-              <a:spcBef>
-                <a:spcPts val="1000"/>
-              </a:spcBef>
-              <a:buFont typeface="Arial" panose="020B0604020202020204" pitchFamily="34" charset="0"/>
-              <a:buChar char="•"/>
-              <a:defRPr sz="2800" kern="1200">
-                <a:solidFill>
-                  <a:schemeClr val="tx1"/>
-                </a:solidFill>
-                <a:latin typeface="+mn-lt"/>
-                <a:ea typeface="+mn-ea"/>
-                <a:cs typeface="+mn-cs"/>
-              </a:defRPr>
-            </a:lvl1pPr>
-            <a:lvl2pPr marL="685800" indent="-228600" algn="l" defTabSz="914400" rtl="0" eaLnBrk="1" latinLnBrk="0" hangingPunct="1">
-              <a:lnSpc>
-                <a:spcPct val="90000"/>
-              </a:lnSpc>
-              <a:spcBef>
-                <a:spcPts val="500"/>
-              </a:spcBef>
-              <a:buFont typeface="Arial" panose="020B0604020202020204" pitchFamily="34" charset="0"/>
-              <a:buChar char="•"/>
-              <a:defRPr sz="2400" kern="1200">
-                <a:solidFill>
-                  <a:schemeClr val="tx1"/>
-                </a:solidFill>
-                <a:latin typeface="+mn-lt"/>
-                <a:ea typeface="+mn-ea"/>
-                <a:cs typeface="+mn-cs"/>
-              </a:defRPr>
-            </a:lvl2pPr>
-            <a:lvl3pPr marL="1143000" indent="-228600" algn="l" defTabSz="914400" rtl="0" eaLnBrk="1" latinLnBrk="0" hangingPunct="1">
-              <a:lnSpc>
-                <a:spcPct val="90000"/>
-              </a:lnSpc>
-              <a:spcBef>
-                <a:spcPts val="500"/>
-              </a:spcBef>
-              <a:buFont typeface="Arial" panose="020B0604020202020204" pitchFamily="34" charset="0"/>
-              <a:buChar char="•"/>
-              <a:defRPr sz="2000" kern="1200">
-                <a:solidFill>
-                  <a:schemeClr val="tx1"/>
-                </a:solidFill>
-                <a:latin typeface="+mn-lt"/>
-                <a:ea typeface="+mn-ea"/>
-                <a:cs typeface="+mn-cs"/>
-              </a:defRPr>
-            </a:lvl3pPr>
-            <a:lvl4pPr marL="1600200" indent="-228600" algn="l" defTabSz="914400" rtl="0" eaLnBrk="1" latinLnBrk="0" hangingPunct="1">
-              <a:lnSpc>
-                <a:spcPct val="90000"/>
-              </a:lnSpc>
-              <a:spcBef>
-                <a:spcPts val="500"/>
-              </a:spcBef>
-              <a:buFont typeface="Arial" panose="020B0604020202020204" pitchFamily="34" charset="0"/>
-              <a:buChar char="•"/>
-              <a:defRPr sz="1800" kern="1200">
-                <a:solidFill>
-                  <a:schemeClr val="tx1"/>
-                </a:solidFill>
-                <a:latin typeface="+mn-lt"/>
-                <a:ea typeface="+mn-ea"/>
-                <a:cs typeface="+mn-cs"/>
-              </a:defRPr>
-            </a:lvl4pPr>
-            <a:lvl5pPr marL="2057400" indent="-228600" algn="l" defTabSz="914400" rtl="0" eaLnBrk="1" latinLnBrk="0" hangingPunct="1">
-              <a:lnSpc>
-                <a:spcPct val="90000"/>
-              </a:lnSpc>
-              <a:spcBef>
-                <a:spcPts val="500"/>
-              </a:spcBef>
-              <a:buFont typeface="Arial" panose="020B0604020202020204" pitchFamily="34" charset="0"/>
-              <a:buChar char="•"/>
-              <a:defRPr sz="1800" kern="1200">
-                <a:solidFill>
-                  <a:schemeClr val="tx1"/>
-                </a:solidFill>
-                <a:latin typeface="+mn-lt"/>
-                <a:ea typeface="+mn-ea"/>
-                <a:cs typeface="+mn-cs"/>
-              </a:defRPr>
-            </a:lvl5pPr>
-            <a:lvl6pPr marL="2514600" indent="-228600" algn="l" defTabSz="914400" rtl="0" eaLnBrk="1" latinLnBrk="0" hangingPunct="1">
-              <a:lnSpc>
-                <a:spcPct val="90000"/>
-              </a:lnSpc>
-              <a:spcBef>
-                <a:spcPts val="500"/>
-              </a:spcBef>
-              <a:buFont typeface="Arial" panose="020B0604020202020204" pitchFamily="34" charset="0"/>
-              <a:buChar char="•"/>
-              <a:defRPr sz="1800" kern="1200">
-                <a:solidFill>
-                  <a:schemeClr val="tx1"/>
-                </a:solidFill>
-                <a:latin typeface="+mn-lt"/>
-                <a:ea typeface="+mn-ea"/>
-                <a:cs typeface="+mn-cs"/>
-              </a:defRPr>
-            </a:lvl6pPr>
-            <a:lvl7pPr marL="2971800" indent="-228600" algn="l" defTabSz="914400" rtl="0" eaLnBrk="1" latinLnBrk="0" hangingPunct="1">
-              <a:lnSpc>
-                <a:spcPct val="90000"/>
-              </a:lnSpc>
-              <a:spcBef>
-                <a:spcPts val="500"/>
-              </a:spcBef>
-              <a:buFont typeface="Arial" panose="020B0604020202020204" pitchFamily="34" charset="0"/>
-              <a:buChar char="•"/>
-              <a:defRPr sz="1800" kern="1200">
-                <a:solidFill>
-                  <a:schemeClr val="tx1"/>
-                </a:solidFill>
-                <a:latin typeface="+mn-lt"/>
-                <a:ea typeface="+mn-ea"/>
-                <a:cs typeface="+mn-cs"/>
-              </a:defRPr>
-            </a:lvl7pPr>
-            <a:lvl8pPr marL="3429000" indent="-228600" algn="l" defTabSz="914400" rtl="0" eaLnBrk="1" latinLnBrk="0" hangingPunct="1">
-              <a:lnSpc>
-                <a:spcPct val="90000"/>
-              </a:lnSpc>
-              <a:spcBef>
-                <a:spcPts val="500"/>
-              </a:spcBef>
-              <a:buFont typeface="Arial" panose="020B0604020202020204" pitchFamily="34" charset="0"/>
-              <a:buChar char="•"/>
-              <a:defRPr sz="1800" kern="1200">
-                <a:solidFill>
-                  <a:schemeClr val="tx1"/>
-                </a:solidFill>
-                <a:latin typeface="+mn-lt"/>
-                <a:ea typeface="+mn-ea"/>
-                <a:cs typeface="+mn-cs"/>
-              </a:defRPr>
-            </a:lvl8pPr>
-            <a:lvl9pPr marL="3886200" indent="-228600" algn="l" defTabSz="914400" rtl="0" eaLnBrk="1" latinLnBrk="0" hangingPunct="1">
-              <a:lnSpc>
-                <a:spcPct val="90000"/>
-              </a:lnSpc>
-              <a:spcBef>
-                <a:spcPts val="500"/>
-              </a:spcBef>
-              <a:buFont typeface="Arial" panose="020B0604020202020204" pitchFamily="34" charset="0"/>
-              <a:buChar char="•"/>
-              <a:defRPr sz="1800" kern="1200">
-                <a:solidFill>
-                  <a:schemeClr val="tx1"/>
-                </a:solidFill>
-                <a:latin typeface="+mn-lt"/>
-                <a:ea typeface="+mn-ea"/>
-                <a:cs typeface="+mn-cs"/>
-              </a:defRPr>
-            </a:lvl9pPr>
-          </a:lstStyle>
-          <a:p>
-            <a:r>
-              <a:rPr lang="en-US" sz="2400" dirty="0"/>
-              <a:t>Some OBUs send over UDP (</a:t>
-            </a:r>
-            <a:r>
-              <a:rPr lang="en-US" sz="2400" dirty="0" err="1"/>
-              <a:t>Cohda</a:t>
-            </a:r>
-            <a:r>
-              <a:rPr lang="en-US" sz="2400" dirty="0"/>
-              <a:t> ports 9000-9001)</a:t>
-            </a:r>
-          </a:p>
-          <a:p>
-            <a:r>
-              <a:rPr lang="en-US" sz="2400" dirty="0"/>
-              <a:t>Or use special 0x88DC format for OTA data</a:t>
-            </a:r>
-          </a:p>
-          <a:p>
-            <a:r>
-              <a:rPr lang="en-US" sz="2400" dirty="0"/>
-              <a:t>Same rules as for DSRC, needs WSMP layer</a:t>
-            </a:r>
-          </a:p>
-        </p:txBody>
-      </p:sp>
-    </p:spTree>
-    <p:extLst>
-      <p:ext uri="{BB962C8B-B14F-4D97-AF65-F5344CB8AC3E}">
-        <p14:creationId xmlns:p14="http://schemas.microsoft.com/office/powerpoint/2010/main" val="1537710732"/>
       </p:ext>
     </p:extLst>
   </p:cSld>
